--- a/JavaLecture/LectureFile/java 7강 멤버변수와메모리_정답.pptx
+++ b/JavaLecture/LectureFile/java 7강 멤버변수와메모리_정답.pptx
@@ -227,7 +227,7 @@
           <a:p>
             <a:fld id="{D79F2C30-10E1-4C46-91DC-BBDB9629E720}" type="datetimeFigureOut">
               <a:rPr lang="ko-KR" altLang="en-US" smtClean="0"/>
-              <a:t>2023-11-22 Wednesday</a:t>
+              <a:t>2024-03-25 Monday</a:t>
             </a:fld>
             <a:endParaRPr lang="ko-KR" altLang="en-US"/>
           </a:p>
@@ -687,7 +687,7 @@
           <a:p>
             <a:fld id="{F8166F1F-CE9B-4651-A6AA-CD717754106B}" type="datetimeFigureOut">
               <a:rPr lang="en-US" smtClean="0"/>
-              <a:t>11/22/2023</a:t>
+              <a:t>3/25/2024</a:t>
             </a:fld>
             <a:endParaRPr lang="en-US"/>
           </a:p>
@@ -890,7 +890,7 @@
           <a:p>
             <a:fld id="{A76116CE-C4A3-4A05-B2D7-7C2E9A889C0F}" type="datetimeFigureOut">
               <a:rPr lang="en-US" smtClean="0"/>
-              <a:t>11/22/2023</a:t>
+              <a:t>3/25/2024</a:t>
             </a:fld>
             <a:endParaRPr lang="en-US"/>
           </a:p>
@@ -1093,7 +1093,7 @@
           <a:p>
             <a:fld id="{A76116CE-C4A3-4A05-B2D7-7C2E9A889C0F}" type="datetimeFigureOut">
               <a:rPr lang="en-US" smtClean="0"/>
-              <a:t>11/22/2023</a:t>
+              <a:t>3/25/2024</a:t>
             </a:fld>
             <a:endParaRPr lang="en-US"/>
           </a:p>
@@ -1298,7 +1298,7 @@
           <a:p>
             <a:fld id="{A76116CE-C4A3-4A05-B2D7-7C2E9A889C0F}" type="datetimeFigureOut">
               <a:rPr lang="en-US" smtClean="0"/>
-              <a:t>11/22/2023</a:t>
+              <a:t>3/25/2024</a:t>
             </a:fld>
             <a:endParaRPr lang="en-US"/>
           </a:p>
@@ -1568,7 +1568,7 @@
           <a:p>
             <a:fld id="{A76116CE-C4A3-4A05-B2D7-7C2E9A889C0F}" type="datetimeFigureOut">
               <a:rPr lang="en-US" smtClean="0"/>
-              <a:t>11/22/2023</a:t>
+              <a:t>3/25/2024</a:t>
             </a:fld>
             <a:endParaRPr lang="en-US"/>
           </a:p>
@@ -1886,7 +1886,7 @@
           <a:p>
             <a:fld id="{A76116CE-C4A3-4A05-B2D7-7C2E9A889C0F}" type="datetimeFigureOut">
               <a:rPr lang="en-US" smtClean="0"/>
-              <a:t>11/22/2023</a:t>
+              <a:t>3/25/2024</a:t>
             </a:fld>
             <a:endParaRPr lang="en-US"/>
           </a:p>
@@ -2344,7 +2344,7 @@
           <a:p>
             <a:fld id="{A76116CE-C4A3-4A05-B2D7-7C2E9A889C0F}" type="datetimeFigureOut">
               <a:rPr lang="en-US" smtClean="0"/>
-              <a:t>11/22/2023</a:t>
+              <a:t>3/25/2024</a:t>
             </a:fld>
             <a:endParaRPr lang="en-US"/>
           </a:p>
@@ -2488,7 +2488,7 @@
           <a:p>
             <a:fld id="{A76116CE-C4A3-4A05-B2D7-7C2E9A889C0F}" type="datetimeFigureOut">
               <a:rPr lang="en-US" smtClean="0"/>
-              <a:t>11/22/2023</a:t>
+              <a:t>3/25/2024</a:t>
             </a:fld>
             <a:endParaRPr lang="en-US"/>
           </a:p>
@@ -2602,7 +2602,7 @@
           <a:p>
             <a:fld id="{A76116CE-C4A3-4A05-B2D7-7C2E9A889C0F}" type="datetimeFigureOut">
               <a:rPr lang="en-US" smtClean="0"/>
-              <a:t>11/22/2023</a:t>
+              <a:t>3/25/2024</a:t>
             </a:fld>
             <a:endParaRPr lang="en-US"/>
           </a:p>
@@ -2905,7 +2905,7 @@
           <a:p>
             <a:fld id="{A76116CE-C4A3-4A05-B2D7-7C2E9A889C0F}" type="datetimeFigureOut">
               <a:rPr lang="en-US" smtClean="0"/>
-              <a:t>11/22/2023</a:t>
+              <a:t>3/25/2024</a:t>
             </a:fld>
             <a:endParaRPr lang="en-US"/>
           </a:p>
@@ -3185,7 +3185,7 @@
           <a:p>
             <a:fld id="{A76116CE-C4A3-4A05-B2D7-7C2E9A889C0F}" type="datetimeFigureOut">
               <a:rPr lang="en-US" smtClean="0"/>
-              <a:t>11/22/2023</a:t>
+              <a:t>3/25/2024</a:t>
             </a:fld>
             <a:endParaRPr lang="en-US"/>
           </a:p>
@@ -4122,54 +4122,6 @@
           <a:chExt cx="0" cy="0"/>
         </a:xfrm>
       </p:grpSpPr>
-      <p:sp>
-        <p:nvSpPr>
-          <p:cNvPr id="4" name="TextBox 3">
-            <a:extLst>
-              <a:ext uri="{FF2B5EF4-FFF2-40B4-BE49-F238E27FC236}">
-                <a16:creationId xmlns:a16="http://schemas.microsoft.com/office/drawing/2014/main" id="{5ADC00B6-990A-40DC-3CEA-505258F5E8DA}"/>
-              </a:ext>
-            </a:extLst>
-          </p:cNvPr>
-          <p:cNvSpPr txBox="1"/>
-          <p:nvPr/>
-        </p:nvSpPr>
-        <p:spPr>
-          <a:xfrm>
-            <a:off x="762000" y="419100"/>
-            <a:ext cx="3894040" cy="830997"/>
-          </a:xfrm>
-          <a:prstGeom prst="rect">
-            <a:avLst/>
-          </a:prstGeom>
-          <a:noFill/>
-        </p:spPr>
-        <p:txBody>
-          <a:bodyPr wrap="square" rtlCol="0">
-            <a:spAutoFit/>
-          </a:bodyPr>
-          <a:lstStyle/>
-          <a:p>
-            <a:r>
-              <a:rPr lang="ko-KR" altLang="en-US" sz="4800">
-                <a:solidFill>
-                  <a:srgbClr val="4C50BC"/>
-                </a:solidFill>
-                <a:latin typeface="G마켓 산스 Medium" panose="02000000000000000000" pitchFamily="50" charset="-127"/>
-                <a:ea typeface="G마켓 산스 Medium" panose="02000000000000000000" pitchFamily="50" charset="-127"/>
-              </a:rPr>
-              <a:t>정답</a:t>
-            </a:r>
-            <a:endParaRPr lang="en-US" altLang="ko-KR" sz="4800" dirty="0">
-              <a:solidFill>
-                <a:srgbClr val="4C50BC"/>
-              </a:solidFill>
-              <a:latin typeface="G마켓 산스 Medium" panose="02000000000000000000" pitchFamily="50" charset="-127"/>
-              <a:ea typeface="G마켓 산스 Medium" panose="02000000000000000000" pitchFamily="50" charset="-127"/>
-            </a:endParaRPr>
-          </a:p>
-        </p:txBody>
-      </p:sp>
       <p:pic>
         <p:nvPicPr>
           <p:cNvPr id="5" name="그림 4"/>
@@ -4186,14 +4138,128 @@
         </p:blipFill>
         <p:spPr>
           <a:xfrm>
-            <a:off x="2590800" y="419100"/>
-            <a:ext cx="11734800" cy="9593002"/>
+            <a:off x="2590800" y="1042022"/>
+            <a:ext cx="10972800" cy="8970080"/>
           </a:xfrm>
           <a:prstGeom prst="rect">
             <a:avLst/>
           </a:prstGeom>
         </p:spPr>
       </p:pic>
+      <p:sp>
+        <p:nvSpPr>
+          <p:cNvPr id="2" name="TextBox 1">
+            <a:extLst>
+              <a:ext uri="{FF2B5EF4-FFF2-40B4-BE49-F238E27FC236}">
+                <a16:creationId xmlns:a16="http://schemas.microsoft.com/office/drawing/2014/main" id="{DD2B86CD-306F-6D8B-1BA0-7B4EE0BC19D2}"/>
+              </a:ext>
+            </a:extLst>
+          </p:cNvPr>
+          <p:cNvSpPr txBox="1"/>
+          <p:nvPr/>
+        </p:nvSpPr>
+        <p:spPr>
+          <a:xfrm>
+            <a:off x="304800" y="114300"/>
+            <a:ext cx="10972800" cy="923330"/>
+          </a:xfrm>
+          <a:prstGeom prst="rect">
+            <a:avLst/>
+          </a:prstGeom>
+          <a:noFill/>
+        </p:spPr>
+        <p:txBody>
+          <a:bodyPr wrap="square" rtlCol="0">
+            <a:spAutoFit/>
+          </a:bodyPr>
+          <a:lstStyle/>
+          <a:p>
+            <a:r>
+              <a:rPr lang="en-US" altLang="ko-KR" sz="5400" spc="-300" dirty="0">
+                <a:solidFill>
+                  <a:srgbClr val="4C50BC"/>
+                </a:solidFill>
+                <a:latin typeface="G마켓 산스 Bold" panose="02000000000000000000" pitchFamily="50" charset="-127"/>
+                <a:ea typeface="G마켓 산스 Bold" panose="02000000000000000000" pitchFamily="50" charset="-127"/>
+              </a:rPr>
+              <a:t>1-3 </a:t>
+            </a:r>
+            <a:r>
+              <a:rPr lang="ko-KR" altLang="en-US" sz="5400" spc="-300" dirty="0">
+                <a:solidFill>
+                  <a:srgbClr val="4C50BC"/>
+                </a:solidFill>
+                <a:latin typeface="G마켓 산스 Bold" panose="02000000000000000000" pitchFamily="50" charset="-127"/>
+                <a:ea typeface="G마켓 산스 Bold" panose="02000000000000000000" pitchFamily="50" charset="-127"/>
+              </a:rPr>
+              <a:t>문제풀이</a:t>
+            </a:r>
+            <a:r>
+              <a:rPr lang="en-US" altLang="ko-KR" sz="5400" spc="-300" dirty="0">
+                <a:solidFill>
+                  <a:srgbClr val="4C50BC"/>
+                </a:solidFill>
+                <a:latin typeface="G마켓 산스 Bold" panose="02000000000000000000" pitchFamily="50" charset="-127"/>
+                <a:ea typeface="G마켓 산스 Bold" panose="02000000000000000000" pitchFamily="50" charset="-127"/>
+              </a:rPr>
+              <a:t> </a:t>
+            </a:r>
+            <a:r>
+              <a:rPr lang="en-US" altLang="ko-KR" sz="5400" spc="-300" dirty="0">
+                <a:solidFill>
+                  <a:srgbClr val="FF0000"/>
+                </a:solidFill>
+                <a:latin typeface="G마켓 산스 Bold" panose="02000000000000000000" pitchFamily="50" charset="-127"/>
+                <a:ea typeface="G마켓 산스 Bold" panose="02000000000000000000" pitchFamily="50" charset="-127"/>
+              </a:rPr>
+              <a:t>(expert)</a:t>
+            </a:r>
+          </a:p>
+        </p:txBody>
+      </p:sp>
+      <p:cxnSp>
+        <p:nvCxnSpPr>
+          <p:cNvPr id="3" name="직선 연결선 2">
+            <a:extLst>
+              <a:ext uri="{FF2B5EF4-FFF2-40B4-BE49-F238E27FC236}">
+                <a16:creationId xmlns:a16="http://schemas.microsoft.com/office/drawing/2014/main" id="{1C805682-2688-9C26-EF61-4248AAD27632}"/>
+              </a:ext>
+            </a:extLst>
+          </p:cNvPr>
+          <p:cNvCxnSpPr>
+            <a:cxnSpLocks/>
+          </p:cNvCxnSpPr>
+          <p:nvPr/>
+        </p:nvCxnSpPr>
+        <p:spPr>
+          <a:xfrm flipH="1" flipV="1">
+            <a:off x="-13447" y="972511"/>
+            <a:ext cx="18288000" cy="65119"/>
+          </a:xfrm>
+          <a:prstGeom prst="line">
+            <a:avLst/>
+          </a:prstGeom>
+          <a:ln w="38100">
+            <a:solidFill>
+              <a:srgbClr val="4C50BC"/>
+            </a:solidFill>
+          </a:ln>
+        </p:spPr>
+        <p:style>
+          <a:lnRef idx="1">
+            <a:schemeClr val="accent1"/>
+          </a:lnRef>
+          <a:fillRef idx="0">
+            <a:schemeClr val="accent1"/>
+          </a:fillRef>
+          <a:effectRef idx="0">
+            <a:schemeClr val="accent1"/>
+          </a:effectRef>
+          <a:fontRef idx="minor">
+            <a:schemeClr val="tx1"/>
+          </a:fontRef>
+        </p:style>
+      </p:cxnSp>
     </p:spTree>
     <p:extLst>
       <p:ext uri="{BB962C8B-B14F-4D97-AF65-F5344CB8AC3E}">
@@ -4546,57 +4612,6 @@
       </p:grpSpPr>
       <p:sp>
         <p:nvSpPr>
-          <p:cNvPr id="4" name="TextBox 3">
-            <a:extLst>
-              <a:ext uri="{FF2B5EF4-FFF2-40B4-BE49-F238E27FC236}">
-                <a16:creationId xmlns:a16="http://schemas.microsoft.com/office/drawing/2014/main" id="{5ADC00B6-990A-40DC-3CEA-505258F5E8DA}"/>
-              </a:ext>
-            </a:extLst>
-          </p:cNvPr>
-          <p:cNvSpPr txBox="1"/>
-          <p:nvPr/>
-        </p:nvSpPr>
-        <p:spPr>
-          <a:xfrm>
-            <a:off x="762000" y="266700"/>
-            <a:ext cx="3894040" cy="830997"/>
-          </a:xfrm>
-          <a:prstGeom prst="rect">
-            <a:avLst/>
-          </a:prstGeom>
-          <a:noFill/>
-        </p:spPr>
-        <p:txBody>
-          <a:bodyPr wrap="square" rtlCol="0">
-            <a:spAutoFit/>
-          </a:bodyPr>
-          <a:lstStyle/>
-          <a:p>
-            <a:r>
-              <a:rPr lang="ko-KR" altLang="en-US" sz="4800">
-                <a:solidFill>
-                  <a:srgbClr val="4C50BC"/>
-                </a:solidFill>
-                <a:latin typeface="G마켓 산스 Medium" panose="02000000000000000000" pitchFamily="50" charset="-127"/>
-                <a:ea typeface="G마켓 산스 Medium" panose="02000000000000000000" pitchFamily="50" charset="-127"/>
-              </a:rPr>
-              <a:t>실습문제</a:t>
-            </a:r>
-            <a:r>
-              <a:rPr lang="en-US" altLang="ko-KR" sz="4800" dirty="0">
-                <a:solidFill>
-                  <a:srgbClr val="4C50BC"/>
-                </a:solidFill>
-                <a:latin typeface="G마켓 산스 Medium" panose="02000000000000000000" pitchFamily="50" charset="-127"/>
-                <a:ea typeface="G마켓 산스 Medium" panose="02000000000000000000" pitchFamily="50" charset="-127"/>
-              </a:rPr>
-              <a:t>2</a:t>
-            </a:r>
-          </a:p>
-        </p:txBody>
-      </p:sp>
-      <p:sp>
-        <p:nvSpPr>
           <p:cNvPr id="2" name="TextBox 1">
             <a:extLst>
               <a:ext uri="{FF2B5EF4-FFF2-40B4-BE49-F238E27FC236}">
@@ -4609,7 +4624,7 @@
         </p:nvSpPr>
         <p:spPr>
           <a:xfrm>
-            <a:off x="533400" y="1181100"/>
+            <a:off x="533400" y="1485900"/>
             <a:ext cx="16916400" cy="1938992"/>
           </a:xfrm>
           <a:prstGeom prst="rect">
@@ -4624,17 +4639,17 @@
           <a:lstStyle/>
           <a:p>
             <a:r>
-              <a:rPr lang="en-US" altLang="ko-KR" sz="4000">
+              <a:rPr lang="en-US" altLang="ko-KR" sz="4000" dirty="0">
                 <a:solidFill>
                   <a:srgbClr val="4C50BC"/>
                 </a:solidFill>
                 <a:latin typeface="G마켓 산스 Medium" panose="02000000000000000000" pitchFamily="50" charset="-127"/>
                 <a:ea typeface="G마켓 산스 Medium" panose="02000000000000000000" pitchFamily="50" charset="-127"/>
               </a:rPr>
-              <a:t>2-1 Marine </a:t>
-            </a:r>
-            <a:r>
-              <a:rPr lang="ko-KR" altLang="en-US" sz="4000">
+              <a:t>Marine </a:t>
+            </a:r>
+            <a:r>
+              <a:rPr lang="ko-KR" altLang="en-US" sz="4000" dirty="0">
                 <a:solidFill>
                   <a:srgbClr val="4C50BC"/>
                 </a:solidFill>
@@ -4644,7 +4659,7 @@
               <a:t>클래스를 만들고 객체를 생성하여 사용해보자</a:t>
             </a:r>
             <a:r>
-              <a:rPr lang="en-US" altLang="ko-KR" sz="4000">
+              <a:rPr lang="en-US" altLang="ko-KR" sz="4000" dirty="0">
                 <a:solidFill>
                   <a:srgbClr val="4C50BC"/>
                 </a:solidFill>
@@ -4653,16 +4668,13 @@
               </a:rPr>
               <a:t>.</a:t>
             </a:r>
-            <a:r>
-              <a:rPr lang="en-US" altLang="ko-KR" sz="4000">
-                <a:solidFill>
-                  <a:srgbClr val="FF0000"/>
-                </a:solidFill>
-                <a:latin typeface="G마켓 산스 Medium" panose="02000000000000000000" pitchFamily="50" charset="-127"/>
-                <a:ea typeface="G마켓 산스 Medium" panose="02000000000000000000" pitchFamily="50" charset="-127"/>
-              </a:rPr>
-              <a:t>(normal)</a:t>
-            </a:r>
+            <a:endParaRPr lang="en-US" altLang="ko-KR" sz="4000" dirty="0">
+              <a:solidFill>
+                <a:srgbClr val="FF0000"/>
+              </a:solidFill>
+              <a:latin typeface="G마켓 산스 Medium" panose="02000000000000000000" pitchFamily="50" charset="-127"/>
+              <a:ea typeface="G마켓 산스 Medium" panose="02000000000000000000" pitchFamily="50" charset="-127"/>
+            </a:endParaRPr>
           </a:p>
           <a:p>
             <a:pPr marL="571500" indent="-571500">
@@ -4670,7 +4682,7 @@
               <a:buChar char="-"/>
             </a:pPr>
             <a:r>
-              <a:rPr lang="ko-KR" altLang="en-US" sz="4000">
+              <a:rPr lang="ko-KR" altLang="en-US" sz="4000" dirty="0">
                 <a:solidFill>
                   <a:schemeClr val="bg1">
                     <a:lumMod val="50000"/>
@@ -4682,7 +4694,7 @@
               <a:t>멤버변수 </a:t>
             </a:r>
             <a:r>
-              <a:rPr lang="en-US" altLang="ko-KR" sz="4000">
+              <a:rPr lang="en-US" altLang="ko-KR" sz="4000" dirty="0">
                 <a:solidFill>
                   <a:schemeClr val="bg1">
                     <a:lumMod val="50000"/>
@@ -4694,7 +4706,7 @@
               <a:t>: int hp , int power(</a:t>
             </a:r>
             <a:r>
-              <a:rPr lang="ko-KR" altLang="en-US" sz="4000">
+              <a:rPr lang="ko-KR" altLang="en-US" sz="4000" dirty="0">
                 <a:solidFill>
                   <a:schemeClr val="bg1">
                     <a:lumMod val="50000"/>
@@ -4706,7 +4718,7 @@
               <a:t>공격력</a:t>
             </a:r>
             <a:r>
-              <a:rPr lang="en-US" altLang="ko-KR" sz="4000">
+              <a:rPr lang="en-US" altLang="ko-KR" sz="4000" dirty="0">
                 <a:solidFill>
                   <a:schemeClr val="bg1">
                     <a:lumMod val="50000"/>
@@ -4718,7 +4730,7 @@
               <a:t>) ,int armor(</a:t>
             </a:r>
             <a:r>
-              <a:rPr lang="ko-KR" altLang="en-US" sz="4000">
+              <a:rPr lang="ko-KR" altLang="en-US" sz="4000" dirty="0">
                 <a:solidFill>
                   <a:schemeClr val="bg1">
                     <a:lumMod val="50000"/>
@@ -4730,7 +4742,7 @@
               <a:t>방어력</a:t>
             </a:r>
             <a:r>
-              <a:rPr lang="en-US" altLang="ko-KR" sz="4000">
+              <a:rPr lang="en-US" altLang="ko-KR" sz="4000" dirty="0">
                 <a:solidFill>
                   <a:schemeClr val="bg1">
                     <a:lumMod val="50000"/>
@@ -4748,7 +4760,7 @@
               <a:buChar char="-"/>
             </a:pPr>
             <a:r>
-              <a:rPr lang="ko-KR" altLang="en-US" sz="4000">
+              <a:rPr lang="ko-KR" altLang="en-US" sz="4000" dirty="0" err="1">
                 <a:solidFill>
                   <a:schemeClr val="bg1">
                     <a:lumMod val="50000"/>
@@ -4757,10 +4769,10 @@
                 <a:latin typeface="G마켓 산스 Medium" panose="02000000000000000000" pitchFamily="50" charset="-127"/>
                 <a:ea typeface="G마켓 산스 Medium" panose="02000000000000000000" pitchFamily="50" charset="-127"/>
               </a:rPr>
-              <a:t>멤버메서드 </a:t>
-            </a:r>
-            <a:r>
-              <a:rPr lang="en-US" altLang="ko-KR" sz="4000">
+              <a:t>멤버메서드</a:t>
+            </a:r>
+            <a:r>
+              <a:rPr lang="ko-KR" altLang="en-US" sz="4000" dirty="0">
                 <a:solidFill>
                   <a:schemeClr val="bg1">
                     <a:lumMod val="50000"/>
@@ -4769,10 +4781,10 @@
                 <a:latin typeface="G마켓 산스 Medium" panose="02000000000000000000" pitchFamily="50" charset="-127"/>
                 <a:ea typeface="G마켓 산스 Medium" panose="02000000000000000000" pitchFamily="50" charset="-127"/>
               </a:rPr>
-              <a:t>: showState()  </a:t>
-            </a:r>
-            <a:r>
-              <a:rPr lang="ko-KR" altLang="en-US" sz="4000">
+              <a:t> </a:t>
+            </a:r>
+            <a:r>
+              <a:rPr lang="en-US" altLang="ko-KR" sz="4000" dirty="0">
                 <a:solidFill>
                   <a:schemeClr val="bg1">
                     <a:lumMod val="50000"/>
@@ -4781,10 +4793,46 @@
                 <a:latin typeface="G마켓 산스 Medium" panose="02000000000000000000" pitchFamily="50" charset="-127"/>
                 <a:ea typeface="G마켓 산스 Medium" panose="02000000000000000000" pitchFamily="50" charset="-127"/>
               </a:rPr>
+              <a:t>: </a:t>
+            </a:r>
+            <a:r>
+              <a:rPr lang="en-US" altLang="ko-KR" sz="4000" dirty="0" err="1">
+                <a:solidFill>
+                  <a:schemeClr val="bg1">
+                    <a:lumMod val="50000"/>
+                  </a:schemeClr>
+                </a:solidFill>
+                <a:latin typeface="G마켓 산스 Medium" panose="02000000000000000000" pitchFamily="50" charset="-127"/>
+                <a:ea typeface="G마켓 산스 Medium" panose="02000000000000000000" pitchFamily="50" charset="-127"/>
+              </a:rPr>
+              <a:t>showState</a:t>
+            </a:r>
+            <a:r>
+              <a:rPr lang="en-US" altLang="ko-KR" sz="4000" dirty="0">
+                <a:solidFill>
+                  <a:schemeClr val="bg1">
+                    <a:lumMod val="50000"/>
+                  </a:schemeClr>
+                </a:solidFill>
+                <a:latin typeface="G마켓 산스 Medium" panose="02000000000000000000" pitchFamily="50" charset="-127"/>
+                <a:ea typeface="G마켓 산스 Medium" panose="02000000000000000000" pitchFamily="50" charset="-127"/>
+              </a:rPr>
+              <a:t>()  </a:t>
+            </a:r>
+            <a:r>
+              <a:rPr lang="ko-KR" altLang="en-US" sz="4000" dirty="0">
+                <a:solidFill>
+                  <a:schemeClr val="bg1">
+                    <a:lumMod val="50000"/>
+                  </a:schemeClr>
+                </a:solidFill>
+                <a:latin typeface="G마켓 산스 Medium" panose="02000000000000000000" pitchFamily="50" charset="-127"/>
+                <a:ea typeface="G마켓 산스 Medium" panose="02000000000000000000" pitchFamily="50" charset="-127"/>
+              </a:rPr>
               <a:t>객체의 상태를 표시 한다</a:t>
             </a:r>
             <a:r>
-              <a:rPr lang="en-US" altLang="ko-KR" sz="4000">
+              <a:rPr lang="en-US" altLang="ko-KR" sz="4000" dirty="0">
                 <a:solidFill>
                   <a:schemeClr val="bg1">
                     <a:lumMod val="50000"/>
@@ -4814,7 +4862,7 @@
         </p:blipFill>
         <p:spPr>
           <a:xfrm>
-            <a:off x="8763000" y="3695700"/>
+            <a:off x="8763000" y="4000500"/>
             <a:ext cx="7645400" cy="2362200"/>
           </a:xfrm>
           <a:prstGeom prst="rect">
@@ -4838,7 +4886,7 @@
         </p:blipFill>
         <p:spPr>
           <a:xfrm>
-            <a:off x="228599" y="3582572"/>
+            <a:off x="228599" y="3887372"/>
             <a:ext cx="7665379" cy="3999328"/>
           </a:xfrm>
           <a:prstGeom prst="rect">
@@ -4846,6 +4894,120 @@
           </a:prstGeom>
         </p:spPr>
       </p:pic>
+      <p:sp>
+        <p:nvSpPr>
+          <p:cNvPr id="3" name="TextBox 2">
+            <a:extLst>
+              <a:ext uri="{FF2B5EF4-FFF2-40B4-BE49-F238E27FC236}">
+                <a16:creationId xmlns:a16="http://schemas.microsoft.com/office/drawing/2014/main" id="{7B9F2F30-02E6-4C77-F025-5E4C7622751F}"/>
+              </a:ext>
+            </a:extLst>
+          </p:cNvPr>
+          <p:cNvSpPr txBox="1"/>
+          <p:nvPr/>
+        </p:nvSpPr>
+        <p:spPr>
+          <a:xfrm>
+            <a:off x="304800" y="114300"/>
+            <a:ext cx="10972800" cy="923330"/>
+          </a:xfrm>
+          <a:prstGeom prst="rect">
+            <a:avLst/>
+          </a:prstGeom>
+          <a:noFill/>
+        </p:spPr>
+        <p:txBody>
+          <a:bodyPr wrap="square" rtlCol="0">
+            <a:spAutoFit/>
+          </a:bodyPr>
+          <a:lstStyle/>
+          <a:p>
+            <a:r>
+              <a:rPr lang="en-US" altLang="ko-KR" sz="5400" spc="-300" dirty="0">
+                <a:solidFill>
+                  <a:srgbClr val="4C50BC"/>
+                </a:solidFill>
+                <a:latin typeface="G마켓 산스 Bold" panose="02000000000000000000" pitchFamily="50" charset="-127"/>
+                <a:ea typeface="G마켓 산스 Bold" panose="02000000000000000000" pitchFamily="50" charset="-127"/>
+              </a:rPr>
+              <a:t>2-1 </a:t>
+            </a:r>
+            <a:r>
+              <a:rPr lang="ko-KR" altLang="en-US" sz="5400" spc="-300" dirty="0">
+                <a:solidFill>
+                  <a:srgbClr val="4C50BC"/>
+                </a:solidFill>
+                <a:latin typeface="G마켓 산스 Bold" panose="02000000000000000000" pitchFamily="50" charset="-127"/>
+                <a:ea typeface="G마켓 산스 Bold" panose="02000000000000000000" pitchFamily="50" charset="-127"/>
+              </a:rPr>
+              <a:t>실습문제</a:t>
+            </a:r>
+            <a:r>
+              <a:rPr lang="en-US" altLang="ko-KR" sz="5400" spc="-300" dirty="0">
+                <a:solidFill>
+                  <a:srgbClr val="4C50BC"/>
+                </a:solidFill>
+                <a:latin typeface="G마켓 산스 Bold" panose="02000000000000000000" pitchFamily="50" charset="-127"/>
+                <a:ea typeface="G마켓 산스 Bold" panose="02000000000000000000" pitchFamily="50" charset="-127"/>
+              </a:rPr>
+              <a:t> </a:t>
+            </a:r>
+            <a:r>
+              <a:rPr lang="en-US" altLang="ko-KR" sz="5400" spc="-300" dirty="0">
+                <a:solidFill>
+                  <a:srgbClr val="FF0000"/>
+                </a:solidFill>
+                <a:latin typeface="G마켓 산스 Bold" panose="02000000000000000000" pitchFamily="50" charset="-127"/>
+                <a:ea typeface="G마켓 산스 Bold" panose="02000000000000000000" pitchFamily="50" charset="-127"/>
+              </a:rPr>
+              <a:t>(normal)</a:t>
+            </a:r>
+          </a:p>
+        </p:txBody>
+      </p:sp>
+      <p:cxnSp>
+        <p:nvCxnSpPr>
+          <p:cNvPr id="6" name="직선 연결선 5">
+            <a:extLst>
+              <a:ext uri="{FF2B5EF4-FFF2-40B4-BE49-F238E27FC236}">
+                <a16:creationId xmlns:a16="http://schemas.microsoft.com/office/drawing/2014/main" id="{6729D70D-4A0D-6675-0E53-7406FFEFAF5D}"/>
+              </a:ext>
+            </a:extLst>
+          </p:cNvPr>
+          <p:cNvCxnSpPr>
+            <a:cxnSpLocks/>
+          </p:cNvCxnSpPr>
+          <p:nvPr/>
+        </p:nvCxnSpPr>
+        <p:spPr>
+          <a:xfrm flipH="1" flipV="1">
+            <a:off x="-13447" y="972511"/>
+            <a:ext cx="18288000" cy="65119"/>
+          </a:xfrm>
+          <a:prstGeom prst="line">
+            <a:avLst/>
+          </a:prstGeom>
+          <a:ln w="38100">
+            <a:solidFill>
+              <a:srgbClr val="4C50BC"/>
+            </a:solidFill>
+          </a:ln>
+        </p:spPr>
+        <p:style>
+          <a:lnRef idx="1">
+            <a:schemeClr val="accent1"/>
+          </a:lnRef>
+          <a:fillRef idx="0">
+            <a:schemeClr val="accent1"/>
+          </a:fillRef>
+          <a:effectRef idx="0">
+            <a:schemeClr val="accent1"/>
+          </a:effectRef>
+          <a:fontRef idx="minor">
+            <a:schemeClr val="tx1"/>
+          </a:fontRef>
+        </p:style>
+      </p:cxnSp>
     </p:spTree>
     <p:extLst>
       <p:ext uri="{BB962C8B-B14F-4D97-AF65-F5344CB8AC3E}">
@@ -4924,54 +5086,6 @@
           </a:prstGeom>
         </p:spPr>
       </p:pic>
-      <p:sp>
-        <p:nvSpPr>
-          <p:cNvPr id="8" name="TextBox 7">
-            <a:extLst>
-              <a:ext uri="{FF2B5EF4-FFF2-40B4-BE49-F238E27FC236}">
-                <a16:creationId xmlns:a16="http://schemas.microsoft.com/office/drawing/2014/main" id="{5ADC00B6-990A-40DC-3CEA-505258F5E8DA}"/>
-              </a:ext>
-            </a:extLst>
-          </p:cNvPr>
-          <p:cNvSpPr txBox="1"/>
-          <p:nvPr/>
-        </p:nvSpPr>
-        <p:spPr>
-          <a:xfrm>
-            <a:off x="762000" y="419100"/>
-            <a:ext cx="3894040" cy="830997"/>
-          </a:xfrm>
-          <a:prstGeom prst="rect">
-            <a:avLst/>
-          </a:prstGeom>
-          <a:noFill/>
-        </p:spPr>
-        <p:txBody>
-          <a:bodyPr wrap="square" rtlCol="0">
-            <a:spAutoFit/>
-          </a:bodyPr>
-          <a:lstStyle/>
-          <a:p>
-            <a:r>
-              <a:rPr lang="ko-KR" altLang="en-US" sz="4800">
-                <a:solidFill>
-                  <a:srgbClr val="4C50BC"/>
-                </a:solidFill>
-                <a:latin typeface="G마켓 산스 Medium" panose="02000000000000000000" pitchFamily="50" charset="-127"/>
-                <a:ea typeface="G마켓 산스 Medium" panose="02000000000000000000" pitchFamily="50" charset="-127"/>
-              </a:rPr>
-              <a:t>정답</a:t>
-            </a:r>
-            <a:endParaRPr lang="en-US" altLang="ko-KR" sz="4800" dirty="0">
-              <a:solidFill>
-                <a:srgbClr val="4C50BC"/>
-              </a:solidFill>
-              <a:latin typeface="G마켓 산스 Medium" panose="02000000000000000000" pitchFamily="50" charset="-127"/>
-              <a:ea typeface="G마켓 산스 Medium" panose="02000000000000000000" pitchFamily="50" charset="-127"/>
-            </a:endParaRPr>
-          </a:p>
-        </p:txBody>
-      </p:sp>
       <p:cxnSp>
         <p:nvCxnSpPr>
           <p:cNvPr id="9" name="직선 화살표 연결선 8">
@@ -5071,6 +5185,120 @@
           </a:p>
         </p:txBody>
       </p:sp>
+      <p:sp>
+        <p:nvSpPr>
+          <p:cNvPr id="2" name="TextBox 1">
+            <a:extLst>
+              <a:ext uri="{FF2B5EF4-FFF2-40B4-BE49-F238E27FC236}">
+                <a16:creationId xmlns:a16="http://schemas.microsoft.com/office/drawing/2014/main" id="{31ED2965-837B-DCF1-A07A-AFFE44C4A1A4}"/>
+              </a:ext>
+            </a:extLst>
+          </p:cNvPr>
+          <p:cNvSpPr txBox="1"/>
+          <p:nvPr/>
+        </p:nvSpPr>
+        <p:spPr>
+          <a:xfrm>
+            <a:off x="304800" y="114300"/>
+            <a:ext cx="10972800" cy="923330"/>
+          </a:xfrm>
+          <a:prstGeom prst="rect">
+            <a:avLst/>
+          </a:prstGeom>
+          <a:noFill/>
+        </p:spPr>
+        <p:txBody>
+          <a:bodyPr wrap="square" rtlCol="0">
+            <a:spAutoFit/>
+          </a:bodyPr>
+          <a:lstStyle/>
+          <a:p>
+            <a:r>
+              <a:rPr lang="en-US" altLang="ko-KR" sz="5400" spc="-300" dirty="0">
+                <a:solidFill>
+                  <a:srgbClr val="4C50BC"/>
+                </a:solidFill>
+                <a:latin typeface="G마켓 산스 Bold" panose="02000000000000000000" pitchFamily="50" charset="-127"/>
+                <a:ea typeface="G마켓 산스 Bold" panose="02000000000000000000" pitchFamily="50" charset="-127"/>
+              </a:rPr>
+              <a:t>2-1 </a:t>
+            </a:r>
+            <a:r>
+              <a:rPr lang="ko-KR" altLang="en-US" sz="5400" spc="-300" dirty="0">
+                <a:solidFill>
+                  <a:srgbClr val="4C50BC"/>
+                </a:solidFill>
+                <a:latin typeface="G마켓 산스 Bold" panose="02000000000000000000" pitchFamily="50" charset="-127"/>
+                <a:ea typeface="G마켓 산스 Bold" panose="02000000000000000000" pitchFamily="50" charset="-127"/>
+              </a:rPr>
+              <a:t>문제풀이</a:t>
+            </a:r>
+            <a:r>
+              <a:rPr lang="en-US" altLang="ko-KR" sz="5400" spc="-300" dirty="0">
+                <a:solidFill>
+                  <a:srgbClr val="4C50BC"/>
+                </a:solidFill>
+                <a:latin typeface="G마켓 산스 Bold" panose="02000000000000000000" pitchFamily="50" charset="-127"/>
+                <a:ea typeface="G마켓 산스 Bold" panose="02000000000000000000" pitchFamily="50" charset="-127"/>
+              </a:rPr>
+              <a:t> </a:t>
+            </a:r>
+            <a:r>
+              <a:rPr lang="en-US" altLang="ko-KR" sz="5400" spc="-300" dirty="0">
+                <a:solidFill>
+                  <a:srgbClr val="FF0000"/>
+                </a:solidFill>
+                <a:latin typeface="G마켓 산스 Bold" panose="02000000000000000000" pitchFamily="50" charset="-127"/>
+                <a:ea typeface="G마켓 산스 Bold" panose="02000000000000000000" pitchFamily="50" charset="-127"/>
+              </a:rPr>
+              <a:t>(normal)</a:t>
+            </a:r>
+          </a:p>
+        </p:txBody>
+      </p:sp>
+      <p:cxnSp>
+        <p:nvCxnSpPr>
+          <p:cNvPr id="3" name="직선 연결선 2">
+            <a:extLst>
+              <a:ext uri="{FF2B5EF4-FFF2-40B4-BE49-F238E27FC236}">
+                <a16:creationId xmlns:a16="http://schemas.microsoft.com/office/drawing/2014/main" id="{30812423-2B86-C454-3D60-F6523A4F2F63}"/>
+              </a:ext>
+            </a:extLst>
+          </p:cNvPr>
+          <p:cNvCxnSpPr>
+            <a:cxnSpLocks/>
+          </p:cNvCxnSpPr>
+          <p:nvPr/>
+        </p:nvCxnSpPr>
+        <p:spPr>
+          <a:xfrm flipH="1" flipV="1">
+            <a:off x="-13447" y="972511"/>
+            <a:ext cx="18288000" cy="65119"/>
+          </a:xfrm>
+          <a:prstGeom prst="line">
+            <a:avLst/>
+          </a:prstGeom>
+          <a:ln w="38100">
+            <a:solidFill>
+              <a:srgbClr val="4C50BC"/>
+            </a:solidFill>
+          </a:ln>
+        </p:spPr>
+        <p:style>
+          <a:lnRef idx="1">
+            <a:schemeClr val="accent1"/>
+          </a:lnRef>
+          <a:fillRef idx="0">
+            <a:schemeClr val="accent1"/>
+          </a:fillRef>
+          <a:effectRef idx="0">
+            <a:schemeClr val="accent1"/>
+          </a:effectRef>
+          <a:fontRef idx="minor">
+            <a:schemeClr val="tx1"/>
+          </a:fontRef>
+        </p:style>
+      </p:cxnSp>
     </p:spTree>
     <p:extLst>
       <p:ext uri="{BB962C8B-B14F-4D97-AF65-F5344CB8AC3E}">
@@ -5115,7 +5343,7 @@
         </p:nvSpPr>
         <p:spPr>
           <a:xfrm>
-            <a:off x="217712" y="266700"/>
+            <a:off x="217712" y="1104900"/>
             <a:ext cx="17308288" cy="2554545"/>
           </a:xfrm>
           <a:prstGeom prst="rect">
@@ -5130,14 +5358,14 @@
           <a:lstStyle/>
           <a:p>
             <a:r>
-              <a:rPr lang="en-US" altLang="ko-KR" sz="4000">
+              <a:rPr lang="en-US" altLang="ko-KR" sz="4000" dirty="0">
                 <a:solidFill>
                   <a:srgbClr val="4C50BC"/>
                 </a:solidFill>
                 <a:latin typeface="G마켓 산스 Medium" panose="02000000000000000000" pitchFamily="50" charset="-127"/>
                 <a:ea typeface="G마켓 산스 Medium" panose="02000000000000000000" pitchFamily="50" charset="-127"/>
               </a:rPr>
-              <a:t>2-2 Marine </a:t>
+              <a:t>Marine </a:t>
             </a:r>
             <a:r>
               <a:rPr lang="ko-KR" altLang="en-US" sz="4000" dirty="0">
@@ -5170,7 +5398,7 @@
               <a:t>, </a:t>
             </a:r>
             <a:r>
-              <a:rPr lang="en-US" altLang="ko-KR" sz="4000" err="1">
+              <a:rPr lang="en-US" altLang="ko-KR" sz="4000" dirty="0" err="1">
                 <a:solidFill>
                   <a:srgbClr val="4C50BC"/>
                 </a:solidFill>
@@ -5180,7 +5408,7 @@
               <a:t>armorUp</a:t>
             </a:r>
             <a:r>
-              <a:rPr lang="en-US" altLang="ko-KR" sz="4000">
+              <a:rPr lang="en-US" altLang="ko-KR" sz="4000" dirty="0">
                 <a:solidFill>
                   <a:srgbClr val="4C50BC"/>
                 </a:solidFill>
@@ -5190,7 +5418,7 @@
               <a:t> </a:t>
             </a:r>
             <a:r>
-              <a:rPr lang="ko-KR" altLang="en-US" sz="4000">
+              <a:rPr lang="ko-KR" altLang="en-US" sz="4000" dirty="0">
                 <a:solidFill>
                   <a:srgbClr val="4C50BC"/>
                 </a:solidFill>
@@ -5200,7 +5428,7 @@
               <a:t>메서드를 만들자</a:t>
             </a:r>
             <a:r>
-              <a:rPr lang="en-US" altLang="ko-KR" sz="4000">
+              <a:rPr lang="en-US" altLang="ko-KR" sz="4000" dirty="0">
                 <a:solidFill>
                   <a:srgbClr val="4C50BC"/>
                 </a:solidFill>
@@ -5208,16 +5436,6 @@
                 <a:ea typeface="G마켓 산스 Medium" panose="02000000000000000000" pitchFamily="50" charset="-127"/>
               </a:rPr>
               <a:t>.</a:t>
-            </a:r>
-            <a:r>
-              <a:rPr lang="en-US" altLang="ko-KR" sz="4000">
-                <a:solidFill>
-                  <a:srgbClr val="FF0000"/>
-                </a:solidFill>
-                <a:latin typeface="G마켓 산스 Medium" panose="02000000000000000000" pitchFamily="50" charset="-127"/>
-                <a:ea typeface="G마켓 산스 Medium" panose="02000000000000000000" pitchFamily="50" charset="-127"/>
-              </a:rPr>
-              <a:t>(hard)</a:t>
             </a:r>
             <a:endParaRPr lang="en-US" altLang="ko-KR" sz="4000" dirty="0">
               <a:solidFill>
@@ -5233,7 +5451,7 @@
               <a:buChar char="-"/>
             </a:pPr>
             <a:r>
-              <a:rPr lang="ko-KR" altLang="en-US" sz="4000">
+              <a:rPr lang="ko-KR" altLang="en-US" sz="4000" dirty="0">
                 <a:solidFill>
                   <a:schemeClr val="bg1">
                     <a:lumMod val="50000"/>
@@ -5242,34 +5460,10 @@
                 <a:latin typeface="G마켓 산스 Medium" panose="02000000000000000000" pitchFamily="50" charset="-127"/>
                 <a:ea typeface="G마켓 산스 Medium" panose="02000000000000000000" pitchFamily="50" charset="-127"/>
               </a:rPr>
-              <a:t>모든 </a:t>
-            </a:r>
-            <a:r>
-              <a:rPr lang="ko-KR" altLang="en-US" sz="4000" dirty="0">
-                <a:solidFill>
-                  <a:schemeClr val="bg1">
-                    <a:lumMod val="50000"/>
-                  </a:schemeClr>
-                </a:solidFill>
-                <a:latin typeface="G마켓 산스 Medium" panose="02000000000000000000" pitchFamily="50" charset="-127"/>
-                <a:ea typeface="G마켓 산스 Medium" panose="02000000000000000000" pitchFamily="50" charset="-127"/>
-              </a:rPr>
-              <a:t>객체가 같은 공격력과 방어력을 가지며 업그레이드시 모든 객체가 다같이 올라가야 </a:t>
-            </a:r>
-            <a:r>
-              <a:rPr lang="ko-KR" altLang="en-US" sz="4000">
-                <a:solidFill>
-                  <a:schemeClr val="bg1">
-                    <a:lumMod val="50000"/>
-                  </a:schemeClr>
-                </a:solidFill>
-                <a:latin typeface="G마켓 산스 Medium" panose="02000000000000000000" pitchFamily="50" charset="-127"/>
-                <a:ea typeface="G마켓 산스 Medium" panose="02000000000000000000" pitchFamily="50" charset="-127"/>
-              </a:rPr>
-              <a:t>한다</a:t>
-            </a:r>
-            <a:r>
-              <a:rPr lang="en-US" altLang="ko-KR" sz="4000">
+              <a:t>모든 객체가 같은 공격력과 방어력을 가지며 업그레이드시 모든 객체가 다같이 올라가야 한다</a:t>
+            </a:r>
+            <a:r>
+              <a:rPr lang="en-US" altLang="ko-KR" sz="4000" dirty="0">
                 <a:solidFill>
                   <a:schemeClr val="bg1">
                     <a:lumMod val="50000"/>
@@ -5287,7 +5481,7 @@
               <a:buChar char="-"/>
             </a:pPr>
             <a:r>
-              <a:rPr lang="en-US" altLang="ko-KR" sz="4000">
+              <a:rPr lang="en-US" altLang="ko-KR" sz="4000" dirty="0">
                 <a:solidFill>
                   <a:schemeClr val="bg1">
                     <a:lumMod val="50000"/>
@@ -5299,7 +5493,7 @@
               <a:t>power , armor </a:t>
             </a:r>
             <a:r>
-              <a:rPr lang="ko-KR" altLang="en-US" sz="4000">
+              <a:rPr lang="ko-KR" altLang="en-US" sz="4000" dirty="0">
                 <a:solidFill>
                   <a:schemeClr val="bg1">
                     <a:lumMod val="50000"/>
@@ -5311,7 +5505,7 @@
               <a:t>변수가 수정 되어야 한다</a:t>
             </a:r>
             <a:r>
-              <a:rPr lang="en-US" altLang="ko-KR" sz="4000">
+              <a:rPr lang="en-US" altLang="ko-KR" sz="4000" dirty="0">
                 <a:solidFill>
                   <a:schemeClr val="bg1">
                     <a:lumMod val="50000"/>
@@ -5322,15 +5516,6 @@
               </a:rPr>
               <a:t>.</a:t>
             </a:r>
-            <a:endParaRPr lang="en-US" altLang="ko-KR" sz="4000" dirty="0">
-              <a:solidFill>
-                <a:schemeClr val="bg1">
-                  <a:lumMod val="50000"/>
-                </a:schemeClr>
-              </a:solidFill>
-              <a:latin typeface="G마켓 산스 Medium" panose="02000000000000000000" pitchFamily="50" charset="-127"/>
-              <a:ea typeface="G마켓 산스 Medium" panose="02000000000000000000" pitchFamily="50" charset="-127"/>
-            </a:endParaRPr>
           </a:p>
         </p:txBody>
       </p:sp>
@@ -5349,13 +5534,13 @@
           <p:nvPr>
             <p:extLst>
               <p:ext uri="{D42A27DB-BD31-4B8C-83A1-F6EECF244321}">
-                <p14:modId xmlns:p14="http://schemas.microsoft.com/office/powerpoint/2010/main" val="1637034470"/>
+                <p14:modId xmlns:p14="http://schemas.microsoft.com/office/powerpoint/2010/main" val="3140680690"/>
               </p:ext>
             </p:extLst>
           </p:nvPr>
         </p:nvGraphicFramePr>
         <p:xfrm>
-          <a:off x="10363200" y="2842260"/>
+          <a:off x="10363200" y="3680460"/>
           <a:ext cx="6215744" cy="3048000"/>
         </p:xfrm>
         <a:graphic>
@@ -6143,8 +6328,8 @@
         </p:blipFill>
         <p:spPr>
           <a:xfrm>
-            <a:off x="457200" y="2784436"/>
-            <a:ext cx="8458200" cy="4416464"/>
+            <a:off x="457200" y="3622636"/>
+            <a:ext cx="7772400" cy="4058372"/>
           </a:xfrm>
           <a:prstGeom prst="rect">
             <a:avLst/>
@@ -6173,14 +6358,128 @@
         </p:blipFill>
         <p:spPr>
           <a:xfrm>
-            <a:off x="457199" y="7350288"/>
-            <a:ext cx="8513807" cy="2593812"/>
+            <a:off x="457200" y="7804765"/>
+            <a:ext cx="7772400" cy="2367935"/>
           </a:xfrm>
           <a:prstGeom prst="rect">
             <a:avLst/>
           </a:prstGeom>
         </p:spPr>
       </p:pic>
+      <p:sp>
+        <p:nvSpPr>
+          <p:cNvPr id="8" name="TextBox 7">
+            <a:extLst>
+              <a:ext uri="{FF2B5EF4-FFF2-40B4-BE49-F238E27FC236}">
+                <a16:creationId xmlns:a16="http://schemas.microsoft.com/office/drawing/2014/main" id="{43E2BE20-24BF-B938-0872-6CFB72DD860B}"/>
+              </a:ext>
+            </a:extLst>
+          </p:cNvPr>
+          <p:cNvSpPr txBox="1"/>
+          <p:nvPr/>
+        </p:nvSpPr>
+        <p:spPr>
+          <a:xfrm>
+            <a:off x="304800" y="114300"/>
+            <a:ext cx="10972800" cy="923330"/>
+          </a:xfrm>
+          <a:prstGeom prst="rect">
+            <a:avLst/>
+          </a:prstGeom>
+          <a:noFill/>
+        </p:spPr>
+        <p:txBody>
+          <a:bodyPr wrap="square" rtlCol="0">
+            <a:spAutoFit/>
+          </a:bodyPr>
+          <a:lstStyle/>
+          <a:p>
+            <a:r>
+              <a:rPr lang="en-US" altLang="ko-KR" sz="5400" spc="-300" dirty="0">
+                <a:solidFill>
+                  <a:srgbClr val="4C50BC"/>
+                </a:solidFill>
+                <a:latin typeface="G마켓 산스 Bold" panose="02000000000000000000" pitchFamily="50" charset="-127"/>
+                <a:ea typeface="G마켓 산스 Bold" panose="02000000000000000000" pitchFamily="50" charset="-127"/>
+              </a:rPr>
+              <a:t>2-2 </a:t>
+            </a:r>
+            <a:r>
+              <a:rPr lang="ko-KR" altLang="en-US" sz="5400" spc="-300" dirty="0">
+                <a:solidFill>
+                  <a:srgbClr val="4C50BC"/>
+                </a:solidFill>
+                <a:latin typeface="G마켓 산스 Bold" panose="02000000000000000000" pitchFamily="50" charset="-127"/>
+                <a:ea typeface="G마켓 산스 Bold" panose="02000000000000000000" pitchFamily="50" charset="-127"/>
+              </a:rPr>
+              <a:t>실습문제</a:t>
+            </a:r>
+            <a:r>
+              <a:rPr lang="en-US" altLang="ko-KR" sz="5400" spc="-300" dirty="0">
+                <a:solidFill>
+                  <a:srgbClr val="4C50BC"/>
+                </a:solidFill>
+                <a:latin typeface="G마켓 산스 Bold" panose="02000000000000000000" pitchFamily="50" charset="-127"/>
+                <a:ea typeface="G마켓 산스 Bold" panose="02000000000000000000" pitchFamily="50" charset="-127"/>
+              </a:rPr>
+              <a:t> </a:t>
+            </a:r>
+            <a:r>
+              <a:rPr lang="en-US" altLang="ko-KR" sz="5400" spc="-300" dirty="0">
+                <a:solidFill>
+                  <a:srgbClr val="FF0000"/>
+                </a:solidFill>
+                <a:latin typeface="G마켓 산스 Bold" panose="02000000000000000000" pitchFamily="50" charset="-127"/>
+                <a:ea typeface="G마켓 산스 Bold" panose="02000000000000000000" pitchFamily="50" charset="-127"/>
+              </a:rPr>
+              <a:t>(hard)</a:t>
+            </a:r>
+          </a:p>
+        </p:txBody>
+      </p:sp>
+      <p:cxnSp>
+        <p:nvCxnSpPr>
+          <p:cNvPr id="9" name="직선 연결선 8">
+            <a:extLst>
+              <a:ext uri="{FF2B5EF4-FFF2-40B4-BE49-F238E27FC236}">
+                <a16:creationId xmlns:a16="http://schemas.microsoft.com/office/drawing/2014/main" id="{EE685E03-672A-17EC-A089-709C0E55C4BB}"/>
+              </a:ext>
+            </a:extLst>
+          </p:cNvPr>
+          <p:cNvCxnSpPr>
+            <a:cxnSpLocks/>
+          </p:cNvCxnSpPr>
+          <p:nvPr/>
+        </p:nvCxnSpPr>
+        <p:spPr>
+          <a:xfrm flipH="1" flipV="1">
+            <a:off x="-13447" y="972511"/>
+            <a:ext cx="18288000" cy="65119"/>
+          </a:xfrm>
+          <a:prstGeom prst="line">
+            <a:avLst/>
+          </a:prstGeom>
+          <a:ln w="38100">
+            <a:solidFill>
+              <a:srgbClr val="4C50BC"/>
+            </a:solidFill>
+          </a:ln>
+        </p:spPr>
+        <p:style>
+          <a:lnRef idx="1">
+            <a:schemeClr val="accent1"/>
+          </a:lnRef>
+          <a:fillRef idx="0">
+            <a:schemeClr val="accent1"/>
+          </a:fillRef>
+          <a:effectRef idx="0">
+            <a:schemeClr val="accent1"/>
+          </a:effectRef>
+          <a:fontRef idx="minor">
+            <a:schemeClr val="tx1"/>
+          </a:fontRef>
+        </p:style>
+      </p:cxnSp>
     </p:spTree>
     <p:extLst>
       <p:ext uri="{BB962C8B-B14F-4D97-AF65-F5344CB8AC3E}">
@@ -6259,54 +6558,6 @@
           </a:prstGeom>
         </p:spPr>
       </p:pic>
-      <p:sp>
-        <p:nvSpPr>
-          <p:cNvPr id="8" name="TextBox 7">
-            <a:extLst>
-              <a:ext uri="{FF2B5EF4-FFF2-40B4-BE49-F238E27FC236}">
-                <a16:creationId xmlns:a16="http://schemas.microsoft.com/office/drawing/2014/main" id="{5ADC00B6-990A-40DC-3CEA-505258F5E8DA}"/>
-              </a:ext>
-            </a:extLst>
-          </p:cNvPr>
-          <p:cNvSpPr txBox="1"/>
-          <p:nvPr/>
-        </p:nvSpPr>
-        <p:spPr>
-          <a:xfrm>
-            <a:off x="762000" y="419100"/>
-            <a:ext cx="3894040" cy="830997"/>
-          </a:xfrm>
-          <a:prstGeom prst="rect">
-            <a:avLst/>
-          </a:prstGeom>
-          <a:noFill/>
-        </p:spPr>
-        <p:txBody>
-          <a:bodyPr wrap="square" rtlCol="0">
-            <a:spAutoFit/>
-          </a:bodyPr>
-          <a:lstStyle/>
-          <a:p>
-            <a:r>
-              <a:rPr lang="ko-KR" altLang="en-US" sz="4800">
-                <a:solidFill>
-                  <a:srgbClr val="4C50BC"/>
-                </a:solidFill>
-                <a:latin typeface="G마켓 산스 Medium" panose="02000000000000000000" pitchFamily="50" charset="-127"/>
-                <a:ea typeface="G마켓 산스 Medium" panose="02000000000000000000" pitchFamily="50" charset="-127"/>
-              </a:rPr>
-              <a:t>정답</a:t>
-            </a:r>
-            <a:endParaRPr lang="en-US" altLang="ko-KR" sz="4800" dirty="0">
-              <a:solidFill>
-                <a:srgbClr val="4C50BC"/>
-              </a:solidFill>
-              <a:latin typeface="G마켓 산스 Medium" panose="02000000000000000000" pitchFamily="50" charset="-127"/>
-              <a:ea typeface="G마켓 산스 Medium" panose="02000000000000000000" pitchFamily="50" charset="-127"/>
-            </a:endParaRPr>
-          </a:p>
-        </p:txBody>
-      </p:sp>
       <p:cxnSp>
         <p:nvCxnSpPr>
           <p:cNvPr id="9" name="직선 화살표 연결선 8">
@@ -6627,6 +6878,120 @@
           </a:p>
         </p:txBody>
       </p:sp>
+      <p:sp>
+        <p:nvSpPr>
+          <p:cNvPr id="2" name="TextBox 1">
+            <a:extLst>
+              <a:ext uri="{FF2B5EF4-FFF2-40B4-BE49-F238E27FC236}">
+                <a16:creationId xmlns:a16="http://schemas.microsoft.com/office/drawing/2014/main" id="{9309890E-A429-D70B-8FC5-21D4B14478A5}"/>
+              </a:ext>
+            </a:extLst>
+          </p:cNvPr>
+          <p:cNvSpPr txBox="1"/>
+          <p:nvPr/>
+        </p:nvSpPr>
+        <p:spPr>
+          <a:xfrm>
+            <a:off x="304800" y="114300"/>
+            <a:ext cx="10972800" cy="923330"/>
+          </a:xfrm>
+          <a:prstGeom prst="rect">
+            <a:avLst/>
+          </a:prstGeom>
+          <a:noFill/>
+        </p:spPr>
+        <p:txBody>
+          <a:bodyPr wrap="square" rtlCol="0">
+            <a:spAutoFit/>
+          </a:bodyPr>
+          <a:lstStyle/>
+          <a:p>
+            <a:r>
+              <a:rPr lang="en-US" altLang="ko-KR" sz="5400" spc="-300" dirty="0">
+                <a:solidFill>
+                  <a:srgbClr val="4C50BC"/>
+                </a:solidFill>
+                <a:latin typeface="G마켓 산스 Bold" panose="02000000000000000000" pitchFamily="50" charset="-127"/>
+                <a:ea typeface="G마켓 산스 Bold" panose="02000000000000000000" pitchFamily="50" charset="-127"/>
+              </a:rPr>
+              <a:t>2-2 </a:t>
+            </a:r>
+            <a:r>
+              <a:rPr lang="ko-KR" altLang="en-US" sz="5400" spc="-300" dirty="0">
+                <a:solidFill>
+                  <a:srgbClr val="4C50BC"/>
+                </a:solidFill>
+                <a:latin typeface="G마켓 산스 Bold" panose="02000000000000000000" pitchFamily="50" charset="-127"/>
+                <a:ea typeface="G마켓 산스 Bold" panose="02000000000000000000" pitchFamily="50" charset="-127"/>
+              </a:rPr>
+              <a:t>문제풀이</a:t>
+            </a:r>
+            <a:r>
+              <a:rPr lang="en-US" altLang="ko-KR" sz="5400" spc="-300" dirty="0">
+                <a:solidFill>
+                  <a:srgbClr val="4C50BC"/>
+                </a:solidFill>
+                <a:latin typeface="G마켓 산스 Bold" panose="02000000000000000000" pitchFamily="50" charset="-127"/>
+                <a:ea typeface="G마켓 산스 Bold" panose="02000000000000000000" pitchFamily="50" charset="-127"/>
+              </a:rPr>
+              <a:t> </a:t>
+            </a:r>
+            <a:r>
+              <a:rPr lang="en-US" altLang="ko-KR" sz="5400" spc="-300" dirty="0">
+                <a:solidFill>
+                  <a:srgbClr val="FF0000"/>
+                </a:solidFill>
+                <a:latin typeface="G마켓 산스 Bold" panose="02000000000000000000" pitchFamily="50" charset="-127"/>
+                <a:ea typeface="G마켓 산스 Bold" panose="02000000000000000000" pitchFamily="50" charset="-127"/>
+              </a:rPr>
+              <a:t>(hard)</a:t>
+            </a:r>
+          </a:p>
+        </p:txBody>
+      </p:sp>
+      <p:cxnSp>
+        <p:nvCxnSpPr>
+          <p:cNvPr id="3" name="직선 연결선 2">
+            <a:extLst>
+              <a:ext uri="{FF2B5EF4-FFF2-40B4-BE49-F238E27FC236}">
+                <a16:creationId xmlns:a16="http://schemas.microsoft.com/office/drawing/2014/main" id="{6851E93B-A398-6A56-B3DA-66358A261B6C}"/>
+              </a:ext>
+            </a:extLst>
+          </p:cNvPr>
+          <p:cNvCxnSpPr>
+            <a:cxnSpLocks/>
+          </p:cNvCxnSpPr>
+          <p:nvPr/>
+        </p:nvCxnSpPr>
+        <p:spPr>
+          <a:xfrm flipH="1" flipV="1">
+            <a:off x="-13447" y="972511"/>
+            <a:ext cx="18288000" cy="65119"/>
+          </a:xfrm>
+          <a:prstGeom prst="line">
+            <a:avLst/>
+          </a:prstGeom>
+          <a:ln w="38100">
+            <a:solidFill>
+              <a:srgbClr val="4C50BC"/>
+            </a:solidFill>
+          </a:ln>
+        </p:spPr>
+        <p:style>
+          <a:lnRef idx="1">
+            <a:schemeClr val="accent1"/>
+          </a:lnRef>
+          <a:fillRef idx="0">
+            <a:schemeClr val="accent1"/>
+          </a:fillRef>
+          <a:effectRef idx="0">
+            <a:schemeClr val="accent1"/>
+          </a:effectRef>
+          <a:fontRef idx="minor">
+            <a:schemeClr val="tx1"/>
+          </a:fontRef>
+        </p:style>
+      </p:cxnSp>
     </p:spTree>
     <p:extLst>
       <p:ext uri="{BB962C8B-B14F-4D97-AF65-F5344CB8AC3E}">
@@ -6671,7 +7036,7 @@
         </p:nvSpPr>
         <p:spPr>
           <a:xfrm>
-            <a:off x="685800" y="411420"/>
+            <a:off x="685800" y="1249620"/>
             <a:ext cx="16002000" cy="2369880"/>
           </a:xfrm>
           <a:prstGeom prst="rect">
@@ -6686,14 +7051,24 @@
           <a:lstStyle/>
           <a:p>
             <a:r>
-              <a:rPr lang="en-US" altLang="ko-KR" sz="4000">
+              <a:rPr lang="en-US" altLang="ko-KR" sz="4000" dirty="0">
                 <a:solidFill>
                   <a:srgbClr val="4C50BC"/>
                 </a:solidFill>
                 <a:latin typeface="G마켓 산스 Medium" panose="02000000000000000000" pitchFamily="50" charset="-127"/>
                 <a:ea typeface="G마켓 산스 Medium" panose="02000000000000000000" pitchFamily="50" charset="-127"/>
               </a:rPr>
-              <a:t>2-3 </a:t>
+              <a:t>Marine </a:t>
+            </a:r>
+            <a:r>
+              <a:rPr lang="ko-KR" altLang="en-US" sz="4000" dirty="0">
+                <a:solidFill>
+                  <a:srgbClr val="4C50BC"/>
+                </a:solidFill>
+                <a:latin typeface="G마켓 산스 Medium" panose="02000000000000000000" pitchFamily="50" charset="-127"/>
+                <a:ea typeface="G마켓 산스 Medium" panose="02000000000000000000" pitchFamily="50" charset="-127"/>
+              </a:rPr>
+              <a:t>클래스에 </a:t>
             </a:r>
             <a:r>
               <a:rPr lang="en-US" altLang="ko-KR" sz="4000" dirty="0">
@@ -6703,7 +7078,7 @@
                 <a:latin typeface="G마켓 산스 Medium" panose="02000000000000000000" pitchFamily="50" charset="-127"/>
                 <a:ea typeface="G마켓 산스 Medium" panose="02000000000000000000" pitchFamily="50" charset="-127"/>
               </a:rPr>
-              <a:t>Marine </a:t>
+              <a:t>attack </a:t>
             </a:r>
             <a:r>
               <a:rPr lang="ko-KR" altLang="en-US" sz="4000" dirty="0">
@@ -6713,49 +7088,9 @@
                 <a:latin typeface="G마켓 산스 Medium" panose="02000000000000000000" pitchFamily="50" charset="-127"/>
                 <a:ea typeface="G마켓 산스 Medium" panose="02000000000000000000" pitchFamily="50" charset="-127"/>
               </a:rPr>
-              <a:t>클래스에 </a:t>
-            </a:r>
-            <a:r>
-              <a:rPr lang="en-US" altLang="ko-KR" sz="4000" dirty="0">
-                <a:solidFill>
-                  <a:srgbClr val="4C50BC"/>
-                </a:solidFill>
-                <a:latin typeface="G마켓 산스 Medium" panose="02000000000000000000" pitchFamily="50" charset="-127"/>
-                <a:ea typeface="G마켓 산스 Medium" panose="02000000000000000000" pitchFamily="50" charset="-127"/>
-              </a:rPr>
-              <a:t>attack </a:t>
-            </a:r>
-            <a:r>
-              <a:rPr lang="ko-KR" altLang="en-US" sz="4000">
-                <a:solidFill>
-                  <a:srgbClr val="4C50BC"/>
-                </a:solidFill>
-                <a:latin typeface="G마켓 산스 Medium" panose="02000000000000000000" pitchFamily="50" charset="-127"/>
-                <a:ea typeface="G마켓 산스 Medium" panose="02000000000000000000" pitchFamily="50" charset="-127"/>
-              </a:rPr>
               <a:t>메서드를 구현하자</a:t>
             </a:r>
-            <a:r>
-              <a:rPr lang="en-US" altLang="ko-KR" sz="4000">
-                <a:solidFill>
-                  <a:srgbClr val="FF0000"/>
-                </a:solidFill>
-                <a:latin typeface="G마켓 산스 Medium" panose="02000000000000000000" pitchFamily="50" charset="-127"/>
-                <a:ea typeface="G마켓 산스 Medium" panose="02000000000000000000" pitchFamily="50" charset="-127"/>
-              </a:rPr>
-              <a:t>(hard)</a:t>
-            </a:r>
-            <a:r>
-              <a:rPr lang="ko-KR" altLang="en-US" sz="4000">
-                <a:solidFill>
-                  <a:srgbClr val="4C50BC"/>
-                </a:solidFill>
-                <a:latin typeface="G마켓 산스 Medium" panose="02000000000000000000" pitchFamily="50" charset="-127"/>
-                <a:ea typeface="G마켓 산스 Medium" panose="02000000000000000000" pitchFamily="50" charset="-127"/>
-              </a:rPr>
-              <a:t> </a:t>
-            </a:r>
-            <a:endParaRPr lang="en-US" altLang="ko-KR" sz="4000">
+            <a:endParaRPr lang="en-US" altLang="ko-KR" sz="4000" dirty="0">
               <a:solidFill>
                 <a:srgbClr val="4C50BC"/>
               </a:solidFill>
@@ -6765,7 +7100,7 @@
           </a:p>
           <a:p>
             <a:r>
-              <a:rPr lang="en-US" altLang="ko-KR" sz="3600">
+              <a:rPr lang="en-US" altLang="ko-KR" sz="3600" dirty="0">
                 <a:solidFill>
                   <a:schemeClr val="bg1">
                     <a:lumMod val="50000"/>
@@ -6777,7 +7112,7 @@
               <a:t>-  </a:t>
             </a:r>
             <a:r>
-              <a:rPr lang="ko-KR" altLang="en-US" sz="3600">
+              <a:rPr lang="ko-KR" altLang="en-US" sz="3600" dirty="0" err="1">
                 <a:solidFill>
                   <a:schemeClr val="bg1">
                     <a:lumMod val="50000"/>
@@ -6786,10 +7121,10 @@
                 <a:latin typeface="G마켓 산스 Medium" panose="02000000000000000000" pitchFamily="50" charset="-127"/>
                 <a:ea typeface="G마켓 산스 Medium" panose="02000000000000000000" pitchFamily="50" charset="-127"/>
               </a:rPr>
-              <a:t>멤버메서드 </a:t>
-            </a:r>
-            <a:r>
-              <a:rPr lang="en-US" altLang="ko-KR" sz="3600">
+              <a:t>멤버메서드</a:t>
+            </a:r>
+            <a:r>
+              <a:rPr lang="ko-KR" altLang="en-US" sz="3600" dirty="0">
                 <a:solidFill>
                   <a:schemeClr val="bg1">
                     <a:lumMod val="50000"/>
@@ -6798,12 +7133,10 @@
                 <a:latin typeface="G마켓 산스 Medium" panose="02000000000000000000" pitchFamily="50" charset="-127"/>
                 <a:ea typeface="G마켓 산스 Medium" panose="02000000000000000000" pitchFamily="50" charset="-127"/>
               </a:rPr>
-              <a:t>: void attack(Marine target)</a:t>
-            </a:r>
-          </a:p>
-          <a:p>
-            <a:r>
-              <a:rPr lang="en-US" altLang="ko-KR" sz="3600">
+              <a:t> </a:t>
+            </a:r>
+            <a:r>
+              <a:rPr lang="en-US" altLang="ko-KR" sz="3600" dirty="0">
                 <a:solidFill>
                   <a:schemeClr val="bg1">
                     <a:lumMod val="50000"/>
@@ -6812,10 +7145,24 @@
                 <a:latin typeface="G마켓 산스 Medium" panose="02000000000000000000" pitchFamily="50" charset="-127"/>
                 <a:ea typeface="G마켓 산스 Medium" panose="02000000000000000000" pitchFamily="50" charset="-127"/>
               </a:rPr>
+              <a:t>: void attack(Marine target)</a:t>
+            </a:r>
+          </a:p>
+          <a:p>
+            <a:r>
+              <a:rPr lang="en-US" altLang="ko-KR" sz="3600" dirty="0">
+                <a:solidFill>
+                  <a:schemeClr val="bg1">
+                    <a:lumMod val="50000"/>
+                  </a:schemeClr>
+                </a:solidFill>
+                <a:latin typeface="G마켓 산스 Medium" panose="02000000000000000000" pitchFamily="50" charset="-127"/>
+                <a:ea typeface="G마켓 산스 Medium" panose="02000000000000000000" pitchFamily="50" charset="-127"/>
+              </a:rPr>
               <a:t>- </a:t>
             </a:r>
             <a:r>
-              <a:rPr lang="ko-KR" altLang="en-US" sz="3600">
+              <a:rPr lang="ko-KR" altLang="en-US" sz="3600" dirty="0">
                 <a:solidFill>
                   <a:schemeClr val="tx1">
                     <a:lumMod val="50000"/>
@@ -6825,10 +7172,10 @@
                 <a:latin typeface="G마켓 산스 Medium" panose="02000000000000000000" pitchFamily="50" charset="-127"/>
                 <a:ea typeface="G마켓 산스 Medium" panose="02000000000000000000" pitchFamily="50" charset="-127"/>
               </a:rPr>
-              <a:t>매개변수로 </a:t>
-            </a:r>
-            <a:r>
-              <a:rPr lang="ko-KR" altLang="en-US" sz="3600" dirty="0">
+              <a:t>매개변수로 받은 </a:t>
+            </a:r>
+            <a:r>
+              <a:rPr lang="en-US" altLang="ko-KR" sz="3600" dirty="0">
                 <a:solidFill>
                   <a:schemeClr val="tx1">
                     <a:lumMod val="50000"/>
@@ -6838,10 +7185,10 @@
                 <a:latin typeface="G마켓 산스 Medium" panose="02000000000000000000" pitchFamily="50" charset="-127"/>
                 <a:ea typeface="G마켓 산스 Medium" panose="02000000000000000000" pitchFamily="50" charset="-127"/>
               </a:rPr>
-              <a:t>받은 </a:t>
-            </a:r>
-            <a:r>
-              <a:rPr lang="en-US" altLang="ko-KR" sz="3600" dirty="0">
+              <a:t>Marine </a:t>
+            </a:r>
+            <a:r>
+              <a:rPr lang="ko-KR" altLang="en-US" sz="3600" dirty="0">
                 <a:solidFill>
                   <a:schemeClr val="tx1">
                     <a:lumMod val="50000"/>
@@ -6851,10 +7198,10 @@
                 <a:latin typeface="G마켓 산스 Medium" panose="02000000000000000000" pitchFamily="50" charset="-127"/>
                 <a:ea typeface="G마켓 산스 Medium" panose="02000000000000000000" pitchFamily="50" charset="-127"/>
               </a:rPr>
-              <a:t>Marine </a:t>
-            </a:r>
-            <a:r>
-              <a:rPr lang="ko-KR" altLang="en-US" sz="3600" dirty="0">
+              <a:t>객체의 체력을 감소시킨다</a:t>
+            </a:r>
+            <a:r>
+              <a:rPr lang="en-US" altLang="ko-KR" sz="3600" dirty="0">
                 <a:solidFill>
                   <a:schemeClr val="tx1">
                     <a:lumMod val="50000"/>
@@ -6864,8 +7211,10 @@
                 <a:latin typeface="G마켓 산스 Medium" panose="02000000000000000000" pitchFamily="50" charset="-127"/>
                 <a:ea typeface="G마켓 산스 Medium" panose="02000000000000000000" pitchFamily="50" charset="-127"/>
               </a:rPr>
-              <a:t>객체의 체력을 감소시킨다</a:t>
-            </a:r>
+              <a:t>.</a:t>
+            </a:r>
+          </a:p>
+          <a:p>
             <a:r>
               <a:rPr lang="en-US" altLang="ko-KR" sz="3600" dirty="0">
                 <a:solidFill>
@@ -6877,12 +7226,10 @@
                 <a:latin typeface="G마켓 산스 Medium" panose="02000000000000000000" pitchFamily="50" charset="-127"/>
                 <a:ea typeface="G마켓 산스 Medium" panose="02000000000000000000" pitchFamily="50" charset="-127"/>
               </a:rPr>
-              <a:t>.</a:t>
-            </a:r>
-          </a:p>
-          <a:p>
-            <a:r>
-              <a:rPr lang="en-US" altLang="ko-KR" sz="3600">
+              <a:t>- </a:t>
+            </a:r>
+            <a:r>
+              <a:rPr lang="ko-KR" altLang="en-US" sz="3600" dirty="0" err="1">
                 <a:solidFill>
                   <a:schemeClr val="tx1">
                     <a:lumMod val="50000"/>
@@ -6892,10 +7239,10 @@
                 <a:latin typeface="G마켓 산스 Medium" panose="02000000000000000000" pitchFamily="50" charset="-127"/>
                 <a:ea typeface="G마켓 산스 Medium" panose="02000000000000000000" pitchFamily="50" charset="-127"/>
               </a:rPr>
-              <a:t>- </a:t>
-            </a:r>
-            <a:r>
-              <a:rPr lang="ko-KR" altLang="en-US" sz="3600">
+              <a:t>공격시</a:t>
+            </a:r>
+            <a:r>
+              <a:rPr lang="ko-KR" altLang="en-US" sz="3600" dirty="0">
                 <a:solidFill>
                   <a:schemeClr val="tx1">
                     <a:lumMod val="50000"/>
@@ -6905,10 +7252,10 @@
                 <a:latin typeface="G마켓 산스 Medium" panose="02000000000000000000" pitchFamily="50" charset="-127"/>
                 <a:ea typeface="G마켓 산스 Medium" panose="02000000000000000000" pitchFamily="50" charset="-127"/>
               </a:rPr>
-              <a:t>공격시 </a:t>
-            </a:r>
-            <a:r>
-              <a:rPr lang="en-US" altLang="ko-KR" sz="3600">
+              <a:t> </a:t>
+            </a:r>
+            <a:r>
+              <a:rPr lang="en-US" altLang="ko-KR" sz="3600" dirty="0">
                 <a:solidFill>
                   <a:schemeClr val="tx1">
                     <a:lumMod val="50000"/>
@@ -6921,7 +7268,7 @@
               <a:t>(</a:t>
             </a:r>
             <a:r>
-              <a:rPr lang="ko-KR" altLang="en-US" sz="3600">
+              <a:rPr lang="ko-KR" altLang="en-US" sz="3600" dirty="0">
                 <a:solidFill>
                   <a:schemeClr val="tx1">
                     <a:lumMod val="50000"/>
@@ -6934,7 +7281,7 @@
               <a:t>공격력 </a:t>
             </a:r>
             <a:r>
-              <a:rPr lang="en-US" altLang="ko-KR" sz="3600">
+              <a:rPr lang="en-US" altLang="ko-KR" sz="3600" dirty="0">
                 <a:solidFill>
                   <a:schemeClr val="tx1">
                     <a:lumMod val="50000"/>
@@ -6947,7 +7294,7 @@
               <a:t>- </a:t>
             </a:r>
             <a:r>
-              <a:rPr lang="ko-KR" altLang="en-US" sz="3600">
+              <a:rPr lang="ko-KR" altLang="en-US" sz="3600" dirty="0">
                 <a:solidFill>
                   <a:schemeClr val="tx1">
                     <a:lumMod val="50000"/>
@@ -6960,7 +7307,7 @@
               <a:t>상대방의 방어력</a:t>
             </a:r>
             <a:r>
-              <a:rPr lang="en-US" altLang="ko-KR" sz="3600">
+              <a:rPr lang="en-US" altLang="ko-KR" sz="3600" dirty="0">
                 <a:solidFill>
                   <a:schemeClr val="tx1">
                     <a:lumMod val="50000"/>
@@ -6973,7 +7320,7 @@
               <a:t>)</a:t>
             </a:r>
             <a:r>
-              <a:rPr lang="ko-KR" altLang="en-US" sz="3600">
+              <a:rPr lang="ko-KR" altLang="en-US" sz="3600" dirty="0">
                 <a:solidFill>
                   <a:schemeClr val="tx1">
                     <a:lumMod val="50000"/>
@@ -6986,7 +7333,7 @@
               <a:t> 만큼 상대 체력을 감소 시킨다</a:t>
             </a:r>
             <a:r>
-              <a:rPr lang="en-US" altLang="ko-KR" sz="3600">
+              <a:rPr lang="en-US" altLang="ko-KR" sz="3600" dirty="0">
                 <a:solidFill>
                   <a:schemeClr val="tx1">
                     <a:lumMod val="50000"/>
@@ -6998,16 +7345,6 @@
               </a:rPr>
               <a:t>.</a:t>
             </a:r>
-            <a:endParaRPr lang="en-US" altLang="ko-KR" sz="3600" dirty="0">
-              <a:solidFill>
-                <a:schemeClr val="tx1">
-                  <a:lumMod val="50000"/>
-                  <a:lumOff val="50000"/>
-                </a:schemeClr>
-              </a:solidFill>
-              <a:latin typeface="G마켓 산스 Medium" panose="02000000000000000000" pitchFamily="50" charset="-127"/>
-              <a:ea typeface="G마켓 산스 Medium" panose="02000000000000000000" pitchFamily="50" charset="-127"/>
-            </a:endParaRPr>
           </a:p>
         </p:txBody>
       </p:sp>
@@ -7033,7 +7370,7 @@
         </p:blipFill>
         <p:spPr>
           <a:xfrm>
-            <a:off x="682282" y="3136656"/>
+            <a:off x="682282" y="3974856"/>
             <a:ext cx="7819941" cy="5664444"/>
           </a:xfrm>
           <a:prstGeom prst="rect">
@@ -7063,7 +7400,7 @@
         </p:blipFill>
         <p:spPr>
           <a:xfrm>
-            <a:off x="8839200" y="6864201"/>
+            <a:off x="8839200" y="7702401"/>
             <a:ext cx="6314070" cy="1902316"/>
           </a:xfrm>
           <a:prstGeom prst="rect">
@@ -7071,6 +7408,120 @@
           </a:prstGeom>
         </p:spPr>
       </p:pic>
+      <p:sp>
+        <p:nvSpPr>
+          <p:cNvPr id="2" name="TextBox 1">
+            <a:extLst>
+              <a:ext uri="{FF2B5EF4-FFF2-40B4-BE49-F238E27FC236}">
+                <a16:creationId xmlns:a16="http://schemas.microsoft.com/office/drawing/2014/main" id="{5A6EE76B-C409-EA79-CCAE-314BB2676F7A}"/>
+              </a:ext>
+            </a:extLst>
+          </p:cNvPr>
+          <p:cNvSpPr txBox="1"/>
+          <p:nvPr/>
+        </p:nvSpPr>
+        <p:spPr>
+          <a:xfrm>
+            <a:off x="304800" y="114300"/>
+            <a:ext cx="10972800" cy="923330"/>
+          </a:xfrm>
+          <a:prstGeom prst="rect">
+            <a:avLst/>
+          </a:prstGeom>
+          <a:noFill/>
+        </p:spPr>
+        <p:txBody>
+          <a:bodyPr wrap="square" rtlCol="0">
+            <a:spAutoFit/>
+          </a:bodyPr>
+          <a:lstStyle/>
+          <a:p>
+            <a:r>
+              <a:rPr lang="en-US" altLang="ko-KR" sz="5400" spc="-300" dirty="0">
+                <a:solidFill>
+                  <a:srgbClr val="4C50BC"/>
+                </a:solidFill>
+                <a:latin typeface="G마켓 산스 Bold" panose="02000000000000000000" pitchFamily="50" charset="-127"/>
+                <a:ea typeface="G마켓 산스 Bold" panose="02000000000000000000" pitchFamily="50" charset="-127"/>
+              </a:rPr>
+              <a:t>2-3 </a:t>
+            </a:r>
+            <a:r>
+              <a:rPr lang="ko-KR" altLang="en-US" sz="5400" spc="-300" dirty="0">
+                <a:solidFill>
+                  <a:srgbClr val="4C50BC"/>
+                </a:solidFill>
+                <a:latin typeface="G마켓 산스 Bold" panose="02000000000000000000" pitchFamily="50" charset="-127"/>
+                <a:ea typeface="G마켓 산스 Bold" panose="02000000000000000000" pitchFamily="50" charset="-127"/>
+              </a:rPr>
+              <a:t>실습문제</a:t>
+            </a:r>
+            <a:r>
+              <a:rPr lang="en-US" altLang="ko-KR" sz="5400" spc="-300" dirty="0">
+                <a:solidFill>
+                  <a:srgbClr val="4C50BC"/>
+                </a:solidFill>
+                <a:latin typeface="G마켓 산스 Bold" panose="02000000000000000000" pitchFamily="50" charset="-127"/>
+                <a:ea typeface="G마켓 산스 Bold" panose="02000000000000000000" pitchFamily="50" charset="-127"/>
+              </a:rPr>
+              <a:t> </a:t>
+            </a:r>
+            <a:r>
+              <a:rPr lang="en-US" altLang="ko-KR" sz="5400" spc="-300" dirty="0">
+                <a:solidFill>
+                  <a:srgbClr val="FF0000"/>
+                </a:solidFill>
+                <a:latin typeface="G마켓 산스 Bold" panose="02000000000000000000" pitchFamily="50" charset="-127"/>
+                <a:ea typeface="G마켓 산스 Bold" panose="02000000000000000000" pitchFamily="50" charset="-127"/>
+              </a:rPr>
+              <a:t>(hard)</a:t>
+            </a:r>
+          </a:p>
+        </p:txBody>
+      </p:sp>
+      <p:cxnSp>
+        <p:nvCxnSpPr>
+          <p:cNvPr id="3" name="직선 연결선 2">
+            <a:extLst>
+              <a:ext uri="{FF2B5EF4-FFF2-40B4-BE49-F238E27FC236}">
+                <a16:creationId xmlns:a16="http://schemas.microsoft.com/office/drawing/2014/main" id="{BFDFD86F-6D71-FE5A-3143-978FE036981A}"/>
+              </a:ext>
+            </a:extLst>
+          </p:cNvPr>
+          <p:cNvCxnSpPr>
+            <a:cxnSpLocks/>
+          </p:cNvCxnSpPr>
+          <p:nvPr/>
+        </p:nvCxnSpPr>
+        <p:spPr>
+          <a:xfrm flipH="1" flipV="1">
+            <a:off x="-13447" y="972511"/>
+            <a:ext cx="18288000" cy="65119"/>
+          </a:xfrm>
+          <a:prstGeom prst="line">
+            <a:avLst/>
+          </a:prstGeom>
+          <a:ln w="38100">
+            <a:solidFill>
+              <a:srgbClr val="4C50BC"/>
+            </a:solidFill>
+          </a:ln>
+        </p:spPr>
+        <p:style>
+          <a:lnRef idx="1">
+            <a:schemeClr val="accent1"/>
+          </a:lnRef>
+          <a:fillRef idx="0">
+            <a:schemeClr val="accent1"/>
+          </a:fillRef>
+          <a:effectRef idx="0">
+            <a:schemeClr val="accent1"/>
+          </a:effectRef>
+          <a:fontRef idx="minor">
+            <a:schemeClr val="tx1"/>
+          </a:fontRef>
+        </p:style>
+      </p:cxnSp>
     </p:spTree>
     <p:extLst>
       <p:ext uri="{BB962C8B-B14F-4D97-AF65-F5344CB8AC3E}">
@@ -7125,54 +7576,6 @@
           </a:prstGeom>
         </p:spPr>
       </p:pic>
-      <p:sp>
-        <p:nvSpPr>
-          <p:cNvPr id="5" name="TextBox 4">
-            <a:extLst>
-              <a:ext uri="{FF2B5EF4-FFF2-40B4-BE49-F238E27FC236}">
-                <a16:creationId xmlns:a16="http://schemas.microsoft.com/office/drawing/2014/main" id="{5ADC00B6-990A-40DC-3CEA-505258F5E8DA}"/>
-              </a:ext>
-            </a:extLst>
-          </p:cNvPr>
-          <p:cNvSpPr txBox="1"/>
-          <p:nvPr/>
-        </p:nvSpPr>
-        <p:spPr>
-          <a:xfrm>
-            <a:off x="762000" y="419100"/>
-            <a:ext cx="3894040" cy="830997"/>
-          </a:xfrm>
-          <a:prstGeom prst="rect">
-            <a:avLst/>
-          </a:prstGeom>
-          <a:noFill/>
-        </p:spPr>
-        <p:txBody>
-          <a:bodyPr wrap="square" rtlCol="0">
-            <a:spAutoFit/>
-          </a:bodyPr>
-          <a:lstStyle/>
-          <a:p>
-            <a:r>
-              <a:rPr lang="ko-KR" altLang="en-US" sz="4800">
-                <a:solidFill>
-                  <a:srgbClr val="4C50BC"/>
-                </a:solidFill>
-                <a:latin typeface="G마켓 산스 Medium" panose="02000000000000000000" pitchFamily="50" charset="-127"/>
-                <a:ea typeface="G마켓 산스 Medium" panose="02000000000000000000" pitchFamily="50" charset="-127"/>
-              </a:rPr>
-              <a:t>정답</a:t>
-            </a:r>
-            <a:endParaRPr lang="en-US" altLang="ko-KR" sz="4800" dirty="0">
-              <a:solidFill>
-                <a:srgbClr val="4C50BC"/>
-              </a:solidFill>
-              <a:latin typeface="G마켓 산스 Medium" panose="02000000000000000000" pitchFamily="50" charset="-127"/>
-              <a:ea typeface="G마켓 산스 Medium" panose="02000000000000000000" pitchFamily="50" charset="-127"/>
-            </a:endParaRPr>
-          </a:p>
-        </p:txBody>
-      </p:sp>
       <p:cxnSp>
         <p:nvCxnSpPr>
           <p:cNvPr id="6" name="직선 화살표 연결선 5">
@@ -7392,6 +7795,120 @@
           </a:p>
         </p:txBody>
       </p:sp>
+      <p:sp>
+        <p:nvSpPr>
+          <p:cNvPr id="2" name="TextBox 1">
+            <a:extLst>
+              <a:ext uri="{FF2B5EF4-FFF2-40B4-BE49-F238E27FC236}">
+                <a16:creationId xmlns:a16="http://schemas.microsoft.com/office/drawing/2014/main" id="{99B8015F-2DDB-2EC5-E0A9-3B0EE0D5B3AA}"/>
+              </a:ext>
+            </a:extLst>
+          </p:cNvPr>
+          <p:cNvSpPr txBox="1"/>
+          <p:nvPr/>
+        </p:nvSpPr>
+        <p:spPr>
+          <a:xfrm>
+            <a:off x="304800" y="114300"/>
+            <a:ext cx="10972800" cy="923330"/>
+          </a:xfrm>
+          <a:prstGeom prst="rect">
+            <a:avLst/>
+          </a:prstGeom>
+          <a:noFill/>
+        </p:spPr>
+        <p:txBody>
+          <a:bodyPr wrap="square" rtlCol="0">
+            <a:spAutoFit/>
+          </a:bodyPr>
+          <a:lstStyle/>
+          <a:p>
+            <a:r>
+              <a:rPr lang="en-US" altLang="ko-KR" sz="5400" spc="-300" dirty="0">
+                <a:solidFill>
+                  <a:srgbClr val="4C50BC"/>
+                </a:solidFill>
+                <a:latin typeface="G마켓 산스 Bold" panose="02000000000000000000" pitchFamily="50" charset="-127"/>
+                <a:ea typeface="G마켓 산스 Bold" panose="02000000000000000000" pitchFamily="50" charset="-127"/>
+              </a:rPr>
+              <a:t>2-3 </a:t>
+            </a:r>
+            <a:r>
+              <a:rPr lang="ko-KR" altLang="en-US" sz="5400" spc="-300" dirty="0">
+                <a:solidFill>
+                  <a:srgbClr val="4C50BC"/>
+                </a:solidFill>
+                <a:latin typeface="G마켓 산스 Bold" panose="02000000000000000000" pitchFamily="50" charset="-127"/>
+                <a:ea typeface="G마켓 산스 Bold" panose="02000000000000000000" pitchFamily="50" charset="-127"/>
+              </a:rPr>
+              <a:t>문제풀이</a:t>
+            </a:r>
+            <a:r>
+              <a:rPr lang="en-US" altLang="ko-KR" sz="5400" spc="-300" dirty="0">
+                <a:solidFill>
+                  <a:srgbClr val="4C50BC"/>
+                </a:solidFill>
+                <a:latin typeface="G마켓 산스 Bold" panose="02000000000000000000" pitchFamily="50" charset="-127"/>
+                <a:ea typeface="G마켓 산스 Bold" panose="02000000000000000000" pitchFamily="50" charset="-127"/>
+              </a:rPr>
+              <a:t> </a:t>
+            </a:r>
+            <a:r>
+              <a:rPr lang="en-US" altLang="ko-KR" sz="5400" spc="-300" dirty="0">
+                <a:solidFill>
+                  <a:srgbClr val="FF0000"/>
+                </a:solidFill>
+                <a:latin typeface="G마켓 산스 Bold" panose="02000000000000000000" pitchFamily="50" charset="-127"/>
+                <a:ea typeface="G마켓 산스 Bold" panose="02000000000000000000" pitchFamily="50" charset="-127"/>
+              </a:rPr>
+              <a:t>(hard)</a:t>
+            </a:r>
+          </a:p>
+        </p:txBody>
+      </p:sp>
+      <p:cxnSp>
+        <p:nvCxnSpPr>
+          <p:cNvPr id="3" name="직선 연결선 2">
+            <a:extLst>
+              <a:ext uri="{FF2B5EF4-FFF2-40B4-BE49-F238E27FC236}">
+                <a16:creationId xmlns:a16="http://schemas.microsoft.com/office/drawing/2014/main" id="{9C287DBF-59BF-D53D-9A34-4F935A6B1B61}"/>
+              </a:ext>
+            </a:extLst>
+          </p:cNvPr>
+          <p:cNvCxnSpPr>
+            <a:cxnSpLocks/>
+          </p:cNvCxnSpPr>
+          <p:nvPr/>
+        </p:nvCxnSpPr>
+        <p:spPr>
+          <a:xfrm flipH="1" flipV="1">
+            <a:off x="-13447" y="972511"/>
+            <a:ext cx="18288000" cy="65119"/>
+          </a:xfrm>
+          <a:prstGeom prst="line">
+            <a:avLst/>
+          </a:prstGeom>
+          <a:ln w="38100">
+            <a:solidFill>
+              <a:srgbClr val="4C50BC"/>
+            </a:solidFill>
+          </a:ln>
+        </p:spPr>
+        <p:style>
+          <a:lnRef idx="1">
+            <a:schemeClr val="accent1"/>
+          </a:lnRef>
+          <a:fillRef idx="0">
+            <a:schemeClr val="accent1"/>
+          </a:fillRef>
+          <a:effectRef idx="0">
+            <a:schemeClr val="accent1"/>
+          </a:effectRef>
+          <a:fontRef idx="minor">
+            <a:schemeClr val="tx1"/>
+          </a:fontRef>
+        </p:style>
+      </p:cxnSp>
     </p:spTree>
     <p:extLst>
       <p:ext uri="{BB962C8B-B14F-4D97-AF65-F5344CB8AC3E}">
@@ -7438,7 +7955,7 @@
         </p:blipFill>
         <p:spPr>
           <a:xfrm>
-            <a:off x="9168032" y="5448300"/>
+            <a:off x="9168032" y="6169182"/>
             <a:ext cx="7680547" cy="1981200"/>
           </a:xfrm>
           <a:prstGeom prst="rect">
@@ -7460,7 +7977,7 @@
         </p:nvSpPr>
         <p:spPr>
           <a:xfrm>
-            <a:off x="378654" y="342900"/>
+            <a:off x="378654" y="1063782"/>
             <a:ext cx="17909346" cy="4832092"/>
           </a:xfrm>
           <a:prstGeom prst="rect">
@@ -7475,17 +7992,17 @@
           <a:lstStyle/>
           <a:p>
             <a:r>
-              <a:rPr lang="en-US" altLang="ko-KR" sz="4000">
+              <a:rPr lang="en-US" altLang="ko-KR" sz="4000" dirty="0">
                 <a:solidFill>
                   <a:srgbClr val="4C50BC"/>
                 </a:solidFill>
                 <a:latin typeface="G마켓 산스 Medium" panose="02000000000000000000" pitchFamily="50" charset="-127"/>
                 <a:ea typeface="G마켓 산스 Medium" panose="02000000000000000000" pitchFamily="50" charset="-127"/>
               </a:rPr>
-              <a:t>2-4 Marine </a:t>
-            </a:r>
-            <a:r>
-              <a:rPr lang="ko-KR" altLang="en-US" sz="4000">
+              <a:t>Marine </a:t>
+            </a:r>
+            <a:r>
+              <a:rPr lang="ko-KR" altLang="en-US" sz="4000" dirty="0">
                 <a:solidFill>
                   <a:srgbClr val="4C50BC"/>
                 </a:solidFill>
@@ -7494,16 +8011,13 @@
               </a:rPr>
               <a:t>클래스에 기능을 추가하자</a:t>
             </a:r>
-            <a:r>
-              <a:rPr lang="en-US" altLang="ko-KR" sz="4000">
-                <a:solidFill>
-                  <a:srgbClr val="FF0000"/>
-                </a:solidFill>
-                <a:latin typeface="G마켓 산스 Medium" panose="02000000000000000000" pitchFamily="50" charset="-127"/>
-                <a:ea typeface="G마켓 산스 Medium" panose="02000000000000000000" pitchFamily="50" charset="-127"/>
-              </a:rPr>
-              <a:t>(expert)</a:t>
-            </a:r>
+            <a:endParaRPr lang="en-US" altLang="ko-KR" sz="4000" dirty="0">
+              <a:solidFill>
+                <a:srgbClr val="FF0000"/>
+              </a:solidFill>
+              <a:latin typeface="G마켓 산스 Medium" panose="02000000000000000000" pitchFamily="50" charset="-127"/>
+              <a:ea typeface="G마켓 산스 Medium" panose="02000000000000000000" pitchFamily="50" charset="-127"/>
+            </a:endParaRPr>
           </a:p>
           <a:p>
             <a:pPr marL="571500" indent="-571500">
@@ -7511,7 +8025,7 @@
               <a:buChar char="-"/>
             </a:pPr>
             <a:r>
-              <a:rPr lang="ko-KR" altLang="en-US" sz="3200">
+              <a:rPr lang="ko-KR" altLang="en-US" sz="3200" dirty="0">
                 <a:solidFill>
                   <a:schemeClr val="bg1">
                     <a:lumMod val="50000"/>
@@ -7523,7 +8037,7 @@
               <a:t>멤버변수</a:t>
             </a:r>
             <a:r>
-              <a:rPr lang="en-US" altLang="ko-KR" sz="3200">
+              <a:rPr lang="en-US" altLang="ko-KR" sz="3200" dirty="0">
                 <a:solidFill>
                   <a:schemeClr val="bg1">
                     <a:lumMod val="50000"/>
@@ -7535,7 +8049,7 @@
               <a:t>:</a:t>
             </a:r>
             <a:r>
-              <a:rPr lang="ko-KR" altLang="en-US" sz="3200">
+              <a:rPr lang="ko-KR" altLang="en-US" sz="3200" dirty="0">
                 <a:solidFill>
                   <a:schemeClr val="bg1">
                     <a:lumMod val="50000"/>
@@ -7547,7 +8061,7 @@
               <a:t> </a:t>
             </a:r>
             <a:r>
-              <a:rPr lang="en-US" altLang="ko-KR" sz="3200">
+              <a:rPr lang="en-US" altLang="ko-KR" sz="3200" dirty="0">
                 <a:solidFill>
                   <a:schemeClr val="bg1">
                     <a:lumMod val="50000"/>
@@ -7556,10 +8070,10 @@
                 <a:latin typeface="G마켓 산스 Medium" panose="02000000000000000000" pitchFamily="50" charset="-127"/>
                 <a:ea typeface="G마켓 산스 Medium" panose="02000000000000000000" pitchFamily="50" charset="-127"/>
               </a:rPr>
-              <a:t>Point posision(</a:t>
-            </a:r>
-            <a:r>
-              <a:rPr lang="ko-KR" altLang="en-US" sz="3200">
+              <a:t>Point </a:t>
+            </a:r>
+            <a:r>
+              <a:rPr lang="en-US" altLang="ko-KR" sz="3200" dirty="0" err="1">
                 <a:solidFill>
                   <a:schemeClr val="bg1">
                     <a:lumMod val="50000"/>
@@ -7568,10 +8082,10 @@
                 <a:latin typeface="G마켓 산스 Medium" panose="02000000000000000000" pitchFamily="50" charset="-127"/>
                 <a:ea typeface="G마켓 산스 Medium" panose="02000000000000000000" pitchFamily="50" charset="-127"/>
               </a:rPr>
-              <a:t>유닛의 위치정보를 저장</a:t>
-            </a:r>
-            <a:r>
-              <a:rPr lang="en-US" altLang="ko-KR" sz="3200">
+              <a:t>posision</a:t>
+            </a:r>
+            <a:r>
+              <a:rPr lang="en-US" altLang="ko-KR" sz="3200" dirty="0">
                 <a:solidFill>
                   <a:schemeClr val="bg1">
                     <a:lumMod val="50000"/>
@@ -7580,12 +8094,10 @@
                 <a:latin typeface="G마켓 산스 Medium" panose="02000000000000000000" pitchFamily="50" charset="-127"/>
                 <a:ea typeface="G마켓 산스 Medium" panose="02000000000000000000" pitchFamily="50" charset="-127"/>
               </a:rPr>
-              <a:t>)</a:t>
-            </a:r>
-          </a:p>
-          <a:p>
-            <a:r>
-              <a:rPr lang="en-US" altLang="ko-KR" sz="3200">
+              <a:t>(</a:t>
+            </a:r>
+            <a:r>
+              <a:rPr lang="ko-KR" altLang="en-US" sz="3200" dirty="0">
                 <a:solidFill>
                   <a:schemeClr val="bg1">
                     <a:lumMod val="50000"/>
@@ -7594,10 +8106,10 @@
                 <a:latin typeface="G마켓 산스 Medium" panose="02000000000000000000" pitchFamily="50" charset="-127"/>
                 <a:ea typeface="G마켓 산스 Medium" panose="02000000000000000000" pitchFamily="50" charset="-127"/>
               </a:rPr>
-              <a:t>                    int shootingRange(</a:t>
-            </a:r>
-            <a:r>
-              <a:rPr lang="ko-KR" altLang="en-US" sz="3200">
+              <a:t>유닛의 위치정보를 저장</a:t>
+            </a:r>
+            <a:r>
+              <a:rPr lang="en-US" altLang="ko-KR" sz="3200" dirty="0">
                 <a:solidFill>
                   <a:schemeClr val="bg1">
                     <a:lumMod val="50000"/>
@@ -7606,10 +8118,60 @@
                 <a:latin typeface="G마켓 산스 Medium" panose="02000000000000000000" pitchFamily="50" charset="-127"/>
                 <a:ea typeface="G마켓 산스 Medium" panose="02000000000000000000" pitchFamily="50" charset="-127"/>
               </a:rPr>
+              <a:t>)</a:t>
+            </a:r>
+          </a:p>
+          <a:p>
+            <a:r>
+              <a:rPr lang="en-US" altLang="ko-KR" sz="3200" dirty="0">
+                <a:solidFill>
+                  <a:schemeClr val="bg1">
+                    <a:lumMod val="50000"/>
+                  </a:schemeClr>
+                </a:solidFill>
+                <a:latin typeface="G마켓 산스 Medium" panose="02000000000000000000" pitchFamily="50" charset="-127"/>
+                <a:ea typeface="G마켓 산스 Medium" panose="02000000000000000000" pitchFamily="50" charset="-127"/>
+              </a:rPr>
+              <a:t>                    int </a:t>
+            </a:r>
+            <a:r>
+              <a:rPr lang="en-US" altLang="ko-KR" sz="3200" dirty="0" err="1">
+                <a:solidFill>
+                  <a:schemeClr val="bg1">
+                    <a:lumMod val="50000"/>
+                  </a:schemeClr>
+                </a:solidFill>
+                <a:latin typeface="G마켓 산스 Medium" panose="02000000000000000000" pitchFamily="50" charset="-127"/>
+                <a:ea typeface="G마켓 산스 Medium" panose="02000000000000000000" pitchFamily="50" charset="-127"/>
+              </a:rPr>
+              <a:t>shootingRange</a:t>
+            </a:r>
+            <a:r>
+              <a:rPr lang="en-US" altLang="ko-KR" sz="3200" dirty="0">
+                <a:solidFill>
+                  <a:schemeClr val="bg1">
+                    <a:lumMod val="50000"/>
+                  </a:schemeClr>
+                </a:solidFill>
+                <a:latin typeface="G마켓 산스 Medium" panose="02000000000000000000" pitchFamily="50" charset="-127"/>
+                <a:ea typeface="G마켓 산스 Medium" panose="02000000000000000000" pitchFamily="50" charset="-127"/>
+              </a:rPr>
+              <a:t>(</a:t>
+            </a:r>
+            <a:r>
+              <a:rPr lang="ko-KR" altLang="en-US" sz="3200" dirty="0">
+                <a:solidFill>
+                  <a:schemeClr val="bg1">
+                    <a:lumMod val="50000"/>
+                  </a:schemeClr>
+                </a:solidFill>
+                <a:latin typeface="G마켓 산스 Medium" panose="02000000000000000000" pitchFamily="50" charset="-127"/>
+                <a:ea typeface="G마켓 산스 Medium" panose="02000000000000000000" pitchFamily="50" charset="-127"/>
+              </a:rPr>
               <a:t>공격 사정거리</a:t>
             </a:r>
             <a:r>
-              <a:rPr lang="en-US" altLang="ko-KR" sz="3200">
+              <a:rPr lang="en-US" altLang="ko-KR" sz="3200" dirty="0">
                 <a:solidFill>
                   <a:schemeClr val="bg1">
                     <a:lumMod val="50000"/>
@@ -7627,7 +8189,7 @@
               <a:buChar char="-"/>
             </a:pPr>
             <a:r>
-              <a:rPr lang="ko-KR" altLang="en-US" sz="3200">
+              <a:rPr lang="ko-KR" altLang="en-US" sz="3200" dirty="0" err="1">
                 <a:solidFill>
                   <a:schemeClr val="bg1">
                     <a:lumMod val="50000"/>
@@ -7636,10 +8198,10 @@
                 <a:latin typeface="G마켓 산스 Medium" panose="02000000000000000000" pitchFamily="50" charset="-127"/>
                 <a:ea typeface="G마켓 산스 Medium" panose="02000000000000000000" pitchFamily="50" charset="-127"/>
               </a:rPr>
-              <a:t>멤버메서드 </a:t>
-            </a:r>
-            <a:r>
-              <a:rPr lang="en-US" altLang="ko-KR" sz="3200">
+              <a:t>멤버메서드</a:t>
+            </a:r>
+            <a:r>
+              <a:rPr lang="ko-KR" altLang="en-US" sz="3200" dirty="0">
                 <a:solidFill>
                   <a:schemeClr val="bg1">
                     <a:lumMod val="50000"/>
@@ -7648,10 +8210,10 @@
                 <a:latin typeface="G마켓 산스 Medium" panose="02000000000000000000" pitchFamily="50" charset="-127"/>
                 <a:ea typeface="G마켓 산스 Medium" panose="02000000000000000000" pitchFamily="50" charset="-127"/>
               </a:rPr>
-              <a:t>: int getDistance(Marine target)  </a:t>
-            </a:r>
-            <a:r>
-              <a:rPr lang="ko-KR" altLang="en-US" sz="3200">
+              <a:t> </a:t>
+            </a:r>
+            <a:r>
+              <a:rPr lang="en-US" altLang="ko-KR" sz="3200" dirty="0">
                 <a:solidFill>
                   <a:schemeClr val="bg1">
                     <a:lumMod val="50000"/>
@@ -7660,10 +8222,46 @@
                 <a:latin typeface="G마켓 산스 Medium" panose="02000000000000000000" pitchFamily="50" charset="-127"/>
                 <a:ea typeface="G마켓 산스 Medium" panose="02000000000000000000" pitchFamily="50" charset="-127"/>
               </a:rPr>
+              <a:t>: int </a:t>
+            </a:r>
+            <a:r>
+              <a:rPr lang="en-US" altLang="ko-KR" sz="3200" dirty="0" err="1">
+                <a:solidFill>
+                  <a:schemeClr val="bg1">
+                    <a:lumMod val="50000"/>
+                  </a:schemeClr>
+                </a:solidFill>
+                <a:latin typeface="G마켓 산스 Medium" panose="02000000000000000000" pitchFamily="50" charset="-127"/>
+                <a:ea typeface="G마켓 산스 Medium" panose="02000000000000000000" pitchFamily="50" charset="-127"/>
+              </a:rPr>
+              <a:t>getDistance</a:t>
+            </a:r>
+            <a:r>
+              <a:rPr lang="en-US" altLang="ko-KR" sz="3200" dirty="0">
+                <a:solidFill>
+                  <a:schemeClr val="bg1">
+                    <a:lumMod val="50000"/>
+                  </a:schemeClr>
+                </a:solidFill>
+                <a:latin typeface="G마켓 산스 Medium" panose="02000000000000000000" pitchFamily="50" charset="-127"/>
+                <a:ea typeface="G마켓 산스 Medium" panose="02000000000000000000" pitchFamily="50" charset="-127"/>
+              </a:rPr>
+              <a:t>(Marine target)  </a:t>
+            </a:r>
+            <a:r>
+              <a:rPr lang="ko-KR" altLang="en-US" sz="3200" dirty="0">
+                <a:solidFill>
+                  <a:schemeClr val="bg1">
+                    <a:lumMod val="50000"/>
+                  </a:schemeClr>
+                </a:solidFill>
+                <a:latin typeface="G마켓 산스 Medium" panose="02000000000000000000" pitchFamily="50" charset="-127"/>
+                <a:ea typeface="G마켓 산스 Medium" panose="02000000000000000000" pitchFamily="50" charset="-127"/>
+              </a:rPr>
               <a:t>매개변수로 받은 유닛과의 거리를 반환한다</a:t>
             </a:r>
             <a:r>
-              <a:rPr lang="en-US" altLang="ko-KR" sz="3200">
+              <a:rPr lang="en-US" altLang="ko-KR" sz="3200" dirty="0">
                 <a:solidFill>
                   <a:schemeClr val="bg1">
                     <a:lumMod val="50000"/>
@@ -7681,7 +8279,7 @@
               <a:buChar char="-"/>
             </a:pPr>
             <a:r>
-              <a:rPr lang="en-US" altLang="ko-KR" sz="3200">
+              <a:rPr lang="en-US" altLang="ko-KR" sz="3200" dirty="0">
                 <a:solidFill>
                   <a:schemeClr val="tx1">
                     <a:lumMod val="50000"/>
@@ -7694,7 +8292,7 @@
               <a:t>attack </a:t>
             </a:r>
             <a:r>
-              <a:rPr lang="ko-KR" altLang="en-US" sz="3200">
+              <a:rPr lang="ko-KR" altLang="en-US" sz="3200" dirty="0">
                 <a:solidFill>
                   <a:schemeClr val="tx1">
                     <a:lumMod val="50000"/>
@@ -7707,7 +8305,7 @@
               <a:t>메서드에서 </a:t>
             </a:r>
             <a:r>
-              <a:rPr lang="en-US" altLang="ko-KR" sz="3200">
+              <a:rPr lang="en-US" altLang="ko-KR" sz="3200" dirty="0" err="1">
                 <a:solidFill>
                   <a:schemeClr val="tx1">
                     <a:lumMod val="50000"/>
@@ -7717,10 +8315,10 @@
                 <a:latin typeface="G마켓 산스 Medium" panose="02000000000000000000" pitchFamily="50" charset="-127"/>
                 <a:ea typeface="G마켓 산스 Medium" panose="02000000000000000000" pitchFamily="50" charset="-127"/>
               </a:rPr>
-              <a:t>getDistance() </a:t>
-            </a:r>
-            <a:r>
-              <a:rPr lang="ko-KR" altLang="en-US" sz="3200">
+              <a:t>getDistance</a:t>
+            </a:r>
+            <a:r>
+              <a:rPr lang="en-US" altLang="ko-KR" sz="3200" dirty="0">
                 <a:solidFill>
                   <a:schemeClr val="tx1">
                     <a:lumMod val="50000"/>
@@ -7730,10 +8328,10 @@
                 <a:latin typeface="G마켓 산스 Medium" panose="02000000000000000000" pitchFamily="50" charset="-127"/>
                 <a:ea typeface="G마켓 산스 Medium" panose="02000000000000000000" pitchFamily="50" charset="-127"/>
               </a:rPr>
-              <a:t>와 </a:t>
-            </a:r>
-            <a:r>
-              <a:rPr lang="en-US" altLang="ko-KR" sz="3200">
+              <a:t>() </a:t>
+            </a:r>
+            <a:r>
+              <a:rPr lang="ko-KR" altLang="en-US" sz="3200" dirty="0">
                 <a:solidFill>
                   <a:schemeClr val="tx1">
                     <a:lumMod val="50000"/>
@@ -7743,10 +8341,10 @@
                 <a:latin typeface="G마켓 산스 Medium" panose="02000000000000000000" pitchFamily="50" charset="-127"/>
                 <a:ea typeface="G마켓 산스 Medium" panose="02000000000000000000" pitchFamily="50" charset="-127"/>
               </a:rPr>
-              <a:t>shootingRange </a:t>
-            </a:r>
-            <a:r>
-              <a:rPr lang="ko-KR" altLang="en-US" sz="3200">
+              <a:t>와 </a:t>
+            </a:r>
+            <a:r>
+              <a:rPr lang="en-US" altLang="ko-KR" sz="3200" dirty="0" err="1">
                 <a:solidFill>
                   <a:schemeClr val="tx1">
                     <a:lumMod val="50000"/>
@@ -7756,9 +8354,35 @@
                 <a:latin typeface="G마켓 산스 Medium" panose="02000000000000000000" pitchFamily="50" charset="-127"/>
                 <a:ea typeface="G마켓 산스 Medium" panose="02000000000000000000" pitchFamily="50" charset="-127"/>
               </a:rPr>
+              <a:t>shootingRange</a:t>
+            </a:r>
+            <a:r>
+              <a:rPr lang="en-US" altLang="ko-KR" sz="3200" dirty="0">
+                <a:solidFill>
+                  <a:schemeClr val="tx1">
+                    <a:lumMod val="50000"/>
+                    <a:lumOff val="50000"/>
+                  </a:schemeClr>
+                </a:solidFill>
+                <a:latin typeface="G마켓 산스 Medium" panose="02000000000000000000" pitchFamily="50" charset="-127"/>
+                <a:ea typeface="G마켓 산스 Medium" panose="02000000000000000000" pitchFamily="50" charset="-127"/>
+              </a:rPr>
+              <a:t> </a:t>
+            </a:r>
+            <a:r>
+              <a:rPr lang="ko-KR" altLang="en-US" sz="3200" dirty="0">
+                <a:solidFill>
+                  <a:schemeClr val="tx1">
+                    <a:lumMod val="50000"/>
+                    <a:lumOff val="50000"/>
+                  </a:schemeClr>
+                </a:solidFill>
+                <a:latin typeface="G마켓 산스 Medium" panose="02000000000000000000" pitchFamily="50" charset="-127"/>
+                <a:ea typeface="G마켓 산스 Medium" panose="02000000000000000000" pitchFamily="50" charset="-127"/>
+              </a:rPr>
               <a:t>변수를 이용하여 </a:t>
             </a:r>
-            <a:endParaRPr lang="en-US" altLang="ko-KR" sz="3200">
+            <a:endParaRPr lang="en-US" altLang="ko-KR" sz="3200" dirty="0">
               <a:solidFill>
                 <a:schemeClr val="tx1">
                   <a:lumMod val="50000"/>
@@ -7771,7 +8395,7 @@
           </a:p>
           <a:p>
             <a:r>
-              <a:rPr lang="ko-KR" altLang="en-US" sz="3200">
+              <a:rPr lang="ko-KR" altLang="en-US" sz="3200" dirty="0">
                 <a:solidFill>
                   <a:schemeClr val="tx1">
                     <a:lumMod val="50000"/>
@@ -7784,7 +8408,7 @@
               <a:t>공격 가능거리가 아니면 공격을 못한다고 출력하자</a:t>
             </a:r>
             <a:r>
-              <a:rPr lang="en-US" altLang="ko-KR" sz="3200">
+              <a:rPr lang="en-US" altLang="ko-KR" sz="3200" dirty="0">
                 <a:solidFill>
                   <a:schemeClr val="tx1">
                     <a:lumMod val="50000"/>
@@ -7798,7 +8422,7 @@
             </a:r>
           </a:p>
           <a:p>
-            <a:endParaRPr lang="en-US" altLang="ko-KR" sz="3600">
+            <a:endParaRPr lang="en-US" altLang="ko-KR" sz="3600" dirty="0">
               <a:solidFill>
                 <a:schemeClr val="tx1">
                   <a:lumMod val="50000"/>
@@ -7811,7 +8435,7 @@
           </a:p>
           <a:p>
             <a:r>
-              <a:rPr lang="en-US" altLang="ko-KR" sz="3600">
+              <a:rPr lang="en-US" altLang="ko-KR" sz="3600" dirty="0">
                 <a:solidFill>
                   <a:srgbClr val="FF0000"/>
                 </a:solidFill>
@@ -7821,7 +8445,7 @@
               <a:t>Point </a:t>
             </a:r>
             <a:r>
-              <a:rPr lang="ko-KR" altLang="en-US" sz="3600">
+              <a:rPr lang="ko-KR" altLang="en-US" sz="3600" dirty="0">
                 <a:solidFill>
                   <a:srgbClr val="FF0000"/>
                 </a:solidFill>
@@ -7831,27 +8455,37 @@
               <a:t>클래스를 사용하기 위해서 </a:t>
             </a:r>
             <a:r>
-              <a:rPr lang="en-US" altLang="ko-KR" sz="3600">
+              <a:rPr lang="en-US" altLang="ko-KR" sz="3600" dirty="0" err="1">
                 <a:solidFill>
                   <a:srgbClr val="FF0000"/>
                 </a:solidFill>
                 <a:latin typeface="G마켓 산스 Medium" panose="02000000000000000000" pitchFamily="50" charset="-127"/>
                 <a:ea typeface="G마켓 산스 Medium" panose="02000000000000000000" pitchFamily="50" charset="-127"/>
               </a:rPr>
-              <a:t>java.awt.Point </a:t>
-            </a:r>
-            <a:r>
-              <a:rPr lang="ko-KR" altLang="en-US" sz="3600">
+              <a:t>java.awt.Point</a:t>
+            </a:r>
+            <a:r>
+              <a:rPr lang="en-US" altLang="ko-KR" sz="3600" dirty="0">
                 <a:solidFill>
                   <a:srgbClr val="FF0000"/>
                 </a:solidFill>
                 <a:latin typeface="G마켓 산스 Medium" panose="02000000000000000000" pitchFamily="50" charset="-127"/>
                 <a:ea typeface="G마켓 산스 Medium" panose="02000000000000000000" pitchFamily="50" charset="-127"/>
               </a:rPr>
+              <a:t> </a:t>
+            </a:r>
+            <a:r>
+              <a:rPr lang="ko-KR" altLang="en-US" sz="3600" dirty="0">
+                <a:solidFill>
+                  <a:srgbClr val="FF0000"/>
+                </a:solidFill>
+                <a:latin typeface="G마켓 산스 Medium" panose="02000000000000000000" pitchFamily="50" charset="-127"/>
+                <a:ea typeface="G마켓 산스 Medium" panose="02000000000000000000" pitchFamily="50" charset="-127"/>
+              </a:rPr>
               <a:t>를 </a:t>
             </a:r>
             <a:r>
-              <a:rPr lang="en-US" altLang="ko-KR" sz="3600">
+              <a:rPr lang="en-US" altLang="ko-KR" sz="3600" dirty="0">
                 <a:solidFill>
                   <a:srgbClr val="FF0000"/>
                 </a:solidFill>
@@ -7861,7 +8495,7 @@
               <a:t>import </a:t>
             </a:r>
             <a:r>
-              <a:rPr lang="ko-KR" altLang="en-US" sz="3600">
+              <a:rPr lang="ko-KR" altLang="en-US" sz="3600" dirty="0">
                 <a:solidFill>
                   <a:srgbClr val="FF0000"/>
                 </a:solidFill>
@@ -7871,7 +8505,7 @@
               <a:t>해야 한다</a:t>
             </a:r>
             <a:r>
-              <a:rPr lang="en-US" altLang="ko-KR" sz="3600">
+              <a:rPr lang="en-US" altLang="ko-KR" sz="3600" dirty="0">
                 <a:solidFill>
                   <a:srgbClr val="FF0000"/>
                 </a:solidFill>
@@ -7883,7 +8517,7 @@
           </a:p>
           <a:p>
             <a:r>
-              <a:rPr lang="ko-KR" altLang="en-US" sz="3600">
+              <a:rPr lang="ko-KR" altLang="en-US" sz="3600" dirty="0">
                 <a:solidFill>
                   <a:srgbClr val="FF0000"/>
                 </a:solidFill>
@@ -7893,47 +8527,87 @@
               <a:t>제곱근 </a:t>
             </a:r>
             <a:r>
-              <a:rPr lang="en-US" altLang="ko-KR" sz="3600">
+              <a:rPr lang="en-US" altLang="ko-KR" sz="3600" dirty="0">
                 <a:solidFill>
                   <a:srgbClr val="FF0000"/>
                 </a:solidFill>
                 <a:latin typeface="G마켓 산스 Medium" panose="02000000000000000000" pitchFamily="50" charset="-127"/>
                 <a:ea typeface="G마켓 산스 Medium" panose="02000000000000000000" pitchFamily="50" charset="-127"/>
               </a:rPr>
-              <a:t>: Math.sqrt   </a:t>
-            </a:r>
-            <a:r>
-              <a:rPr lang="ko-KR" altLang="en-US" sz="3600">
+              <a:t>: </a:t>
+            </a:r>
+            <a:r>
+              <a:rPr lang="en-US" altLang="ko-KR" sz="3600" dirty="0" err="1">
                 <a:solidFill>
                   <a:srgbClr val="FF0000"/>
                 </a:solidFill>
                 <a:latin typeface="G마켓 산스 Medium" panose="02000000000000000000" pitchFamily="50" charset="-127"/>
                 <a:ea typeface="G마켓 산스 Medium" panose="02000000000000000000" pitchFamily="50" charset="-127"/>
               </a:rPr>
+              <a:t>Math.sqrt</a:t>
+            </a:r>
+            <a:r>
+              <a:rPr lang="en-US" altLang="ko-KR" sz="3600" dirty="0">
+                <a:solidFill>
+                  <a:srgbClr val="FF0000"/>
+                </a:solidFill>
+                <a:latin typeface="G마켓 산스 Medium" panose="02000000000000000000" pitchFamily="50" charset="-127"/>
+                <a:ea typeface="G마켓 산스 Medium" panose="02000000000000000000" pitchFamily="50" charset="-127"/>
+              </a:rPr>
+              <a:t>   </a:t>
+            </a:r>
+            <a:r>
+              <a:rPr lang="ko-KR" altLang="en-US" sz="3600" dirty="0">
+                <a:solidFill>
+                  <a:srgbClr val="FF0000"/>
+                </a:solidFill>
+                <a:latin typeface="G마켓 산스 Medium" panose="02000000000000000000" pitchFamily="50" charset="-127"/>
+                <a:ea typeface="G마켓 산스 Medium" panose="02000000000000000000" pitchFamily="50" charset="-127"/>
+              </a:rPr>
               <a:t>제곱 </a:t>
             </a:r>
             <a:r>
-              <a:rPr lang="en-US" altLang="ko-KR" sz="3600">
+              <a:rPr lang="en-US" altLang="ko-KR" sz="3600" dirty="0">
                 <a:solidFill>
                   <a:srgbClr val="FF0000"/>
                 </a:solidFill>
                 <a:latin typeface="G마켓 산스 Medium" panose="02000000000000000000" pitchFamily="50" charset="-127"/>
                 <a:ea typeface="G마켓 산스 Medium" panose="02000000000000000000" pitchFamily="50" charset="-127"/>
               </a:rPr>
-              <a:t>: Math.pow(2,3) -&gt; 2</a:t>
-            </a:r>
-            <a:r>
-              <a:rPr lang="ko-KR" altLang="en-US" sz="3600">
+              <a:t>: </a:t>
+            </a:r>
+            <a:r>
+              <a:rPr lang="en-US" altLang="ko-KR" sz="3600" dirty="0" err="1">
                 <a:solidFill>
                   <a:srgbClr val="FF0000"/>
                 </a:solidFill>
                 <a:latin typeface="G마켓 산스 Medium" panose="02000000000000000000" pitchFamily="50" charset="-127"/>
                 <a:ea typeface="G마켓 산스 Medium" panose="02000000000000000000" pitchFamily="50" charset="-127"/>
               </a:rPr>
+              <a:t>Math.pow</a:t>
+            </a:r>
+            <a:r>
+              <a:rPr lang="en-US" altLang="ko-KR" sz="3600" dirty="0">
+                <a:solidFill>
+                  <a:srgbClr val="FF0000"/>
+                </a:solidFill>
+                <a:latin typeface="G마켓 산스 Medium" panose="02000000000000000000" pitchFamily="50" charset="-127"/>
+                <a:ea typeface="G마켓 산스 Medium" panose="02000000000000000000" pitchFamily="50" charset="-127"/>
+              </a:rPr>
+              <a:t>(2,3) -&gt; 2</a:t>
+            </a:r>
+            <a:r>
+              <a:rPr lang="ko-KR" altLang="en-US" sz="3600" dirty="0">
+                <a:solidFill>
+                  <a:srgbClr val="FF0000"/>
+                </a:solidFill>
+                <a:latin typeface="G마켓 산스 Medium" panose="02000000000000000000" pitchFamily="50" charset="-127"/>
+                <a:ea typeface="G마켓 산스 Medium" panose="02000000000000000000" pitchFamily="50" charset="-127"/>
+              </a:rPr>
               <a:t>의</a:t>
             </a:r>
             <a:r>
-              <a:rPr lang="en-US" altLang="ko-KR" sz="3600">
+              <a:rPr lang="en-US" altLang="ko-KR" sz="3600" dirty="0">
                 <a:solidFill>
                   <a:srgbClr val="FF0000"/>
                 </a:solidFill>
@@ -7943,7 +8617,7 @@
               <a:t>3</a:t>
             </a:r>
             <a:r>
-              <a:rPr lang="ko-KR" altLang="en-US" sz="3600">
+              <a:rPr lang="ko-KR" altLang="en-US" sz="3600" dirty="0">
                 <a:solidFill>
                   <a:srgbClr val="FF0000"/>
                 </a:solidFill>
@@ -7953,7 +8627,7 @@
               <a:t>제곱 </a:t>
             </a:r>
             <a:r>
-              <a:rPr lang="en-US" altLang="ko-KR" sz="3600">
+              <a:rPr lang="en-US" altLang="ko-KR" sz="3600" dirty="0">
                 <a:solidFill>
                   <a:srgbClr val="FF0000"/>
                 </a:solidFill>
@@ -7981,8 +8655,8 @@
         </p:blipFill>
         <p:spPr>
           <a:xfrm>
-            <a:off x="304800" y="5295900"/>
-            <a:ext cx="8082487" cy="4643597"/>
+            <a:off x="304801" y="5981700"/>
+            <a:ext cx="7315200" cy="4202771"/>
           </a:xfrm>
           <a:prstGeom prst="rect">
             <a:avLst/>
@@ -8005,7 +8679,7 @@
         </p:blipFill>
         <p:spPr>
           <a:xfrm>
-            <a:off x="9168032" y="8267700"/>
+            <a:off x="9168032" y="7886700"/>
             <a:ext cx="9032057" cy="1869918"/>
           </a:xfrm>
           <a:prstGeom prst="rect">
@@ -8013,6 +8687,120 @@
           </a:prstGeom>
         </p:spPr>
       </p:pic>
+      <p:sp>
+        <p:nvSpPr>
+          <p:cNvPr id="2" name="TextBox 1">
+            <a:extLst>
+              <a:ext uri="{FF2B5EF4-FFF2-40B4-BE49-F238E27FC236}">
+                <a16:creationId xmlns:a16="http://schemas.microsoft.com/office/drawing/2014/main" id="{2E756487-67BE-61F7-5992-1731021CE688}"/>
+              </a:ext>
+            </a:extLst>
+          </p:cNvPr>
+          <p:cNvSpPr txBox="1"/>
+          <p:nvPr/>
+        </p:nvSpPr>
+        <p:spPr>
+          <a:xfrm>
+            <a:off x="304800" y="114300"/>
+            <a:ext cx="10972800" cy="923330"/>
+          </a:xfrm>
+          <a:prstGeom prst="rect">
+            <a:avLst/>
+          </a:prstGeom>
+          <a:noFill/>
+        </p:spPr>
+        <p:txBody>
+          <a:bodyPr wrap="square" rtlCol="0">
+            <a:spAutoFit/>
+          </a:bodyPr>
+          <a:lstStyle/>
+          <a:p>
+            <a:r>
+              <a:rPr lang="en-US" altLang="ko-KR" sz="5400" spc="-300" dirty="0">
+                <a:solidFill>
+                  <a:srgbClr val="4C50BC"/>
+                </a:solidFill>
+                <a:latin typeface="G마켓 산스 Bold" panose="02000000000000000000" pitchFamily="50" charset="-127"/>
+                <a:ea typeface="G마켓 산스 Bold" panose="02000000000000000000" pitchFamily="50" charset="-127"/>
+              </a:rPr>
+              <a:t>2-4 </a:t>
+            </a:r>
+            <a:r>
+              <a:rPr lang="ko-KR" altLang="en-US" sz="5400" spc="-300" dirty="0">
+                <a:solidFill>
+                  <a:srgbClr val="4C50BC"/>
+                </a:solidFill>
+                <a:latin typeface="G마켓 산스 Bold" panose="02000000000000000000" pitchFamily="50" charset="-127"/>
+                <a:ea typeface="G마켓 산스 Bold" panose="02000000000000000000" pitchFamily="50" charset="-127"/>
+              </a:rPr>
+              <a:t>실습문제</a:t>
+            </a:r>
+            <a:r>
+              <a:rPr lang="en-US" altLang="ko-KR" sz="5400" spc="-300" dirty="0">
+                <a:solidFill>
+                  <a:srgbClr val="4C50BC"/>
+                </a:solidFill>
+                <a:latin typeface="G마켓 산스 Bold" panose="02000000000000000000" pitchFamily="50" charset="-127"/>
+                <a:ea typeface="G마켓 산스 Bold" panose="02000000000000000000" pitchFamily="50" charset="-127"/>
+              </a:rPr>
+              <a:t> </a:t>
+            </a:r>
+            <a:r>
+              <a:rPr lang="en-US" altLang="ko-KR" sz="5400" spc="-300" dirty="0">
+                <a:solidFill>
+                  <a:srgbClr val="FF0000"/>
+                </a:solidFill>
+                <a:latin typeface="G마켓 산스 Bold" panose="02000000000000000000" pitchFamily="50" charset="-127"/>
+                <a:ea typeface="G마켓 산스 Bold" panose="02000000000000000000" pitchFamily="50" charset="-127"/>
+              </a:rPr>
+              <a:t>(expert)</a:t>
+            </a:r>
+          </a:p>
+        </p:txBody>
+      </p:sp>
+      <p:cxnSp>
+        <p:nvCxnSpPr>
+          <p:cNvPr id="3" name="직선 연결선 2">
+            <a:extLst>
+              <a:ext uri="{FF2B5EF4-FFF2-40B4-BE49-F238E27FC236}">
+                <a16:creationId xmlns:a16="http://schemas.microsoft.com/office/drawing/2014/main" id="{EBB60EFE-7060-2E87-307B-7B071A586B6B}"/>
+              </a:ext>
+            </a:extLst>
+          </p:cNvPr>
+          <p:cNvCxnSpPr>
+            <a:cxnSpLocks/>
+          </p:cNvCxnSpPr>
+          <p:nvPr/>
+        </p:nvCxnSpPr>
+        <p:spPr>
+          <a:xfrm flipH="1" flipV="1">
+            <a:off x="-13447" y="972511"/>
+            <a:ext cx="18288000" cy="65119"/>
+          </a:xfrm>
+          <a:prstGeom prst="line">
+            <a:avLst/>
+          </a:prstGeom>
+          <a:ln w="38100">
+            <a:solidFill>
+              <a:srgbClr val="4C50BC"/>
+            </a:solidFill>
+          </a:ln>
+        </p:spPr>
+        <p:style>
+          <a:lnRef idx="1">
+            <a:schemeClr val="accent1"/>
+          </a:lnRef>
+          <a:fillRef idx="0">
+            <a:schemeClr val="accent1"/>
+          </a:fillRef>
+          <a:effectRef idx="0">
+            <a:schemeClr val="accent1"/>
+          </a:effectRef>
+          <a:fontRef idx="minor">
+            <a:schemeClr val="tx1"/>
+          </a:fontRef>
+        </p:style>
+      </p:cxnSp>
     </p:spTree>
     <p:extLst>
       <p:ext uri="{BB962C8B-B14F-4D97-AF65-F5344CB8AC3E}">
@@ -8059,8 +8847,8 @@
         </p:blipFill>
         <p:spPr>
           <a:xfrm>
-            <a:off x="3515170" y="266700"/>
-            <a:ext cx="12106680" cy="3810000"/>
+            <a:off x="2895600" y="1289731"/>
+            <a:ext cx="10972800" cy="3453165"/>
           </a:xfrm>
           <a:prstGeom prst="rect">
             <a:avLst/>
@@ -8083,8 +8871,8 @@
         </p:blipFill>
         <p:spPr>
           <a:xfrm>
-            <a:off x="3515170" y="4381500"/>
-            <a:ext cx="13553630" cy="5486400"/>
+            <a:off x="2895600" y="5005063"/>
+            <a:ext cx="12766157" cy="5167637"/>
           </a:xfrm>
           <a:prstGeom prst="rect">
             <a:avLst/>
@@ -8093,10 +8881,10 @@
       </p:pic>
       <p:sp>
         <p:nvSpPr>
-          <p:cNvPr id="8" name="TextBox 7">
+          <p:cNvPr id="2" name="TextBox 1">
             <a:extLst>
               <a:ext uri="{FF2B5EF4-FFF2-40B4-BE49-F238E27FC236}">
-                <a16:creationId xmlns:a16="http://schemas.microsoft.com/office/drawing/2014/main" id="{5ADC00B6-990A-40DC-3CEA-505258F5E8DA}"/>
+                <a16:creationId xmlns:a16="http://schemas.microsoft.com/office/drawing/2014/main" id="{6E5CD046-82FE-F8BD-F241-D18FFF7CD3EF}"/>
               </a:ext>
             </a:extLst>
           </p:cNvPr>
@@ -8105,8 +8893,8 @@
         </p:nvSpPr>
         <p:spPr>
           <a:xfrm>
-            <a:off x="457200" y="277837"/>
-            <a:ext cx="3894040" cy="830997"/>
+            <a:off x="304800" y="114300"/>
+            <a:ext cx="10972800" cy="923330"/>
           </a:xfrm>
           <a:prstGeom prst="rect">
             <a:avLst/>
@@ -8120,25 +8908,91 @@
           <a:lstStyle/>
           <a:p>
             <a:r>
-              <a:rPr lang="ko-KR" altLang="en-US" sz="4800">
+              <a:rPr lang="en-US" altLang="ko-KR" sz="5400" spc="-300" dirty="0">
                 <a:solidFill>
                   <a:srgbClr val="4C50BC"/>
                 </a:solidFill>
-                <a:latin typeface="G마켓 산스 Medium" panose="02000000000000000000" pitchFamily="50" charset="-127"/>
-                <a:ea typeface="G마켓 산스 Medium" panose="02000000000000000000" pitchFamily="50" charset="-127"/>
-              </a:rPr>
-              <a:t>정답</a:t>
-            </a:r>
-            <a:endParaRPr lang="en-US" altLang="ko-KR" sz="4800" dirty="0">
-              <a:solidFill>
-                <a:srgbClr val="4C50BC"/>
-              </a:solidFill>
-              <a:latin typeface="G마켓 산스 Medium" panose="02000000000000000000" pitchFamily="50" charset="-127"/>
-              <a:ea typeface="G마켓 산스 Medium" panose="02000000000000000000" pitchFamily="50" charset="-127"/>
-            </a:endParaRPr>
+                <a:latin typeface="G마켓 산스 Bold" panose="02000000000000000000" pitchFamily="50" charset="-127"/>
+                <a:ea typeface="G마켓 산스 Bold" panose="02000000000000000000" pitchFamily="50" charset="-127"/>
+              </a:rPr>
+              <a:t>2-4 </a:t>
+            </a:r>
+            <a:r>
+              <a:rPr lang="ko-KR" altLang="en-US" sz="5400" spc="-300" dirty="0">
+                <a:solidFill>
+                  <a:srgbClr val="4C50BC"/>
+                </a:solidFill>
+                <a:latin typeface="G마켓 산스 Bold" panose="02000000000000000000" pitchFamily="50" charset="-127"/>
+                <a:ea typeface="G마켓 산스 Bold" panose="02000000000000000000" pitchFamily="50" charset="-127"/>
+              </a:rPr>
+              <a:t>문제풀이</a:t>
+            </a:r>
+            <a:r>
+              <a:rPr lang="en-US" altLang="ko-KR" sz="5400" spc="-300" dirty="0">
+                <a:solidFill>
+                  <a:srgbClr val="4C50BC"/>
+                </a:solidFill>
+                <a:latin typeface="G마켓 산스 Bold" panose="02000000000000000000" pitchFamily="50" charset="-127"/>
+                <a:ea typeface="G마켓 산스 Bold" panose="02000000000000000000" pitchFamily="50" charset="-127"/>
+              </a:rPr>
+              <a:t> </a:t>
+            </a:r>
+            <a:r>
+              <a:rPr lang="en-US" altLang="ko-KR" sz="5400" spc="-300" dirty="0">
+                <a:solidFill>
+                  <a:srgbClr val="FF0000"/>
+                </a:solidFill>
+                <a:latin typeface="G마켓 산스 Bold" panose="02000000000000000000" pitchFamily="50" charset="-127"/>
+                <a:ea typeface="G마켓 산스 Bold" panose="02000000000000000000" pitchFamily="50" charset="-127"/>
+              </a:rPr>
+              <a:t>(expert)</a:t>
+            </a:r>
           </a:p>
         </p:txBody>
       </p:sp>
+      <p:cxnSp>
+        <p:nvCxnSpPr>
+          <p:cNvPr id="3" name="직선 연결선 2">
+            <a:extLst>
+              <a:ext uri="{FF2B5EF4-FFF2-40B4-BE49-F238E27FC236}">
+                <a16:creationId xmlns:a16="http://schemas.microsoft.com/office/drawing/2014/main" id="{F541D49E-7607-D7BF-C22F-015931790EAF}"/>
+              </a:ext>
+            </a:extLst>
+          </p:cNvPr>
+          <p:cNvCxnSpPr>
+            <a:cxnSpLocks/>
+          </p:cNvCxnSpPr>
+          <p:nvPr/>
+        </p:nvCxnSpPr>
+        <p:spPr>
+          <a:xfrm flipH="1" flipV="1">
+            <a:off x="-13447" y="972511"/>
+            <a:ext cx="18288000" cy="65119"/>
+          </a:xfrm>
+          <a:prstGeom prst="line">
+            <a:avLst/>
+          </a:prstGeom>
+          <a:ln w="38100">
+            <a:solidFill>
+              <a:srgbClr val="4C50BC"/>
+            </a:solidFill>
+          </a:ln>
+        </p:spPr>
+        <p:style>
+          <a:lnRef idx="1">
+            <a:schemeClr val="accent1"/>
+          </a:lnRef>
+          <a:fillRef idx="0">
+            <a:schemeClr val="accent1"/>
+          </a:fillRef>
+          <a:effectRef idx="0">
+            <a:schemeClr val="accent1"/>
+          </a:effectRef>
+          <a:fontRef idx="minor">
+            <a:schemeClr val="tx1"/>
+          </a:fontRef>
+        </p:style>
+      </p:cxnSp>
     </p:spTree>
     <p:extLst>
       <p:ext uri="{BB962C8B-B14F-4D97-AF65-F5344CB8AC3E}">
@@ -9349,57 +10203,6 @@
       </p:grpSpPr>
       <p:sp>
         <p:nvSpPr>
-          <p:cNvPr id="4" name="TextBox 3">
-            <a:extLst>
-              <a:ext uri="{FF2B5EF4-FFF2-40B4-BE49-F238E27FC236}">
-                <a16:creationId xmlns:a16="http://schemas.microsoft.com/office/drawing/2014/main" id="{5ADC00B6-990A-40DC-3CEA-505258F5E8DA}"/>
-              </a:ext>
-            </a:extLst>
-          </p:cNvPr>
-          <p:cNvSpPr txBox="1"/>
-          <p:nvPr/>
-        </p:nvSpPr>
-        <p:spPr>
-          <a:xfrm>
-            <a:off x="762000" y="266700"/>
-            <a:ext cx="3894040" cy="830997"/>
-          </a:xfrm>
-          <a:prstGeom prst="rect">
-            <a:avLst/>
-          </a:prstGeom>
-          <a:noFill/>
-        </p:spPr>
-        <p:txBody>
-          <a:bodyPr wrap="square" rtlCol="0">
-            <a:spAutoFit/>
-          </a:bodyPr>
-          <a:lstStyle/>
-          <a:p>
-            <a:r>
-              <a:rPr lang="ko-KR" altLang="en-US" sz="4800" dirty="0">
-                <a:solidFill>
-                  <a:srgbClr val="4C50BC"/>
-                </a:solidFill>
-                <a:latin typeface="G마켓 산스 Medium" panose="02000000000000000000" pitchFamily="50" charset="-127"/>
-                <a:ea typeface="G마켓 산스 Medium" panose="02000000000000000000" pitchFamily="50" charset="-127"/>
-              </a:rPr>
-              <a:t>실습문제</a:t>
-            </a:r>
-            <a:r>
-              <a:rPr lang="en-US" altLang="ko-KR" sz="4800" dirty="0">
-                <a:solidFill>
-                  <a:srgbClr val="4C50BC"/>
-                </a:solidFill>
-                <a:latin typeface="G마켓 산스 Medium" panose="02000000000000000000" pitchFamily="50" charset="-127"/>
-                <a:ea typeface="G마켓 산스 Medium" panose="02000000000000000000" pitchFamily="50" charset="-127"/>
-              </a:rPr>
-              <a:t>1</a:t>
-            </a:r>
-          </a:p>
-        </p:txBody>
-      </p:sp>
-      <p:sp>
-        <p:nvSpPr>
           <p:cNvPr id="5" name="TextBox 4">
             <a:extLst>
               <a:ext uri="{FF2B5EF4-FFF2-40B4-BE49-F238E27FC236}">
@@ -9412,7 +10215,7 @@
         </p:nvSpPr>
         <p:spPr>
           <a:xfrm>
-            <a:off x="1066800" y="1072492"/>
+            <a:off x="838200" y="1111011"/>
             <a:ext cx="10134600" cy="1569660"/>
           </a:xfrm>
           <a:prstGeom prst="rect">
@@ -9427,17 +10230,17 @@
           <a:lstStyle/>
           <a:p>
             <a:r>
-              <a:rPr lang="en-US" altLang="ko-KR" sz="3200">
+              <a:rPr lang="en-US" altLang="ko-KR" sz="3200" dirty="0">
                 <a:solidFill>
                   <a:srgbClr val="4C50BC"/>
                 </a:solidFill>
                 <a:latin typeface="G마켓 산스 Medium" panose="02000000000000000000" pitchFamily="50" charset="-127"/>
                 <a:ea typeface="G마켓 산스 Medium" panose="02000000000000000000" pitchFamily="50" charset="-127"/>
               </a:rPr>
-              <a:t>1-1 Person </a:t>
-            </a:r>
-            <a:r>
-              <a:rPr lang="ko-KR" altLang="en-US" sz="3200">
+              <a:t>Person </a:t>
+            </a:r>
+            <a:r>
+              <a:rPr lang="ko-KR" altLang="en-US" sz="3200" dirty="0">
                 <a:solidFill>
                   <a:srgbClr val="4C50BC"/>
                 </a:solidFill>
@@ -9446,20 +10249,17 @@
               </a:rPr>
               <a:t>클래스를 만들어 사용해보자</a:t>
             </a:r>
-            <a:r>
-              <a:rPr lang="en-US" altLang="ko-KR" sz="3200">
-                <a:solidFill>
-                  <a:srgbClr val="FF0000"/>
-                </a:solidFill>
-                <a:latin typeface="G마켓 산스 Medium" panose="02000000000000000000" pitchFamily="50" charset="-127"/>
-                <a:ea typeface="G마켓 산스 Medium" panose="02000000000000000000" pitchFamily="50" charset="-127"/>
-              </a:rPr>
-              <a:t>(normal)</a:t>
-            </a:r>
-          </a:p>
-          <a:p>
-            <a:r>
-              <a:rPr lang="en-US" altLang="ko-KR" sz="3200">
+            <a:endParaRPr lang="en-US" altLang="ko-KR" sz="3200" dirty="0">
+              <a:solidFill>
+                <a:srgbClr val="FF0000"/>
+              </a:solidFill>
+              <a:latin typeface="G마켓 산스 Medium" panose="02000000000000000000" pitchFamily="50" charset="-127"/>
+              <a:ea typeface="G마켓 산스 Medium" panose="02000000000000000000" pitchFamily="50" charset="-127"/>
+            </a:endParaRPr>
+          </a:p>
+          <a:p>
+            <a:r>
+              <a:rPr lang="en-US" altLang="ko-KR" sz="3200" dirty="0">
                 <a:solidFill>
                   <a:schemeClr val="bg1">
                     <a:lumMod val="50000"/>
@@ -9471,7 +10271,7 @@
               <a:t>   - </a:t>
             </a:r>
             <a:r>
-              <a:rPr lang="ko-KR" altLang="en-US" sz="3200">
+              <a:rPr lang="ko-KR" altLang="en-US" sz="3200" dirty="0">
                 <a:solidFill>
                   <a:schemeClr val="bg1">
                     <a:lumMod val="50000"/>
@@ -9483,7 +10283,7 @@
               <a:t>멤버변수 </a:t>
             </a:r>
             <a:r>
-              <a:rPr lang="en-US" altLang="ko-KR" sz="3200">
+              <a:rPr lang="en-US" altLang="ko-KR" sz="3200" dirty="0">
                 <a:solidFill>
                   <a:schemeClr val="bg1">
                     <a:lumMod val="50000"/>
@@ -9495,7 +10295,7 @@
               <a:t>: String name ( </a:t>
             </a:r>
             <a:r>
-              <a:rPr lang="ko-KR" altLang="en-US" sz="3200">
+              <a:rPr lang="ko-KR" altLang="en-US" sz="3200" dirty="0">
                 <a:solidFill>
                   <a:schemeClr val="bg1">
                     <a:lumMod val="50000"/>
@@ -9507,7 +10307,7 @@
               <a:t>이름</a:t>
             </a:r>
             <a:r>
-              <a:rPr lang="en-US" altLang="ko-KR" sz="3200">
+              <a:rPr lang="en-US" altLang="ko-KR" sz="3200" dirty="0">
                 <a:solidFill>
                   <a:schemeClr val="bg1">
                     <a:lumMod val="50000"/>
@@ -9521,7 +10321,7 @@
           </a:p>
           <a:p>
             <a:r>
-              <a:rPr lang="en-US" altLang="ko-KR" sz="3200">
+              <a:rPr lang="en-US" altLang="ko-KR" sz="3200" dirty="0">
                 <a:solidFill>
                   <a:schemeClr val="bg1">
                     <a:lumMod val="50000"/>
@@ -9533,7 +10333,7 @@
               <a:t>                      String  RRN  (</a:t>
             </a:r>
             <a:r>
-              <a:rPr lang="ko-KR" altLang="en-US" sz="3200">
+              <a:rPr lang="ko-KR" altLang="en-US" sz="3200" dirty="0">
                 <a:solidFill>
                   <a:schemeClr val="bg1">
                     <a:lumMod val="50000"/>
@@ -9545,7 +10345,7 @@
               <a:t>주민번호</a:t>
             </a:r>
             <a:r>
-              <a:rPr lang="en-US" altLang="ko-KR" sz="3200">
+              <a:rPr lang="en-US" altLang="ko-KR" sz="3200" dirty="0">
                 <a:solidFill>
                   <a:schemeClr val="bg1">
                     <a:lumMod val="50000"/>
@@ -9607,6 +10407,120 @@
           </a:prstGeom>
         </p:spPr>
       </p:pic>
+      <p:sp>
+        <p:nvSpPr>
+          <p:cNvPr id="3" name="TextBox 2">
+            <a:extLst>
+              <a:ext uri="{FF2B5EF4-FFF2-40B4-BE49-F238E27FC236}">
+                <a16:creationId xmlns:a16="http://schemas.microsoft.com/office/drawing/2014/main" id="{2172AD44-D844-B563-FF56-552427646AA9}"/>
+              </a:ext>
+            </a:extLst>
+          </p:cNvPr>
+          <p:cNvSpPr txBox="1"/>
+          <p:nvPr/>
+        </p:nvSpPr>
+        <p:spPr>
+          <a:xfrm>
+            <a:off x="304800" y="114300"/>
+            <a:ext cx="10972800" cy="923330"/>
+          </a:xfrm>
+          <a:prstGeom prst="rect">
+            <a:avLst/>
+          </a:prstGeom>
+          <a:noFill/>
+        </p:spPr>
+        <p:txBody>
+          <a:bodyPr wrap="square" rtlCol="0">
+            <a:spAutoFit/>
+          </a:bodyPr>
+          <a:lstStyle/>
+          <a:p>
+            <a:r>
+              <a:rPr lang="en-US" altLang="ko-KR" sz="5400" spc="-300" dirty="0">
+                <a:solidFill>
+                  <a:srgbClr val="4C50BC"/>
+                </a:solidFill>
+                <a:latin typeface="G마켓 산스 Bold" panose="02000000000000000000" pitchFamily="50" charset="-127"/>
+                <a:ea typeface="G마켓 산스 Bold" panose="02000000000000000000" pitchFamily="50" charset="-127"/>
+              </a:rPr>
+              <a:t>1-1 </a:t>
+            </a:r>
+            <a:r>
+              <a:rPr lang="ko-KR" altLang="en-US" sz="5400" spc="-300" dirty="0">
+                <a:solidFill>
+                  <a:srgbClr val="4C50BC"/>
+                </a:solidFill>
+                <a:latin typeface="G마켓 산스 Bold" panose="02000000000000000000" pitchFamily="50" charset="-127"/>
+                <a:ea typeface="G마켓 산스 Bold" panose="02000000000000000000" pitchFamily="50" charset="-127"/>
+              </a:rPr>
+              <a:t>실습문제</a:t>
+            </a:r>
+            <a:r>
+              <a:rPr lang="en-US" altLang="ko-KR" sz="5400" spc="-300" dirty="0">
+                <a:solidFill>
+                  <a:srgbClr val="4C50BC"/>
+                </a:solidFill>
+                <a:latin typeface="G마켓 산스 Bold" panose="02000000000000000000" pitchFamily="50" charset="-127"/>
+                <a:ea typeface="G마켓 산스 Bold" panose="02000000000000000000" pitchFamily="50" charset="-127"/>
+              </a:rPr>
+              <a:t> </a:t>
+            </a:r>
+            <a:r>
+              <a:rPr lang="en-US" altLang="ko-KR" sz="5400" spc="-300" dirty="0">
+                <a:solidFill>
+                  <a:srgbClr val="FF0000"/>
+                </a:solidFill>
+                <a:latin typeface="G마켓 산스 Bold" panose="02000000000000000000" pitchFamily="50" charset="-127"/>
+                <a:ea typeface="G마켓 산스 Bold" panose="02000000000000000000" pitchFamily="50" charset="-127"/>
+              </a:rPr>
+              <a:t>(normal)</a:t>
+            </a:r>
+          </a:p>
+        </p:txBody>
+      </p:sp>
+      <p:cxnSp>
+        <p:nvCxnSpPr>
+          <p:cNvPr id="6" name="직선 연결선 5">
+            <a:extLst>
+              <a:ext uri="{FF2B5EF4-FFF2-40B4-BE49-F238E27FC236}">
+                <a16:creationId xmlns:a16="http://schemas.microsoft.com/office/drawing/2014/main" id="{6F83B7E5-7F39-FA7D-6474-4F0BE34BAB57}"/>
+              </a:ext>
+            </a:extLst>
+          </p:cNvPr>
+          <p:cNvCxnSpPr>
+            <a:cxnSpLocks/>
+          </p:cNvCxnSpPr>
+          <p:nvPr/>
+        </p:nvCxnSpPr>
+        <p:spPr>
+          <a:xfrm flipH="1" flipV="1">
+            <a:off x="-13447" y="972511"/>
+            <a:ext cx="18288000" cy="65119"/>
+          </a:xfrm>
+          <a:prstGeom prst="line">
+            <a:avLst/>
+          </a:prstGeom>
+          <a:ln w="38100">
+            <a:solidFill>
+              <a:srgbClr val="4C50BC"/>
+            </a:solidFill>
+          </a:ln>
+        </p:spPr>
+        <p:style>
+          <a:lnRef idx="1">
+            <a:schemeClr val="accent1"/>
+          </a:lnRef>
+          <a:fillRef idx="0">
+            <a:schemeClr val="accent1"/>
+          </a:fillRef>
+          <a:effectRef idx="0">
+            <a:schemeClr val="accent1"/>
+          </a:effectRef>
+          <a:fontRef idx="minor">
+            <a:schemeClr val="tx1"/>
+          </a:fontRef>
+        </p:style>
+      </p:cxnSp>
     </p:spTree>
     <p:extLst>
       <p:ext uri="{BB962C8B-B14F-4D97-AF65-F5344CB8AC3E}">
@@ -9637,54 +10551,6 @@
           <a:chExt cx="0" cy="0"/>
         </a:xfrm>
       </p:grpSpPr>
-      <p:sp>
-        <p:nvSpPr>
-          <p:cNvPr id="4" name="TextBox 3">
-            <a:extLst>
-              <a:ext uri="{FF2B5EF4-FFF2-40B4-BE49-F238E27FC236}">
-                <a16:creationId xmlns:a16="http://schemas.microsoft.com/office/drawing/2014/main" id="{5ADC00B6-990A-40DC-3CEA-505258F5E8DA}"/>
-              </a:ext>
-            </a:extLst>
-          </p:cNvPr>
-          <p:cNvSpPr txBox="1"/>
-          <p:nvPr/>
-        </p:nvSpPr>
-        <p:spPr>
-          <a:xfrm>
-            <a:off x="762000" y="266700"/>
-            <a:ext cx="3894040" cy="830997"/>
-          </a:xfrm>
-          <a:prstGeom prst="rect">
-            <a:avLst/>
-          </a:prstGeom>
-          <a:noFill/>
-        </p:spPr>
-        <p:txBody>
-          <a:bodyPr wrap="square" rtlCol="0">
-            <a:spAutoFit/>
-          </a:bodyPr>
-          <a:lstStyle/>
-          <a:p>
-            <a:r>
-              <a:rPr lang="ko-KR" altLang="en-US" sz="4800">
-                <a:solidFill>
-                  <a:srgbClr val="4C50BC"/>
-                </a:solidFill>
-                <a:latin typeface="G마켓 산스 Medium" panose="02000000000000000000" pitchFamily="50" charset="-127"/>
-                <a:ea typeface="G마켓 산스 Medium" panose="02000000000000000000" pitchFamily="50" charset="-127"/>
-              </a:rPr>
-              <a:t>정답</a:t>
-            </a:r>
-            <a:endParaRPr lang="en-US" altLang="ko-KR" sz="4800" dirty="0">
-              <a:solidFill>
-                <a:srgbClr val="4C50BC"/>
-              </a:solidFill>
-              <a:latin typeface="G마켓 산스 Medium" panose="02000000000000000000" pitchFamily="50" charset="-127"/>
-              <a:ea typeface="G마켓 산스 Medium" panose="02000000000000000000" pitchFamily="50" charset="-127"/>
-            </a:endParaRPr>
-          </a:p>
-        </p:txBody>
-      </p:sp>
       <p:pic>
         <p:nvPicPr>
           <p:cNvPr id="5" name="그림 4"/>
@@ -9842,6 +10708,120 @@
           </a:fillRef>
           <a:effectRef idx="0">
             <a:schemeClr val="accent2"/>
+          </a:effectRef>
+          <a:fontRef idx="minor">
+            <a:schemeClr val="tx1"/>
+          </a:fontRef>
+        </p:style>
+      </p:cxnSp>
+      <p:sp>
+        <p:nvSpPr>
+          <p:cNvPr id="2" name="TextBox 1">
+            <a:extLst>
+              <a:ext uri="{FF2B5EF4-FFF2-40B4-BE49-F238E27FC236}">
+                <a16:creationId xmlns:a16="http://schemas.microsoft.com/office/drawing/2014/main" id="{770F0548-634E-4093-D570-F1C2F6CE2F23}"/>
+              </a:ext>
+            </a:extLst>
+          </p:cNvPr>
+          <p:cNvSpPr txBox="1"/>
+          <p:nvPr/>
+        </p:nvSpPr>
+        <p:spPr>
+          <a:xfrm>
+            <a:off x="304800" y="114300"/>
+            <a:ext cx="10972800" cy="923330"/>
+          </a:xfrm>
+          <a:prstGeom prst="rect">
+            <a:avLst/>
+          </a:prstGeom>
+          <a:noFill/>
+        </p:spPr>
+        <p:txBody>
+          <a:bodyPr wrap="square" rtlCol="0">
+            <a:spAutoFit/>
+          </a:bodyPr>
+          <a:lstStyle/>
+          <a:p>
+            <a:r>
+              <a:rPr lang="en-US" altLang="ko-KR" sz="5400" spc="-300" dirty="0">
+                <a:solidFill>
+                  <a:srgbClr val="4C50BC"/>
+                </a:solidFill>
+                <a:latin typeface="G마켓 산스 Bold" panose="02000000000000000000" pitchFamily="50" charset="-127"/>
+                <a:ea typeface="G마켓 산스 Bold" panose="02000000000000000000" pitchFamily="50" charset="-127"/>
+              </a:rPr>
+              <a:t>1-1 </a:t>
+            </a:r>
+            <a:r>
+              <a:rPr lang="ko-KR" altLang="en-US" sz="5400" spc="-300" dirty="0">
+                <a:solidFill>
+                  <a:srgbClr val="4C50BC"/>
+                </a:solidFill>
+                <a:latin typeface="G마켓 산스 Bold" panose="02000000000000000000" pitchFamily="50" charset="-127"/>
+                <a:ea typeface="G마켓 산스 Bold" panose="02000000000000000000" pitchFamily="50" charset="-127"/>
+              </a:rPr>
+              <a:t>문제풀이</a:t>
+            </a:r>
+            <a:r>
+              <a:rPr lang="en-US" altLang="ko-KR" sz="5400" spc="-300" dirty="0">
+                <a:solidFill>
+                  <a:srgbClr val="4C50BC"/>
+                </a:solidFill>
+                <a:latin typeface="G마켓 산스 Bold" panose="02000000000000000000" pitchFamily="50" charset="-127"/>
+                <a:ea typeface="G마켓 산스 Bold" panose="02000000000000000000" pitchFamily="50" charset="-127"/>
+              </a:rPr>
+              <a:t> </a:t>
+            </a:r>
+            <a:r>
+              <a:rPr lang="en-US" altLang="ko-KR" sz="5400" spc="-300" dirty="0">
+                <a:solidFill>
+                  <a:srgbClr val="FF0000"/>
+                </a:solidFill>
+                <a:latin typeface="G마켓 산스 Bold" panose="02000000000000000000" pitchFamily="50" charset="-127"/>
+                <a:ea typeface="G마켓 산스 Bold" panose="02000000000000000000" pitchFamily="50" charset="-127"/>
+              </a:rPr>
+              <a:t>(normal)</a:t>
+            </a:r>
+          </a:p>
+        </p:txBody>
+      </p:sp>
+      <p:cxnSp>
+        <p:nvCxnSpPr>
+          <p:cNvPr id="3" name="직선 연결선 2">
+            <a:extLst>
+              <a:ext uri="{FF2B5EF4-FFF2-40B4-BE49-F238E27FC236}">
+                <a16:creationId xmlns:a16="http://schemas.microsoft.com/office/drawing/2014/main" id="{2580270F-8DC7-18E6-61E6-A9755211FB23}"/>
+              </a:ext>
+            </a:extLst>
+          </p:cNvPr>
+          <p:cNvCxnSpPr>
+            <a:cxnSpLocks/>
+          </p:cNvCxnSpPr>
+          <p:nvPr/>
+        </p:nvCxnSpPr>
+        <p:spPr>
+          <a:xfrm flipH="1" flipV="1">
+            <a:off x="-13447" y="972511"/>
+            <a:ext cx="18288000" cy="65119"/>
+          </a:xfrm>
+          <a:prstGeom prst="line">
+            <a:avLst/>
+          </a:prstGeom>
+          <a:ln w="38100">
+            <a:solidFill>
+              <a:srgbClr val="4C50BC"/>
+            </a:solidFill>
+          </a:ln>
+        </p:spPr>
+        <p:style>
+          <a:lnRef idx="1">
+            <a:schemeClr val="accent1"/>
+          </a:lnRef>
+          <a:fillRef idx="0">
+            <a:schemeClr val="accent1"/>
+          </a:fillRef>
+          <a:effectRef idx="0">
+            <a:schemeClr val="accent1"/>
           </a:effectRef>
           <a:fontRef idx="minor">
             <a:schemeClr val="tx1"/>
@@ -9892,8 +10872,8 @@
         </p:nvSpPr>
         <p:spPr>
           <a:xfrm>
-            <a:off x="381000" y="114300"/>
-            <a:ext cx="17526000" cy="2554545"/>
+            <a:off x="381000" y="1104900"/>
+            <a:ext cx="17526000" cy="1815882"/>
           </a:xfrm>
           <a:prstGeom prst="rect">
             <a:avLst/>
@@ -9907,59 +10887,46 @@
           <a:lstStyle/>
           <a:p>
             <a:r>
-              <a:rPr lang="en-US" altLang="ko-KR" sz="3200">
+              <a:rPr lang="ko-KR" altLang="en-US" sz="2800" dirty="0">
                 <a:solidFill>
                   <a:srgbClr val="4C50BC"/>
                 </a:solidFill>
                 <a:latin typeface="G마켓 산스 Medium" panose="02000000000000000000" pitchFamily="50" charset="-127"/>
                 <a:ea typeface="G마켓 산스 Medium" panose="02000000000000000000" pitchFamily="50" charset="-127"/>
               </a:rPr>
-              <a:t>1-2 </a:t>
-            </a:r>
-            <a:r>
-              <a:rPr lang="ko-KR" altLang="en-US" sz="3200">
+              <a:t>앞서 만든 </a:t>
+            </a:r>
+            <a:r>
+              <a:rPr lang="en-US" altLang="ko-KR" sz="2800" dirty="0">
                 <a:solidFill>
                   <a:srgbClr val="4C50BC"/>
                 </a:solidFill>
                 <a:latin typeface="G마켓 산스 Medium" panose="02000000000000000000" pitchFamily="50" charset="-127"/>
                 <a:ea typeface="G마켓 산스 Medium" panose="02000000000000000000" pitchFamily="50" charset="-127"/>
               </a:rPr>
-              <a:t>앞서 만든 </a:t>
-            </a:r>
-            <a:r>
-              <a:rPr lang="en-US" altLang="ko-KR" sz="3200">
+              <a:t>Person </a:t>
+            </a:r>
+            <a:r>
+              <a:rPr lang="ko-KR" altLang="en-US" sz="2800" dirty="0">
                 <a:solidFill>
                   <a:srgbClr val="4C50BC"/>
                 </a:solidFill>
                 <a:latin typeface="G마켓 산스 Medium" panose="02000000000000000000" pitchFamily="50" charset="-127"/>
                 <a:ea typeface="G마켓 산스 Medium" panose="02000000000000000000" pitchFamily="50" charset="-127"/>
               </a:rPr>
-              <a:t>Person </a:t>
-            </a:r>
-            <a:r>
-              <a:rPr lang="ko-KR" altLang="en-US" sz="3200">
-                <a:solidFill>
-                  <a:srgbClr val="4C50BC"/>
-                </a:solidFill>
-                <a:latin typeface="G마켓 산스 Medium" panose="02000000000000000000" pitchFamily="50" charset="-127"/>
-                <a:ea typeface="G마켓 산스 Medium" panose="02000000000000000000" pitchFamily="50" charset="-127"/>
-              </a:rPr>
               <a:t>클래스에 기능을 추가해보자</a:t>
             </a:r>
-            <a:r>
-              <a:rPr lang="en-US" altLang="ko-KR" sz="3200">
-                <a:solidFill>
-                  <a:srgbClr val="FF0000"/>
-                </a:solidFill>
-                <a:latin typeface="G마켓 산스 Medium" panose="02000000000000000000" pitchFamily="50" charset="-127"/>
-                <a:ea typeface="G마켓 산스 Medium" panose="02000000000000000000" pitchFamily="50" charset="-127"/>
-              </a:rPr>
-              <a:t>(hard)</a:t>
-            </a:r>
-          </a:p>
-          <a:p>
-            <a:r>
-              <a:rPr lang="en-US" altLang="ko-KR" sz="3200">
+            <a:endParaRPr lang="en-US" altLang="ko-KR" sz="2800" dirty="0">
+              <a:solidFill>
+                <a:srgbClr val="FF0000"/>
+              </a:solidFill>
+              <a:latin typeface="G마켓 산스 Medium" panose="02000000000000000000" pitchFamily="50" charset="-127"/>
+              <a:ea typeface="G마켓 산스 Medium" panose="02000000000000000000" pitchFamily="50" charset="-127"/>
+            </a:endParaRPr>
+          </a:p>
+          <a:p>
+            <a:r>
+              <a:rPr lang="en-US" altLang="ko-KR" sz="2800" dirty="0">
                 <a:solidFill>
                   <a:schemeClr val="bg1">
                     <a:lumMod val="50000"/>
@@ -9971,7 +10938,7 @@
               <a:t>-  </a:t>
             </a:r>
             <a:r>
-              <a:rPr lang="ko-KR" altLang="en-US" sz="3200">
+              <a:rPr lang="ko-KR" altLang="en-US" sz="2800" dirty="0">
                 <a:solidFill>
                   <a:schemeClr val="bg1">
                     <a:lumMod val="50000"/>
@@ -9983,7 +10950,7 @@
               <a:t>멤버 메서드 </a:t>
             </a:r>
             <a:r>
-              <a:rPr lang="en-US" altLang="ko-KR" sz="3200">
+              <a:rPr lang="en-US" altLang="ko-KR" sz="2800" dirty="0">
                 <a:solidFill>
                   <a:schemeClr val="bg1">
                     <a:lumMod val="50000"/>
@@ -9992,10 +10959,10 @@
                 <a:latin typeface="G마켓 산스 Medium" panose="02000000000000000000" pitchFamily="50" charset="-127"/>
                 <a:ea typeface="G마켓 산스 Medium" panose="02000000000000000000" pitchFamily="50" charset="-127"/>
               </a:rPr>
-              <a:t>: void showState()          </a:t>
-            </a:r>
-            <a:r>
-              <a:rPr lang="ko-KR" altLang="en-US" sz="3200">
+              <a:t>: void </a:t>
+            </a:r>
+            <a:r>
+              <a:rPr lang="en-US" altLang="ko-KR" sz="2800" dirty="0" err="1">
                 <a:solidFill>
                   <a:schemeClr val="bg1">
                     <a:lumMod val="50000"/>
@@ -10004,9 +10971,33 @@
                 <a:latin typeface="G마켓 산스 Medium" panose="02000000000000000000" pitchFamily="50" charset="-127"/>
                 <a:ea typeface="G마켓 산스 Medium" panose="02000000000000000000" pitchFamily="50" charset="-127"/>
               </a:rPr>
+              <a:t>showState</a:t>
+            </a:r>
+            <a:r>
+              <a:rPr lang="en-US" altLang="ko-KR" sz="2800" dirty="0">
+                <a:solidFill>
+                  <a:schemeClr val="bg1">
+                    <a:lumMod val="50000"/>
+                  </a:schemeClr>
+                </a:solidFill>
+                <a:latin typeface="G마켓 산스 Medium" panose="02000000000000000000" pitchFamily="50" charset="-127"/>
+                <a:ea typeface="G마켓 산스 Medium" panose="02000000000000000000" pitchFamily="50" charset="-127"/>
+              </a:rPr>
+              <a:t>()          </a:t>
+            </a:r>
+            <a:r>
+              <a:rPr lang="ko-KR" altLang="en-US" sz="2800" dirty="0">
+                <a:solidFill>
+                  <a:schemeClr val="bg1">
+                    <a:lumMod val="50000"/>
+                  </a:schemeClr>
+                </a:solidFill>
+                <a:latin typeface="G마켓 산스 Medium" panose="02000000000000000000" pitchFamily="50" charset="-127"/>
+                <a:ea typeface="G마켓 산스 Medium" panose="02000000000000000000" pitchFamily="50" charset="-127"/>
+              </a:rPr>
               <a:t>이름과 주민번호를 출력한다</a:t>
             </a:r>
-            <a:endParaRPr lang="en-US" altLang="ko-KR" sz="3200">
+            <a:endParaRPr lang="en-US" altLang="ko-KR" sz="2800" dirty="0">
               <a:solidFill>
                 <a:schemeClr val="bg1">
                   <a:lumMod val="50000"/>
@@ -10018,7 +11009,7 @@
           </a:p>
           <a:p>
             <a:r>
-              <a:rPr lang="en-US" altLang="ko-KR" sz="3200">
+              <a:rPr lang="en-US" altLang="ko-KR" sz="2800" dirty="0">
                 <a:solidFill>
                   <a:schemeClr val="bg1">
                     <a:lumMod val="50000"/>
@@ -10027,10 +11018,10 @@
                 <a:latin typeface="G마켓 산스 Medium" panose="02000000000000000000" pitchFamily="50" charset="-127"/>
                 <a:ea typeface="G마켓 산스 Medium" panose="02000000000000000000" pitchFamily="50" charset="-127"/>
               </a:rPr>
-              <a:t>                         String getGender()     </a:t>
-            </a:r>
-            <a:r>
-              <a:rPr lang="ko-KR" altLang="en-US" sz="3200">
+              <a:t>                      String </a:t>
+            </a:r>
+            <a:r>
+              <a:rPr lang="en-US" altLang="ko-KR" sz="2800" dirty="0" err="1">
                 <a:solidFill>
                   <a:schemeClr val="bg1">
                     <a:lumMod val="50000"/>
@@ -10039,10 +11030,34 @@
                 <a:latin typeface="G마켓 산스 Medium" panose="02000000000000000000" pitchFamily="50" charset="-127"/>
                 <a:ea typeface="G마켓 산스 Medium" panose="02000000000000000000" pitchFamily="50" charset="-127"/>
               </a:rPr>
+              <a:t>getGender</a:t>
+            </a:r>
+            <a:r>
+              <a:rPr lang="en-US" altLang="ko-KR" sz="2800" dirty="0">
+                <a:solidFill>
+                  <a:schemeClr val="bg1">
+                    <a:lumMod val="50000"/>
+                  </a:schemeClr>
+                </a:solidFill>
+                <a:latin typeface="G마켓 산스 Medium" panose="02000000000000000000" pitchFamily="50" charset="-127"/>
+                <a:ea typeface="G마켓 산스 Medium" panose="02000000000000000000" pitchFamily="50" charset="-127"/>
+              </a:rPr>
+              <a:t>()     </a:t>
+            </a:r>
+            <a:r>
+              <a:rPr lang="ko-KR" altLang="en-US" sz="2800" dirty="0">
+                <a:solidFill>
+                  <a:schemeClr val="bg1">
+                    <a:lumMod val="50000"/>
+                  </a:schemeClr>
+                </a:solidFill>
+                <a:latin typeface="G마켓 산스 Medium" panose="02000000000000000000" pitchFamily="50" charset="-127"/>
+                <a:ea typeface="G마켓 산스 Medium" panose="02000000000000000000" pitchFamily="50" charset="-127"/>
+              </a:rPr>
               <a:t>주민번호를 이용해 성별을 반환한다</a:t>
             </a:r>
             <a:r>
-              <a:rPr lang="en-US" altLang="ko-KR" sz="3200">
+              <a:rPr lang="en-US" altLang="ko-KR" sz="2800" dirty="0">
                 <a:solidFill>
                   <a:schemeClr val="bg1">
                     <a:lumMod val="50000"/>
@@ -10060,7 +11075,7 @@
               <a:buChar char="-"/>
             </a:pPr>
             <a:r>
-              <a:rPr lang="ko-KR" altLang="en-US" sz="3200">
+              <a:rPr lang="en-US" altLang="ko-KR" sz="2800" dirty="0" err="1">
                 <a:solidFill>
                   <a:schemeClr val="bg1">
                     <a:lumMod val="50000"/>
@@ -10069,10 +11084,10 @@
                 <a:latin typeface="G마켓 산스 Medium" panose="02000000000000000000" pitchFamily="50" charset="-127"/>
                 <a:ea typeface="G마켓 산스 Medium" panose="02000000000000000000" pitchFamily="50" charset="-127"/>
               </a:rPr>
-              <a:t>앞서만든 </a:t>
-            </a:r>
-            <a:r>
-              <a:rPr lang="en-US" altLang="ko-KR" sz="3200">
+              <a:t>showState</a:t>
+            </a:r>
+            <a:r>
+              <a:rPr lang="en-US" altLang="ko-KR" sz="2800" dirty="0">
                 <a:solidFill>
                   <a:schemeClr val="bg1">
                     <a:lumMod val="50000"/>
@@ -10081,10 +11096,10 @@
                 <a:latin typeface="G마켓 산스 Medium" panose="02000000000000000000" pitchFamily="50" charset="-127"/>
                 <a:ea typeface="G마켓 산스 Medium" panose="02000000000000000000" pitchFamily="50" charset="-127"/>
               </a:rPr>
-              <a:t>showState </a:t>
-            </a:r>
-            <a:r>
-              <a:rPr lang="ko-KR" altLang="en-US" sz="3200">
+              <a:t> </a:t>
+            </a:r>
+            <a:r>
+              <a:rPr lang="ko-KR" altLang="en-US" sz="2800" dirty="0">
                 <a:solidFill>
                   <a:schemeClr val="bg1">
                     <a:lumMod val="50000"/>
@@ -10096,7 +11111,7 @@
               <a:t>메서드 내부에서 </a:t>
             </a:r>
             <a:r>
-              <a:rPr lang="en-US" altLang="ko-KR" sz="3200">
+              <a:rPr lang="en-US" altLang="ko-KR" sz="2800" dirty="0" err="1">
                 <a:solidFill>
                   <a:schemeClr val="bg1">
                     <a:lumMod val="50000"/>
@@ -10105,10 +11120,10 @@
                 <a:latin typeface="G마켓 산스 Medium" panose="02000000000000000000" pitchFamily="50" charset="-127"/>
                 <a:ea typeface="G마켓 산스 Medium" panose="02000000000000000000" pitchFamily="50" charset="-127"/>
               </a:rPr>
-              <a:t>getGender() </a:t>
-            </a:r>
-            <a:r>
-              <a:rPr lang="ko-KR" altLang="en-US" sz="3200">
+              <a:t>getGender</a:t>
+            </a:r>
+            <a:r>
+              <a:rPr lang="en-US" altLang="ko-KR" sz="2800" dirty="0">
                 <a:solidFill>
                   <a:schemeClr val="bg1">
                     <a:lumMod val="50000"/>
@@ -10117,21 +11132,10 @@
                 <a:latin typeface="G마켓 산스 Medium" panose="02000000000000000000" pitchFamily="50" charset="-127"/>
                 <a:ea typeface="G마켓 산스 Medium" panose="02000000000000000000" pitchFamily="50" charset="-127"/>
               </a:rPr>
-              <a:t>메서드를 이용해 성별도 같이 </a:t>
-            </a:r>
-            <a:endParaRPr lang="en-US" altLang="ko-KR" sz="3200">
-              <a:solidFill>
-                <a:schemeClr val="bg1">
-                  <a:lumMod val="50000"/>
-                </a:schemeClr>
-              </a:solidFill>
-              <a:latin typeface="G마켓 산스 Medium" panose="02000000000000000000" pitchFamily="50" charset="-127"/>
-              <a:ea typeface="G마켓 산스 Medium" panose="02000000000000000000" pitchFamily="50" charset="-127"/>
-            </a:endParaRPr>
-          </a:p>
-          <a:p>
-            <a:r>
-              <a:rPr lang="en-US" altLang="ko-KR" sz="3200">
+              <a:t>() </a:t>
+            </a:r>
+            <a:r>
+              <a:rPr lang="ko-KR" altLang="en-US" sz="2800" dirty="0">
                 <a:solidFill>
                   <a:schemeClr val="bg1">
                     <a:lumMod val="50000"/>
@@ -10140,10 +11144,10 @@
                 <a:latin typeface="G마켓 산스 Medium" panose="02000000000000000000" pitchFamily="50" charset="-127"/>
                 <a:ea typeface="G마켓 산스 Medium" panose="02000000000000000000" pitchFamily="50" charset="-127"/>
               </a:rPr>
-              <a:t>    </a:t>
-            </a:r>
-            <a:r>
-              <a:rPr lang="ko-KR" altLang="en-US" sz="3200">
+              <a:t>메서드를 이용해 성별도 같이 </a:t>
+            </a:r>
+            <a:r>
+              <a:rPr lang="en-US" altLang="ko-KR" sz="2800" dirty="0">
                 <a:solidFill>
                   <a:schemeClr val="bg1">
                     <a:lumMod val="50000"/>
@@ -10152,9 +11156,21 @@
                 <a:latin typeface="G마켓 산스 Medium" panose="02000000000000000000" pitchFamily="50" charset="-127"/>
                 <a:ea typeface="G마켓 산스 Medium" panose="02000000000000000000" pitchFamily="50" charset="-127"/>
               </a:rPr>
+              <a:t> </a:t>
+            </a:r>
+            <a:r>
+              <a:rPr lang="ko-KR" altLang="en-US" sz="2800" dirty="0">
+                <a:solidFill>
+                  <a:schemeClr val="bg1">
+                    <a:lumMod val="50000"/>
+                  </a:schemeClr>
+                </a:solidFill>
+                <a:latin typeface="G마켓 산스 Medium" panose="02000000000000000000" pitchFamily="50" charset="-127"/>
+                <a:ea typeface="G마켓 산스 Medium" panose="02000000000000000000" pitchFamily="50" charset="-127"/>
+              </a:rPr>
               <a:t>나오도록 하자</a:t>
             </a:r>
-            <a:endParaRPr lang="en-US" altLang="ko-KR" sz="3200">
+            <a:endParaRPr lang="en-US" altLang="ko-KR" sz="2800" dirty="0">
               <a:solidFill>
                 <a:srgbClr val="4C50BC"/>
               </a:solidFill>
@@ -10187,7 +11203,7 @@
         </p:blipFill>
         <p:spPr bwMode="auto">
           <a:xfrm>
-            <a:off x="533400" y="2781300"/>
+            <a:off x="0" y="3750301"/>
             <a:ext cx="6313116" cy="4267200"/>
           </a:xfrm>
           <a:prstGeom prst="rect">
@@ -10221,8 +11237,151 @@
         </p:blipFill>
         <p:spPr>
           <a:xfrm>
-            <a:off x="7924800" y="2247900"/>
+            <a:off x="6313116" y="3031107"/>
             <a:ext cx="6273779" cy="5705588"/>
+          </a:xfrm>
+          <a:prstGeom prst="rect">
+            <a:avLst/>
+          </a:prstGeom>
+        </p:spPr>
+      </p:pic>
+      <p:sp>
+        <p:nvSpPr>
+          <p:cNvPr id="2" name="TextBox 1">
+            <a:extLst>
+              <a:ext uri="{FF2B5EF4-FFF2-40B4-BE49-F238E27FC236}">
+                <a16:creationId xmlns:a16="http://schemas.microsoft.com/office/drawing/2014/main" id="{44AFB792-5C7A-3697-3B54-B061C83EA420}"/>
+              </a:ext>
+            </a:extLst>
+          </p:cNvPr>
+          <p:cNvSpPr txBox="1"/>
+          <p:nvPr/>
+        </p:nvSpPr>
+        <p:spPr>
+          <a:xfrm>
+            <a:off x="304800" y="114300"/>
+            <a:ext cx="10972800" cy="923330"/>
+          </a:xfrm>
+          <a:prstGeom prst="rect">
+            <a:avLst/>
+          </a:prstGeom>
+          <a:noFill/>
+        </p:spPr>
+        <p:txBody>
+          <a:bodyPr wrap="square" rtlCol="0">
+            <a:spAutoFit/>
+          </a:bodyPr>
+          <a:lstStyle/>
+          <a:p>
+            <a:r>
+              <a:rPr lang="en-US" altLang="ko-KR" sz="5400" spc="-300" dirty="0">
+                <a:solidFill>
+                  <a:srgbClr val="4C50BC"/>
+                </a:solidFill>
+                <a:latin typeface="G마켓 산스 Bold" panose="02000000000000000000" pitchFamily="50" charset="-127"/>
+                <a:ea typeface="G마켓 산스 Bold" panose="02000000000000000000" pitchFamily="50" charset="-127"/>
+              </a:rPr>
+              <a:t>1-2 </a:t>
+            </a:r>
+            <a:r>
+              <a:rPr lang="ko-KR" altLang="en-US" sz="5400" spc="-300" dirty="0">
+                <a:solidFill>
+                  <a:srgbClr val="4C50BC"/>
+                </a:solidFill>
+                <a:latin typeface="G마켓 산스 Bold" panose="02000000000000000000" pitchFamily="50" charset="-127"/>
+                <a:ea typeface="G마켓 산스 Bold" panose="02000000000000000000" pitchFamily="50" charset="-127"/>
+              </a:rPr>
+              <a:t>실습문제</a:t>
+            </a:r>
+            <a:r>
+              <a:rPr lang="en-US" altLang="ko-KR" sz="5400" spc="-300" dirty="0">
+                <a:solidFill>
+                  <a:srgbClr val="4C50BC"/>
+                </a:solidFill>
+                <a:latin typeface="G마켓 산스 Bold" panose="02000000000000000000" pitchFamily="50" charset="-127"/>
+                <a:ea typeface="G마켓 산스 Bold" panose="02000000000000000000" pitchFamily="50" charset="-127"/>
+              </a:rPr>
+              <a:t> </a:t>
+            </a:r>
+            <a:r>
+              <a:rPr lang="en-US" altLang="ko-KR" sz="5400" spc="-300" dirty="0">
+                <a:solidFill>
+                  <a:srgbClr val="FF0000"/>
+                </a:solidFill>
+                <a:latin typeface="G마켓 산스 Bold" panose="02000000000000000000" pitchFamily="50" charset="-127"/>
+                <a:ea typeface="G마켓 산스 Bold" panose="02000000000000000000" pitchFamily="50" charset="-127"/>
+              </a:rPr>
+              <a:t>(hard)</a:t>
+            </a:r>
+          </a:p>
+        </p:txBody>
+      </p:sp>
+      <p:cxnSp>
+        <p:nvCxnSpPr>
+          <p:cNvPr id="5" name="직선 연결선 4">
+            <a:extLst>
+              <a:ext uri="{FF2B5EF4-FFF2-40B4-BE49-F238E27FC236}">
+                <a16:creationId xmlns:a16="http://schemas.microsoft.com/office/drawing/2014/main" id="{D830601E-E96B-B795-2943-78DA2411AADB}"/>
+              </a:ext>
+            </a:extLst>
+          </p:cNvPr>
+          <p:cNvCxnSpPr>
+            <a:cxnSpLocks/>
+          </p:cNvCxnSpPr>
+          <p:nvPr/>
+        </p:nvCxnSpPr>
+        <p:spPr>
+          <a:xfrm flipH="1" flipV="1">
+            <a:off x="-13447" y="972511"/>
+            <a:ext cx="18288000" cy="65119"/>
+          </a:xfrm>
+          <a:prstGeom prst="line">
+            <a:avLst/>
+          </a:prstGeom>
+          <a:ln w="38100">
+            <a:solidFill>
+              <a:srgbClr val="4C50BC"/>
+            </a:solidFill>
+          </a:ln>
+        </p:spPr>
+        <p:style>
+          <a:lnRef idx="1">
+            <a:schemeClr val="accent1"/>
+          </a:lnRef>
+          <a:fillRef idx="0">
+            <a:schemeClr val="accent1"/>
+          </a:fillRef>
+          <a:effectRef idx="0">
+            <a:schemeClr val="accent1"/>
+          </a:effectRef>
+          <a:fontRef idx="minor">
+            <a:schemeClr val="tx1"/>
+          </a:fontRef>
+        </p:style>
+      </p:cxnSp>
+      <p:pic>
+        <p:nvPicPr>
+          <p:cNvPr id="7" name="그림 6">
+            <a:extLst>
+              <a:ext uri="{FF2B5EF4-FFF2-40B4-BE49-F238E27FC236}">
+                <a16:creationId xmlns:a16="http://schemas.microsoft.com/office/drawing/2014/main" id="{0F807189-6861-21C4-16C7-E8093153F7BA}"/>
+              </a:ext>
+            </a:extLst>
+          </p:cNvPr>
+          <p:cNvPicPr>
+            <a:picLocks noChangeAspect="1"/>
+          </p:cNvPicPr>
+          <p:nvPr/>
+        </p:nvPicPr>
+        <p:blipFill rotWithShape="1">
+          <a:blip r:embed="rId4"/>
+          <a:srcRect r="15320"/>
+          <a:stretch/>
+        </p:blipFill>
+        <p:spPr>
+          <a:xfrm>
+            <a:off x="9753600" y="7834968"/>
+            <a:ext cx="7086600" cy="2041807"/>
           </a:xfrm>
           <a:prstGeom prst="rect">
             <a:avLst/>
@@ -10275,7 +11434,7 @@
         </p:blipFill>
         <p:spPr>
           <a:xfrm>
-            <a:off x="904874" y="1074836"/>
+            <a:off x="904874" y="1608236"/>
             <a:ext cx="6105525" cy="5083883"/>
           </a:xfrm>
           <a:prstGeom prst="rect">
@@ -10283,54 +11442,6 @@
           </a:prstGeom>
         </p:spPr>
       </p:pic>
-      <p:sp>
-        <p:nvSpPr>
-          <p:cNvPr id="4" name="TextBox 3">
-            <a:extLst>
-              <a:ext uri="{FF2B5EF4-FFF2-40B4-BE49-F238E27FC236}">
-                <a16:creationId xmlns:a16="http://schemas.microsoft.com/office/drawing/2014/main" id="{5ADC00B6-990A-40DC-3CEA-505258F5E8DA}"/>
-              </a:ext>
-            </a:extLst>
-          </p:cNvPr>
-          <p:cNvSpPr txBox="1"/>
-          <p:nvPr/>
-        </p:nvSpPr>
-        <p:spPr>
-          <a:xfrm>
-            <a:off x="762000" y="266700"/>
-            <a:ext cx="3894040" cy="830997"/>
-          </a:xfrm>
-          <a:prstGeom prst="rect">
-            <a:avLst/>
-          </a:prstGeom>
-          <a:noFill/>
-        </p:spPr>
-        <p:txBody>
-          <a:bodyPr wrap="square" rtlCol="0">
-            <a:spAutoFit/>
-          </a:bodyPr>
-          <a:lstStyle/>
-          <a:p>
-            <a:r>
-              <a:rPr lang="ko-KR" altLang="en-US" sz="4800">
-                <a:solidFill>
-                  <a:srgbClr val="4C50BC"/>
-                </a:solidFill>
-                <a:latin typeface="G마켓 산스 Medium" panose="02000000000000000000" pitchFamily="50" charset="-127"/>
-                <a:ea typeface="G마켓 산스 Medium" panose="02000000000000000000" pitchFamily="50" charset="-127"/>
-              </a:rPr>
-              <a:t>정답</a:t>
-            </a:r>
-            <a:endParaRPr lang="en-US" altLang="ko-KR" sz="4800" dirty="0">
-              <a:solidFill>
-                <a:srgbClr val="4C50BC"/>
-              </a:solidFill>
-              <a:latin typeface="G마켓 산스 Medium" panose="02000000000000000000" pitchFamily="50" charset="-127"/>
-              <a:ea typeface="G마켓 산스 Medium" panose="02000000000000000000" pitchFamily="50" charset="-127"/>
-            </a:endParaRPr>
-          </a:p>
-        </p:txBody>
-      </p:sp>
       <p:sp>
         <p:nvSpPr>
           <p:cNvPr id="6" name="TextBox 5">
@@ -10345,7 +11456,7 @@
         </p:nvSpPr>
         <p:spPr>
           <a:xfrm>
-            <a:off x="7848600" y="1982569"/>
+            <a:off x="7848600" y="2515969"/>
             <a:ext cx="8380980" cy="646331"/>
           </a:xfrm>
           <a:prstGeom prst="rect">
@@ -10405,7 +11516,7 @@
         </p:nvCxnSpPr>
         <p:spPr>
           <a:xfrm flipV="1">
-            <a:off x="6760698" y="2247899"/>
+            <a:off x="6760698" y="2781299"/>
             <a:ext cx="1011702" cy="1"/>
           </a:xfrm>
           <a:prstGeom prst="straightConnector1">
@@ -10445,7 +11556,7 @@
         </p:blipFill>
         <p:spPr>
           <a:xfrm>
-            <a:off x="762000" y="6703500"/>
+            <a:off x="762000" y="7236900"/>
             <a:ext cx="15423488" cy="1820230"/>
           </a:xfrm>
           <a:prstGeom prst="rect">
@@ -10467,7 +11578,7 @@
         </p:nvSpPr>
         <p:spPr>
           <a:xfrm>
-            <a:off x="7010399" y="3097797"/>
+            <a:off x="7010399" y="3631197"/>
             <a:ext cx="8380980" cy="646331"/>
           </a:xfrm>
           <a:prstGeom prst="rect">
@@ -10517,7 +11628,7 @@
         </p:nvCxnSpPr>
         <p:spPr>
           <a:xfrm flipV="1">
-            <a:off x="5922497" y="3363127"/>
+            <a:off x="5922497" y="3896527"/>
             <a:ext cx="1011702" cy="1"/>
           </a:xfrm>
           <a:prstGeom prst="straightConnector1">
@@ -10556,7 +11667,7 @@
         </p:nvSpPr>
         <p:spPr>
           <a:xfrm>
-            <a:off x="5181600" y="4243384"/>
+            <a:off x="5181600" y="4776784"/>
             <a:ext cx="8380980" cy="646331"/>
           </a:xfrm>
           <a:prstGeom prst="rect">
@@ -10606,7 +11717,7 @@
         </p:nvCxnSpPr>
         <p:spPr>
           <a:xfrm flipV="1">
-            <a:off x="4093698" y="4508714"/>
+            <a:off x="4093698" y="5042114"/>
             <a:ext cx="1011702" cy="1"/>
           </a:xfrm>
           <a:prstGeom prst="straightConnector1">
@@ -10645,7 +11756,7 @@
         </p:nvSpPr>
         <p:spPr>
           <a:xfrm>
-            <a:off x="4093698" y="5435082"/>
+            <a:off x="4093698" y="5968482"/>
             <a:ext cx="8380980" cy="646331"/>
           </a:xfrm>
           <a:prstGeom prst="rect">
@@ -10705,7 +11816,7 @@
         </p:nvCxnSpPr>
         <p:spPr>
           <a:xfrm flipV="1">
-            <a:off x="3005796" y="5700412"/>
+            <a:off x="3005796" y="6233812"/>
             <a:ext cx="1011702" cy="1"/>
           </a:xfrm>
           <a:prstGeom prst="straightConnector1">
@@ -10744,7 +11855,7 @@
         </p:nvSpPr>
         <p:spPr>
           <a:xfrm>
-            <a:off x="3485856" y="8846099"/>
+            <a:off x="3485856" y="9379499"/>
             <a:ext cx="14802144" cy="646331"/>
           </a:xfrm>
           <a:prstGeom prst="rect">
@@ -10824,7 +11935,7 @@
         </p:nvCxnSpPr>
         <p:spPr>
           <a:xfrm flipH="1">
-            <a:off x="14401290" y="8039102"/>
+            <a:off x="14401290" y="8572502"/>
             <a:ext cx="484238" cy="634088"/>
           </a:xfrm>
           <a:prstGeom prst="straightConnector1">
@@ -10843,6 +11954,120 @@
           </a:fillRef>
           <a:effectRef idx="0">
             <a:schemeClr val="accent2"/>
+          </a:effectRef>
+          <a:fontRef idx="minor">
+            <a:schemeClr val="tx1"/>
+          </a:fontRef>
+        </p:style>
+      </p:cxnSp>
+      <p:sp>
+        <p:nvSpPr>
+          <p:cNvPr id="5" name="TextBox 4">
+            <a:extLst>
+              <a:ext uri="{FF2B5EF4-FFF2-40B4-BE49-F238E27FC236}">
+                <a16:creationId xmlns:a16="http://schemas.microsoft.com/office/drawing/2014/main" id="{9B75B127-C341-157C-280E-8CC485BFFBBB}"/>
+              </a:ext>
+            </a:extLst>
+          </p:cNvPr>
+          <p:cNvSpPr txBox="1"/>
+          <p:nvPr/>
+        </p:nvSpPr>
+        <p:spPr>
+          <a:xfrm>
+            <a:off x="304800" y="114300"/>
+            <a:ext cx="10972800" cy="923330"/>
+          </a:xfrm>
+          <a:prstGeom prst="rect">
+            <a:avLst/>
+          </a:prstGeom>
+          <a:noFill/>
+        </p:spPr>
+        <p:txBody>
+          <a:bodyPr wrap="square" rtlCol="0">
+            <a:spAutoFit/>
+          </a:bodyPr>
+          <a:lstStyle/>
+          <a:p>
+            <a:r>
+              <a:rPr lang="en-US" altLang="ko-KR" sz="5400" spc="-300" dirty="0">
+                <a:solidFill>
+                  <a:srgbClr val="4C50BC"/>
+                </a:solidFill>
+                <a:latin typeface="G마켓 산스 Bold" panose="02000000000000000000" pitchFamily="50" charset="-127"/>
+                <a:ea typeface="G마켓 산스 Bold" panose="02000000000000000000" pitchFamily="50" charset="-127"/>
+              </a:rPr>
+              <a:t>1-2 </a:t>
+            </a:r>
+            <a:r>
+              <a:rPr lang="ko-KR" altLang="en-US" sz="5400" spc="-300" dirty="0">
+                <a:solidFill>
+                  <a:srgbClr val="4C50BC"/>
+                </a:solidFill>
+                <a:latin typeface="G마켓 산스 Bold" panose="02000000000000000000" pitchFamily="50" charset="-127"/>
+                <a:ea typeface="G마켓 산스 Bold" panose="02000000000000000000" pitchFamily="50" charset="-127"/>
+              </a:rPr>
+              <a:t>문제풀이</a:t>
+            </a:r>
+            <a:r>
+              <a:rPr lang="en-US" altLang="ko-KR" sz="5400" spc="-300" dirty="0">
+                <a:solidFill>
+                  <a:srgbClr val="4C50BC"/>
+                </a:solidFill>
+                <a:latin typeface="G마켓 산스 Bold" panose="02000000000000000000" pitchFamily="50" charset="-127"/>
+                <a:ea typeface="G마켓 산스 Bold" panose="02000000000000000000" pitchFamily="50" charset="-127"/>
+              </a:rPr>
+              <a:t> </a:t>
+            </a:r>
+            <a:r>
+              <a:rPr lang="en-US" altLang="ko-KR" sz="5400" spc="-300" dirty="0">
+                <a:solidFill>
+                  <a:srgbClr val="FF0000"/>
+                </a:solidFill>
+                <a:latin typeface="G마켓 산스 Bold" panose="02000000000000000000" pitchFamily="50" charset="-127"/>
+                <a:ea typeface="G마켓 산스 Bold" panose="02000000000000000000" pitchFamily="50" charset="-127"/>
+              </a:rPr>
+              <a:t>(hard)</a:t>
+            </a:r>
+          </a:p>
+        </p:txBody>
+      </p:sp>
+      <p:cxnSp>
+        <p:nvCxnSpPr>
+          <p:cNvPr id="8" name="직선 연결선 7">
+            <a:extLst>
+              <a:ext uri="{FF2B5EF4-FFF2-40B4-BE49-F238E27FC236}">
+                <a16:creationId xmlns:a16="http://schemas.microsoft.com/office/drawing/2014/main" id="{9C7E54FA-4D1A-1A12-121B-0ACCB5CEF07F}"/>
+              </a:ext>
+            </a:extLst>
+          </p:cNvPr>
+          <p:cNvCxnSpPr>
+            <a:cxnSpLocks/>
+          </p:cNvCxnSpPr>
+          <p:nvPr/>
+        </p:nvCxnSpPr>
+        <p:spPr>
+          <a:xfrm flipH="1" flipV="1">
+            <a:off x="-13447" y="972511"/>
+            <a:ext cx="18288000" cy="65119"/>
+          </a:xfrm>
+          <a:prstGeom prst="line">
+            <a:avLst/>
+          </a:prstGeom>
+          <a:ln w="38100">
+            <a:solidFill>
+              <a:srgbClr val="4C50BC"/>
+            </a:solidFill>
+          </a:ln>
+        </p:spPr>
+        <p:style>
+          <a:lnRef idx="1">
+            <a:schemeClr val="accent1"/>
+          </a:lnRef>
+          <a:fillRef idx="0">
+            <a:schemeClr val="accent1"/>
+          </a:fillRef>
+          <a:effectRef idx="0">
+            <a:schemeClr val="accent1"/>
           </a:effectRef>
           <a:fontRef idx="minor">
             <a:schemeClr val="tx1"/>
@@ -10895,7 +12120,7 @@
         </p:blipFill>
         <p:spPr>
           <a:xfrm>
-            <a:off x="9601200" y="2552700"/>
+            <a:off x="9601200" y="3543300"/>
             <a:ext cx="5334000" cy="3602383"/>
           </a:xfrm>
           <a:prstGeom prst="rect">
@@ -10919,7 +12144,7 @@
         </p:blipFill>
         <p:spPr>
           <a:xfrm>
-            <a:off x="1905000" y="2734926"/>
+            <a:off x="1905000" y="3725526"/>
             <a:ext cx="5132466" cy="3497470"/>
           </a:xfrm>
           <a:prstGeom prst="rect">
@@ -10941,7 +12166,7 @@
         </p:nvSpPr>
         <p:spPr>
           <a:xfrm>
-            <a:off x="3810000" y="7048500"/>
+            <a:off x="3810000" y="8039100"/>
             <a:ext cx="12954000" cy="830997"/>
           </a:xfrm>
           <a:prstGeom prst="rect">
@@ -11007,10 +12232,10 @@
       </p:sp>
       <p:sp>
         <p:nvSpPr>
-          <p:cNvPr id="9" name="TextBox 8">
+          <p:cNvPr id="2" name="TextBox 1">
             <a:extLst>
               <a:ext uri="{FF2B5EF4-FFF2-40B4-BE49-F238E27FC236}">
-                <a16:creationId xmlns:a16="http://schemas.microsoft.com/office/drawing/2014/main" id="{5ADC00B6-990A-40DC-3CEA-505258F5E8DA}"/>
+                <a16:creationId xmlns:a16="http://schemas.microsoft.com/office/drawing/2014/main" id="{E803E72E-9E92-FB7C-50A7-0D29E0D0CC77}"/>
               </a:ext>
             </a:extLst>
           </p:cNvPr>
@@ -11019,8 +12244,8 @@
         </p:nvSpPr>
         <p:spPr>
           <a:xfrm>
-            <a:off x="762000" y="266700"/>
-            <a:ext cx="3894040" cy="830997"/>
+            <a:off x="304800" y="114300"/>
+            <a:ext cx="10972800" cy="923330"/>
           </a:xfrm>
           <a:prstGeom prst="rect">
             <a:avLst/>
@@ -11034,25 +12259,91 @@
           <a:lstStyle/>
           <a:p>
             <a:r>
-              <a:rPr lang="ko-KR" altLang="en-US" sz="4800">
+              <a:rPr lang="en-US" altLang="ko-KR" sz="5400" spc="-300" dirty="0">
                 <a:solidFill>
                   <a:srgbClr val="4C50BC"/>
                 </a:solidFill>
-                <a:latin typeface="G마켓 산스 Medium" panose="02000000000000000000" pitchFamily="50" charset="-127"/>
-                <a:ea typeface="G마켓 산스 Medium" panose="02000000000000000000" pitchFamily="50" charset="-127"/>
-              </a:rPr>
-              <a:t>정답</a:t>
-            </a:r>
-            <a:endParaRPr lang="en-US" altLang="ko-KR" sz="4800" dirty="0">
-              <a:solidFill>
-                <a:srgbClr val="4C50BC"/>
-              </a:solidFill>
-              <a:latin typeface="G마켓 산스 Medium" panose="02000000000000000000" pitchFamily="50" charset="-127"/>
-              <a:ea typeface="G마켓 산스 Medium" panose="02000000000000000000" pitchFamily="50" charset="-127"/>
-            </a:endParaRPr>
+                <a:latin typeface="G마켓 산스 Bold" panose="02000000000000000000" pitchFamily="50" charset="-127"/>
+                <a:ea typeface="G마켓 산스 Bold" panose="02000000000000000000" pitchFamily="50" charset="-127"/>
+              </a:rPr>
+              <a:t>1-2 </a:t>
+            </a:r>
+            <a:r>
+              <a:rPr lang="ko-KR" altLang="en-US" sz="5400" spc="-300" dirty="0">
+                <a:solidFill>
+                  <a:srgbClr val="4C50BC"/>
+                </a:solidFill>
+                <a:latin typeface="G마켓 산스 Bold" panose="02000000000000000000" pitchFamily="50" charset="-127"/>
+                <a:ea typeface="G마켓 산스 Bold" panose="02000000000000000000" pitchFamily="50" charset="-127"/>
+              </a:rPr>
+              <a:t>문제풀이</a:t>
+            </a:r>
+            <a:r>
+              <a:rPr lang="en-US" altLang="ko-KR" sz="5400" spc="-300" dirty="0">
+                <a:solidFill>
+                  <a:srgbClr val="4C50BC"/>
+                </a:solidFill>
+                <a:latin typeface="G마켓 산스 Bold" panose="02000000000000000000" pitchFamily="50" charset="-127"/>
+                <a:ea typeface="G마켓 산스 Bold" panose="02000000000000000000" pitchFamily="50" charset="-127"/>
+              </a:rPr>
+              <a:t> </a:t>
+            </a:r>
+            <a:r>
+              <a:rPr lang="en-US" altLang="ko-KR" sz="5400" spc="-300" dirty="0">
+                <a:solidFill>
+                  <a:srgbClr val="FF0000"/>
+                </a:solidFill>
+                <a:latin typeface="G마켓 산스 Bold" panose="02000000000000000000" pitchFamily="50" charset="-127"/>
+                <a:ea typeface="G마켓 산스 Bold" panose="02000000000000000000" pitchFamily="50" charset="-127"/>
+              </a:rPr>
+              <a:t>(hard)</a:t>
+            </a:r>
           </a:p>
         </p:txBody>
       </p:sp>
+      <p:cxnSp>
+        <p:nvCxnSpPr>
+          <p:cNvPr id="3" name="직선 연결선 2">
+            <a:extLst>
+              <a:ext uri="{FF2B5EF4-FFF2-40B4-BE49-F238E27FC236}">
+                <a16:creationId xmlns:a16="http://schemas.microsoft.com/office/drawing/2014/main" id="{9D10398C-3F76-9F1E-D547-4E974797F05B}"/>
+              </a:ext>
+            </a:extLst>
+          </p:cNvPr>
+          <p:cNvCxnSpPr>
+            <a:cxnSpLocks/>
+          </p:cNvCxnSpPr>
+          <p:nvPr/>
+        </p:nvCxnSpPr>
+        <p:spPr>
+          <a:xfrm flipH="1" flipV="1">
+            <a:off x="-13447" y="972511"/>
+            <a:ext cx="18288000" cy="65119"/>
+          </a:xfrm>
+          <a:prstGeom prst="line">
+            <a:avLst/>
+          </a:prstGeom>
+          <a:ln w="38100">
+            <a:solidFill>
+              <a:srgbClr val="4C50BC"/>
+            </a:solidFill>
+          </a:ln>
+        </p:spPr>
+        <p:style>
+          <a:lnRef idx="1">
+            <a:schemeClr val="accent1"/>
+          </a:lnRef>
+          <a:fillRef idx="0">
+            <a:schemeClr val="accent1"/>
+          </a:fillRef>
+          <a:effectRef idx="0">
+            <a:schemeClr val="accent1"/>
+          </a:effectRef>
+          <a:fontRef idx="minor">
+            <a:schemeClr val="tx1"/>
+          </a:fontRef>
+        </p:style>
+      </p:cxnSp>
     </p:spTree>
     <p:extLst>
       <p:ext uri="{BB962C8B-B14F-4D97-AF65-F5344CB8AC3E}">
@@ -11178,7 +12469,7 @@
         </p:nvSpPr>
         <p:spPr>
           <a:xfrm>
-            <a:off x="381000" y="419100"/>
+            <a:off x="381000" y="1182858"/>
             <a:ext cx="17526000" cy="2062103"/>
           </a:xfrm>
           <a:prstGeom prst="rect">
@@ -11193,55 +12484,42 @@
           <a:lstStyle/>
           <a:p>
             <a:r>
-              <a:rPr lang="en-US" altLang="ko-KR" sz="3200">
+              <a:rPr lang="ko-KR" altLang="en-US" sz="3200" dirty="0">
                 <a:solidFill>
                   <a:srgbClr val="4C50BC"/>
                 </a:solidFill>
                 <a:latin typeface="G마켓 산스 Medium" panose="02000000000000000000" pitchFamily="50" charset="-127"/>
                 <a:ea typeface="G마켓 산스 Medium" panose="02000000000000000000" pitchFamily="50" charset="-127"/>
               </a:rPr>
-              <a:t>1-3 </a:t>
-            </a:r>
-            <a:r>
-              <a:rPr lang="ko-KR" altLang="en-US" sz="3200">
+              <a:t>앞서 만든 </a:t>
+            </a:r>
+            <a:r>
+              <a:rPr lang="en-US" altLang="ko-KR" sz="3200" dirty="0">
                 <a:solidFill>
                   <a:srgbClr val="4C50BC"/>
                 </a:solidFill>
                 <a:latin typeface="G마켓 산스 Medium" panose="02000000000000000000" pitchFamily="50" charset="-127"/>
                 <a:ea typeface="G마켓 산스 Medium" panose="02000000000000000000" pitchFamily="50" charset="-127"/>
               </a:rPr>
-              <a:t>앞서 만든 </a:t>
-            </a:r>
-            <a:r>
-              <a:rPr lang="en-US" altLang="ko-KR" sz="3200">
+              <a:t>Person </a:t>
+            </a:r>
+            <a:r>
+              <a:rPr lang="ko-KR" altLang="en-US" sz="3200" dirty="0">
                 <a:solidFill>
                   <a:srgbClr val="4C50BC"/>
                 </a:solidFill>
                 <a:latin typeface="G마켓 산스 Medium" panose="02000000000000000000" pitchFamily="50" charset="-127"/>
                 <a:ea typeface="G마켓 산스 Medium" panose="02000000000000000000" pitchFamily="50" charset="-127"/>
               </a:rPr>
-              <a:t>Person </a:t>
-            </a:r>
-            <a:r>
-              <a:rPr lang="ko-KR" altLang="en-US" sz="3200">
-                <a:solidFill>
-                  <a:srgbClr val="4C50BC"/>
-                </a:solidFill>
-                <a:latin typeface="G마켓 산스 Medium" panose="02000000000000000000" pitchFamily="50" charset="-127"/>
-                <a:ea typeface="G마켓 산스 Medium" panose="02000000000000000000" pitchFamily="50" charset="-127"/>
-              </a:rPr>
               <a:t>클래스에 기능을 추가해보자</a:t>
             </a:r>
-            <a:r>
-              <a:rPr lang="en-US" altLang="ko-KR" sz="3200">
-                <a:solidFill>
-                  <a:srgbClr val="FF0000"/>
-                </a:solidFill>
-                <a:latin typeface="G마켓 산스 Medium" panose="02000000000000000000" pitchFamily="50" charset="-127"/>
-                <a:ea typeface="G마켓 산스 Medium" panose="02000000000000000000" pitchFamily="50" charset="-127"/>
-              </a:rPr>
-              <a:t>(expert)</a:t>
-            </a:r>
+            <a:endParaRPr lang="en-US" altLang="ko-KR" sz="3200" dirty="0">
+              <a:solidFill>
+                <a:srgbClr val="FF0000"/>
+              </a:solidFill>
+              <a:latin typeface="G마켓 산스 Medium" panose="02000000000000000000" pitchFamily="50" charset="-127"/>
+              <a:ea typeface="G마켓 산스 Medium" panose="02000000000000000000" pitchFamily="50" charset="-127"/>
+            </a:endParaRPr>
           </a:p>
           <a:p>
             <a:pPr marL="457200" indent="-457200">
@@ -11249,7 +12527,7 @@
               <a:buChar char="-"/>
             </a:pPr>
             <a:r>
-              <a:rPr lang="ko-KR" altLang="en-US" sz="3200">
+              <a:rPr lang="ko-KR" altLang="en-US" sz="3200" dirty="0">
                 <a:solidFill>
                   <a:schemeClr val="bg1">
                     <a:lumMod val="50000"/>
@@ -11261,7 +12539,7 @@
               <a:t>멤버 메서드 </a:t>
             </a:r>
             <a:r>
-              <a:rPr lang="en-US" altLang="ko-KR" sz="3200">
+              <a:rPr lang="en-US" altLang="ko-KR" sz="3200" dirty="0">
                 <a:solidFill>
                   <a:schemeClr val="bg1">
                     <a:lumMod val="50000"/>
@@ -11270,10 +12548,10 @@
                 <a:latin typeface="G마켓 산스 Medium" panose="02000000000000000000" pitchFamily="50" charset="-127"/>
                 <a:ea typeface="G마켓 산스 Medium" panose="02000000000000000000" pitchFamily="50" charset="-127"/>
               </a:rPr>
-              <a:t>: int getAge()                  </a:t>
-            </a:r>
-            <a:r>
-              <a:rPr lang="ko-KR" altLang="en-US" sz="3200">
+              <a:t>: int </a:t>
+            </a:r>
+            <a:r>
+              <a:rPr lang="en-US" altLang="ko-KR" sz="3200" dirty="0" err="1">
                 <a:solidFill>
                   <a:schemeClr val="bg1">
                     <a:lumMod val="50000"/>
@@ -11282,10 +12560,10 @@
                 <a:latin typeface="G마켓 산스 Medium" panose="02000000000000000000" pitchFamily="50" charset="-127"/>
                 <a:ea typeface="G마켓 산스 Medium" panose="02000000000000000000" pitchFamily="50" charset="-127"/>
               </a:rPr>
-              <a:t>주민번호를 이용해 나이를 반환한다</a:t>
-            </a:r>
-            <a:r>
-              <a:rPr lang="en-US" altLang="ko-KR" sz="3200">
+              <a:t>getAge</a:t>
+            </a:r>
+            <a:r>
+              <a:rPr lang="en-US" altLang="ko-KR" sz="3200" dirty="0">
                 <a:solidFill>
                   <a:schemeClr val="bg1">
                     <a:lumMod val="50000"/>
@@ -11294,10 +12572,10 @@
                 <a:latin typeface="G마켓 산스 Medium" panose="02000000000000000000" pitchFamily="50" charset="-127"/>
                 <a:ea typeface="G마켓 산스 Medium" panose="02000000000000000000" pitchFamily="50" charset="-127"/>
               </a:rPr>
-              <a:t>.(</a:t>
-            </a:r>
-            <a:r>
-              <a:rPr lang="ko-KR" altLang="en-US" sz="3200">
+              <a:t>()                  </a:t>
+            </a:r>
+            <a:r>
+              <a:rPr lang="ko-KR" altLang="en-US" sz="3200" dirty="0">
                 <a:solidFill>
                   <a:schemeClr val="bg1">
                     <a:lumMod val="50000"/>
@@ -11306,10 +12584,34 @@
                 <a:latin typeface="G마켓 산스 Medium" panose="02000000000000000000" pitchFamily="50" charset="-127"/>
                 <a:ea typeface="G마켓 산스 Medium" panose="02000000000000000000" pitchFamily="50" charset="-127"/>
               </a:rPr>
+              <a:t>주민번호를 이용해 나이를 반환한다</a:t>
+            </a:r>
+            <a:r>
+              <a:rPr lang="en-US" altLang="ko-KR" sz="3200" dirty="0">
+                <a:solidFill>
+                  <a:schemeClr val="bg1">
+                    <a:lumMod val="50000"/>
+                  </a:schemeClr>
+                </a:solidFill>
+                <a:latin typeface="G마켓 산스 Medium" panose="02000000000000000000" pitchFamily="50" charset="-127"/>
+                <a:ea typeface="G마켓 산스 Medium" panose="02000000000000000000" pitchFamily="50" charset="-127"/>
+              </a:rPr>
+              <a:t>.(</a:t>
+            </a:r>
+            <a:r>
+              <a:rPr lang="ko-KR" altLang="en-US" sz="3200" dirty="0">
+                <a:solidFill>
+                  <a:schemeClr val="bg1">
+                    <a:lumMod val="50000"/>
+                  </a:schemeClr>
+                </a:solidFill>
+                <a:latin typeface="G마켓 산스 Medium" panose="02000000000000000000" pitchFamily="50" charset="-127"/>
+                <a:ea typeface="G마켓 산스 Medium" panose="02000000000000000000" pitchFamily="50" charset="-127"/>
+              </a:rPr>
               <a:t>만나이</a:t>
             </a:r>
             <a:r>
-              <a:rPr lang="en-US" altLang="ko-KR" sz="3200">
+              <a:rPr lang="en-US" altLang="ko-KR" sz="3200" dirty="0">
                 <a:solidFill>
                   <a:schemeClr val="bg1">
                     <a:lumMod val="50000"/>
@@ -11327,7 +12629,7 @@
               <a:buChar char="-"/>
             </a:pPr>
             <a:r>
-              <a:rPr lang="ko-KR" altLang="en-US" sz="3200">
+              <a:rPr lang="ko-KR" altLang="en-US" sz="3200" dirty="0">
                 <a:solidFill>
                   <a:schemeClr val="bg1">
                     <a:lumMod val="50000"/>
@@ -11339,7 +12641,7 @@
               <a:t>기존의 </a:t>
             </a:r>
             <a:r>
-              <a:rPr lang="en-US" altLang="ko-KR" sz="3200">
+              <a:rPr lang="en-US" altLang="ko-KR" sz="3200" dirty="0" err="1">
                 <a:solidFill>
                   <a:schemeClr val="bg1">
                     <a:lumMod val="50000"/>
@@ -11348,10 +12650,10 @@
                 <a:latin typeface="G마켓 산스 Medium" panose="02000000000000000000" pitchFamily="50" charset="-127"/>
                 <a:ea typeface="G마켓 산스 Medium" panose="02000000000000000000" pitchFamily="50" charset="-127"/>
               </a:rPr>
-              <a:t>showState </a:t>
-            </a:r>
-            <a:r>
-              <a:rPr lang="ko-KR" altLang="en-US" sz="3200">
+              <a:t>showState</a:t>
+            </a:r>
+            <a:r>
+              <a:rPr lang="en-US" altLang="ko-KR" sz="3200" dirty="0">
                 <a:solidFill>
                   <a:schemeClr val="bg1">
                     <a:lumMod val="50000"/>
@@ -11360,10 +12662,10 @@
                 <a:latin typeface="G마켓 산스 Medium" panose="02000000000000000000" pitchFamily="50" charset="-127"/>
                 <a:ea typeface="G마켓 산스 Medium" panose="02000000000000000000" pitchFamily="50" charset="-127"/>
               </a:rPr>
-              <a:t>메서드에 </a:t>
-            </a:r>
-            <a:r>
-              <a:rPr lang="en-US" altLang="ko-KR" sz="3200">
+              <a:t> </a:t>
+            </a:r>
+            <a:r>
+              <a:rPr lang="ko-KR" altLang="en-US" sz="3200" dirty="0">
                 <a:solidFill>
                   <a:schemeClr val="bg1">
                     <a:lumMod val="50000"/>
@@ -11372,10 +12674,10 @@
                 <a:latin typeface="G마켓 산스 Medium" panose="02000000000000000000" pitchFamily="50" charset="-127"/>
                 <a:ea typeface="G마켓 산스 Medium" panose="02000000000000000000" pitchFamily="50" charset="-127"/>
               </a:rPr>
-              <a:t>getAge</a:t>
-            </a:r>
-            <a:r>
-              <a:rPr lang="ko-KR" altLang="en-US" sz="3200">
+              <a:t>메서드에 </a:t>
+            </a:r>
+            <a:r>
+              <a:rPr lang="en-US" altLang="ko-KR" sz="3200" dirty="0" err="1">
                 <a:solidFill>
                   <a:schemeClr val="bg1">
                     <a:lumMod val="50000"/>
@@ -11384,10 +12686,22 @@
                 <a:latin typeface="G마켓 산스 Medium" panose="02000000000000000000" pitchFamily="50" charset="-127"/>
                 <a:ea typeface="G마켓 산스 Medium" panose="02000000000000000000" pitchFamily="50" charset="-127"/>
               </a:rPr>
+              <a:t>getAge</a:t>
+            </a:r>
+            <a:r>
+              <a:rPr lang="ko-KR" altLang="en-US" sz="3200" dirty="0">
+                <a:solidFill>
+                  <a:schemeClr val="bg1">
+                    <a:lumMod val="50000"/>
+                  </a:schemeClr>
+                </a:solidFill>
+                <a:latin typeface="G마켓 산스 Medium" panose="02000000000000000000" pitchFamily="50" charset="-127"/>
+                <a:ea typeface="G마켓 산스 Medium" panose="02000000000000000000" pitchFamily="50" charset="-127"/>
+              </a:rPr>
               <a:t>를 이용하여 나이도 출력 하도록 하자</a:t>
             </a:r>
             <a:r>
-              <a:rPr lang="en-US" altLang="ko-KR" sz="3200">
+              <a:rPr lang="en-US" altLang="ko-KR" sz="3200" dirty="0">
                 <a:solidFill>
                   <a:schemeClr val="bg1">
                     <a:lumMod val="50000"/>
@@ -11405,7 +12719,7 @@
               <a:buChar char="-"/>
             </a:pPr>
             <a:r>
-              <a:rPr lang="ko-KR" altLang="en-US" sz="3200">
+              <a:rPr lang="ko-KR" altLang="en-US" sz="3200" dirty="0">
                 <a:solidFill>
                   <a:schemeClr val="bg1">
                     <a:lumMod val="50000"/>
@@ -11414,10 +12728,10 @@
                 <a:latin typeface="G마켓 산스 Medium" panose="02000000000000000000" pitchFamily="50" charset="-127"/>
                 <a:ea typeface="G마켓 산스 Medium" panose="02000000000000000000" pitchFamily="50" charset="-127"/>
               </a:rPr>
-              <a:t>성별 코드로 몇세기인지를 파악해야 정확한 나이 계산이 가능하다</a:t>
-            </a:r>
-            <a:r>
-              <a:rPr lang="en-US" altLang="ko-KR" sz="3200">
+              <a:t>성별 코드로 </a:t>
+            </a:r>
+            <a:r>
+              <a:rPr lang="ko-KR" altLang="en-US" sz="3200" dirty="0" err="1">
                 <a:solidFill>
                   <a:schemeClr val="bg1">
                     <a:lumMod val="50000"/>
@@ -11426,9 +12740,33 @@
                 <a:latin typeface="G마켓 산스 Medium" panose="02000000000000000000" pitchFamily="50" charset="-127"/>
                 <a:ea typeface="G마켓 산스 Medium" panose="02000000000000000000" pitchFamily="50" charset="-127"/>
               </a:rPr>
+              <a:t>몇세기인지를</a:t>
+            </a:r>
+            <a:r>
+              <a:rPr lang="ko-KR" altLang="en-US" sz="3200" dirty="0">
+                <a:solidFill>
+                  <a:schemeClr val="bg1">
+                    <a:lumMod val="50000"/>
+                  </a:schemeClr>
+                </a:solidFill>
+                <a:latin typeface="G마켓 산스 Medium" panose="02000000000000000000" pitchFamily="50" charset="-127"/>
+                <a:ea typeface="G마켓 산스 Medium" panose="02000000000000000000" pitchFamily="50" charset="-127"/>
+              </a:rPr>
+              <a:t> 파악해야 정확한 나이 계산이 가능하다</a:t>
+            </a:r>
+            <a:r>
+              <a:rPr lang="en-US" altLang="ko-KR" sz="3200" dirty="0">
+                <a:solidFill>
+                  <a:schemeClr val="bg1">
+                    <a:lumMod val="50000"/>
+                  </a:schemeClr>
+                </a:solidFill>
+                <a:latin typeface="G마켓 산스 Medium" panose="02000000000000000000" pitchFamily="50" charset="-127"/>
+                <a:ea typeface="G마켓 산스 Medium" panose="02000000000000000000" pitchFamily="50" charset="-127"/>
+              </a:rPr>
               <a:t>.</a:t>
             </a:r>
-            <a:endParaRPr lang="en-US" altLang="ko-KR" sz="3200">
+            <a:endParaRPr lang="en-US" altLang="ko-KR" sz="3200" dirty="0">
               <a:solidFill>
                 <a:srgbClr val="4C50BC"/>
               </a:solidFill>
@@ -11446,7 +12784,7 @@
         </p:nvSpPr>
         <p:spPr>
           <a:xfrm>
-            <a:off x="304800" y="3122973"/>
+            <a:off x="304800" y="3886731"/>
             <a:ext cx="10530447" cy="1077218"/>
           </a:xfrm>
           <a:prstGeom prst="rect">
@@ -11580,7 +12918,7 @@
         </p:blipFill>
         <p:spPr>
           <a:xfrm>
-            <a:off x="11125200" y="3086100"/>
+            <a:off x="11125200" y="3849858"/>
             <a:ext cx="6797052" cy="4308285"/>
           </a:xfrm>
           <a:prstGeom prst="rect">
@@ -11604,7 +12942,7 @@
         </p:blipFill>
         <p:spPr>
           <a:xfrm>
-            <a:off x="7391400" y="8115300"/>
+            <a:off x="7391400" y="8879058"/>
             <a:ext cx="10403797" cy="1293642"/>
           </a:xfrm>
           <a:prstGeom prst="rect">
@@ -11628,7 +12966,7 @@
         </p:blipFill>
         <p:spPr>
           <a:xfrm>
-            <a:off x="381000" y="4378229"/>
+            <a:off x="381000" y="5141987"/>
             <a:ext cx="8577177" cy="2822671"/>
           </a:xfrm>
           <a:prstGeom prst="rect">
@@ -11636,6 +12974,120 @@
           </a:prstGeom>
         </p:spPr>
       </p:pic>
+      <p:sp>
+        <p:nvSpPr>
+          <p:cNvPr id="7" name="TextBox 6">
+            <a:extLst>
+              <a:ext uri="{FF2B5EF4-FFF2-40B4-BE49-F238E27FC236}">
+                <a16:creationId xmlns:a16="http://schemas.microsoft.com/office/drawing/2014/main" id="{D7E63493-F836-DEEE-6833-99780A1DDFEB}"/>
+              </a:ext>
+            </a:extLst>
+          </p:cNvPr>
+          <p:cNvSpPr txBox="1"/>
+          <p:nvPr/>
+        </p:nvSpPr>
+        <p:spPr>
+          <a:xfrm>
+            <a:off x="304800" y="114300"/>
+            <a:ext cx="10972800" cy="923330"/>
+          </a:xfrm>
+          <a:prstGeom prst="rect">
+            <a:avLst/>
+          </a:prstGeom>
+          <a:noFill/>
+        </p:spPr>
+        <p:txBody>
+          <a:bodyPr wrap="square" rtlCol="0">
+            <a:spAutoFit/>
+          </a:bodyPr>
+          <a:lstStyle/>
+          <a:p>
+            <a:r>
+              <a:rPr lang="en-US" altLang="ko-KR" sz="5400" spc="-300" dirty="0">
+                <a:solidFill>
+                  <a:srgbClr val="4C50BC"/>
+                </a:solidFill>
+                <a:latin typeface="G마켓 산스 Bold" panose="02000000000000000000" pitchFamily="50" charset="-127"/>
+                <a:ea typeface="G마켓 산스 Bold" panose="02000000000000000000" pitchFamily="50" charset="-127"/>
+              </a:rPr>
+              <a:t>1-3 </a:t>
+            </a:r>
+            <a:r>
+              <a:rPr lang="ko-KR" altLang="en-US" sz="5400" spc="-300" dirty="0">
+                <a:solidFill>
+                  <a:srgbClr val="4C50BC"/>
+                </a:solidFill>
+                <a:latin typeface="G마켓 산스 Bold" panose="02000000000000000000" pitchFamily="50" charset="-127"/>
+                <a:ea typeface="G마켓 산스 Bold" panose="02000000000000000000" pitchFamily="50" charset="-127"/>
+              </a:rPr>
+              <a:t>실습문제</a:t>
+            </a:r>
+            <a:r>
+              <a:rPr lang="en-US" altLang="ko-KR" sz="5400" spc="-300" dirty="0">
+                <a:solidFill>
+                  <a:srgbClr val="4C50BC"/>
+                </a:solidFill>
+                <a:latin typeface="G마켓 산스 Bold" panose="02000000000000000000" pitchFamily="50" charset="-127"/>
+                <a:ea typeface="G마켓 산스 Bold" panose="02000000000000000000" pitchFamily="50" charset="-127"/>
+              </a:rPr>
+              <a:t> </a:t>
+            </a:r>
+            <a:r>
+              <a:rPr lang="en-US" altLang="ko-KR" sz="5400" spc="-300" dirty="0">
+                <a:solidFill>
+                  <a:srgbClr val="FF0000"/>
+                </a:solidFill>
+                <a:latin typeface="G마켓 산스 Bold" panose="02000000000000000000" pitchFamily="50" charset="-127"/>
+                <a:ea typeface="G마켓 산스 Bold" panose="02000000000000000000" pitchFamily="50" charset="-127"/>
+              </a:rPr>
+              <a:t>(expert)</a:t>
+            </a:r>
+          </a:p>
+        </p:txBody>
+      </p:sp>
+      <p:cxnSp>
+        <p:nvCxnSpPr>
+          <p:cNvPr id="8" name="직선 연결선 7">
+            <a:extLst>
+              <a:ext uri="{FF2B5EF4-FFF2-40B4-BE49-F238E27FC236}">
+                <a16:creationId xmlns:a16="http://schemas.microsoft.com/office/drawing/2014/main" id="{1EFA0F17-E0D2-5AEF-EA12-96176A1B2FF2}"/>
+              </a:ext>
+            </a:extLst>
+          </p:cNvPr>
+          <p:cNvCxnSpPr>
+            <a:cxnSpLocks/>
+          </p:cNvCxnSpPr>
+          <p:nvPr/>
+        </p:nvCxnSpPr>
+        <p:spPr>
+          <a:xfrm flipH="1" flipV="1">
+            <a:off x="-13447" y="972511"/>
+            <a:ext cx="18288000" cy="65119"/>
+          </a:xfrm>
+          <a:prstGeom prst="line">
+            <a:avLst/>
+          </a:prstGeom>
+          <a:ln w="38100">
+            <a:solidFill>
+              <a:srgbClr val="4C50BC"/>
+            </a:solidFill>
+          </a:ln>
+        </p:spPr>
+        <p:style>
+          <a:lnRef idx="1">
+            <a:schemeClr val="accent1"/>
+          </a:lnRef>
+          <a:fillRef idx="0">
+            <a:schemeClr val="accent1"/>
+          </a:fillRef>
+          <a:effectRef idx="0">
+            <a:schemeClr val="accent1"/>
+          </a:effectRef>
+          <a:fontRef idx="minor">
+            <a:schemeClr val="tx1"/>
+          </a:fontRef>
+        </p:style>
+      </p:cxnSp>
     </p:spTree>
     <p:extLst>
       <p:ext uri="{BB962C8B-B14F-4D97-AF65-F5344CB8AC3E}">
